--- a/Documentation/Tutorials/NeuroDOT_Tutorial_for_Loading_Raw_Data.pptx
+++ b/Documentation/Tutorials/NeuroDOT_Tutorial_for_Loading_Raw_Data.pptx
@@ -109,6 +109,11 @@
       </a:defRPr>
     </a:lvl9pPr>
   </p:defaultTextStyle>
+  <p:extLst>
+    <p:ext uri="{EFAFB233-063F-42B5-8137-9DF3F51BA10A}">
+      <p15:sldGuideLst xmlns:p15="http://schemas.microsoft.com/office/powerpoint/2012/main"/>
+    </p:ext>
+  </p:extLst>
 </p:presentation>
 </file>
 
@@ -243,7 +248,7 @@
           <a:p>
             <a:fld id="{162AC784-C7BB-45CE-AB0D-139C9E5F95B5}" type="datetimeFigureOut">
               <a:rPr lang="en-US" smtClean="0"/>
-              <a:t>7/20/2023</a:t>
+              <a:t>2/19/2024</a:t>
             </a:fld>
             <a:endParaRPr lang="en-US"/>
           </a:p>
@@ -413,7 +418,7 @@
           <a:p>
             <a:fld id="{162AC784-C7BB-45CE-AB0D-139C9E5F95B5}" type="datetimeFigureOut">
               <a:rPr lang="en-US" smtClean="0"/>
-              <a:t>7/20/2023</a:t>
+              <a:t>2/19/2024</a:t>
             </a:fld>
             <a:endParaRPr lang="en-US"/>
           </a:p>
@@ -593,7 +598,7 @@
           <a:p>
             <a:fld id="{162AC784-C7BB-45CE-AB0D-139C9E5F95B5}" type="datetimeFigureOut">
               <a:rPr lang="en-US" smtClean="0"/>
-              <a:t>7/20/2023</a:t>
+              <a:t>2/19/2024</a:t>
             </a:fld>
             <a:endParaRPr lang="en-US"/>
           </a:p>
@@ -763,7 +768,7 @@
           <a:p>
             <a:fld id="{162AC784-C7BB-45CE-AB0D-139C9E5F95B5}" type="datetimeFigureOut">
               <a:rPr lang="en-US" smtClean="0"/>
-              <a:t>7/20/2023</a:t>
+              <a:t>2/19/2024</a:t>
             </a:fld>
             <a:endParaRPr lang="en-US"/>
           </a:p>
@@ -1009,7 +1014,7 @@
           <a:p>
             <a:fld id="{162AC784-C7BB-45CE-AB0D-139C9E5F95B5}" type="datetimeFigureOut">
               <a:rPr lang="en-US" smtClean="0"/>
-              <a:t>7/20/2023</a:t>
+              <a:t>2/19/2024</a:t>
             </a:fld>
             <a:endParaRPr lang="en-US"/>
           </a:p>
@@ -1241,7 +1246,7 @@
           <a:p>
             <a:fld id="{162AC784-C7BB-45CE-AB0D-139C9E5F95B5}" type="datetimeFigureOut">
               <a:rPr lang="en-US" smtClean="0"/>
-              <a:t>7/20/2023</a:t>
+              <a:t>2/19/2024</a:t>
             </a:fld>
             <a:endParaRPr lang="en-US"/>
           </a:p>
@@ -1608,7 +1613,7 @@
           <a:p>
             <a:fld id="{162AC784-C7BB-45CE-AB0D-139C9E5F95B5}" type="datetimeFigureOut">
               <a:rPr lang="en-US" smtClean="0"/>
-              <a:t>7/20/2023</a:t>
+              <a:t>2/19/2024</a:t>
             </a:fld>
             <a:endParaRPr lang="en-US"/>
           </a:p>
@@ -1726,7 +1731,7 @@
           <a:p>
             <a:fld id="{162AC784-C7BB-45CE-AB0D-139C9E5F95B5}" type="datetimeFigureOut">
               <a:rPr lang="en-US" smtClean="0"/>
-              <a:t>7/20/2023</a:t>
+              <a:t>2/19/2024</a:t>
             </a:fld>
             <a:endParaRPr lang="en-US"/>
           </a:p>
@@ -1821,7 +1826,7 @@
           <a:p>
             <a:fld id="{162AC784-C7BB-45CE-AB0D-139C9E5F95B5}" type="datetimeFigureOut">
               <a:rPr lang="en-US" smtClean="0"/>
-              <a:t>7/20/2023</a:t>
+              <a:t>2/19/2024</a:t>
             </a:fld>
             <a:endParaRPr lang="en-US"/>
           </a:p>
@@ -2098,7 +2103,7 @@
           <a:p>
             <a:fld id="{162AC784-C7BB-45CE-AB0D-139C9E5F95B5}" type="datetimeFigureOut">
               <a:rPr lang="en-US" smtClean="0"/>
-              <a:t>7/20/2023</a:t>
+              <a:t>2/19/2024</a:t>
             </a:fld>
             <a:endParaRPr lang="en-US"/>
           </a:p>
@@ -2355,7 +2360,7 @@
           <a:p>
             <a:fld id="{162AC784-C7BB-45CE-AB0D-139C9E5F95B5}" type="datetimeFigureOut">
               <a:rPr lang="en-US" smtClean="0"/>
-              <a:t>7/20/2023</a:t>
+              <a:t>2/19/2024</a:t>
             </a:fld>
             <a:endParaRPr lang="en-US"/>
           </a:p>
@@ -2568,7 +2573,7 @@
           <a:p>
             <a:fld id="{162AC784-C7BB-45CE-AB0D-139C9E5F95B5}" type="datetimeFigureOut">
               <a:rPr lang="en-US" smtClean="0"/>
-              <a:t>7/20/2023</a:t>
+              <a:t>2/19/2024</a:t>
             </a:fld>
             <a:endParaRPr lang="en-US"/>
           </a:p>
@@ -4179,7 +4184,19 @@
               <a:rPr lang="en-US" sz="2400" dirty="0">
                 <a:latin typeface="Trebuchet MS" panose="020B0603020202020204" pitchFamily="34" charset="0"/>
               </a:rPr>
-              <a:t>If you have any questions about the material presented in this tutorial, please consult the NeuroDOT User Manual on the WUSTL Bio-photonics Research Center (BRC) GitHub page </a:t>
+              <a:t>If you have any questions about the material presented in this tutorial, please consult </a:t>
+            </a:r>
+            <a:r>
+              <a:rPr lang="en-US" sz="2400">
+                <a:latin typeface="Trebuchet MS" panose="020B0603020202020204" pitchFamily="34" charset="0"/>
+              </a:rPr>
+              <a:t>the WUSTL </a:t>
+            </a:r>
+            <a:r>
+              <a:rPr lang="en-US" sz="2400" dirty="0">
+                <a:latin typeface="Trebuchet MS" panose="020B0603020202020204" pitchFamily="34" charset="0"/>
+              </a:rPr>
+              <a:t>Bio-photonics Research Center (BRC) GitHub page </a:t>
             </a:r>
             <a:r>
               <a:rPr lang="en-US" sz="2400" dirty="0">

--- a/Documentation/Tutorials/NeuroDOT_Tutorial_for_Loading_Raw_Data.pptx
+++ b/Documentation/Tutorials/NeuroDOT_Tutorial_for_Loading_Raw_Data.pptx
@@ -7,10 +7,11 @@
   <p:sldIdLst>
     <p:sldId id="277" r:id="rId2"/>
     <p:sldId id="291" r:id="rId3"/>
-    <p:sldId id="292" r:id="rId4"/>
-    <p:sldId id="293" r:id="rId5"/>
-    <p:sldId id="294" r:id="rId6"/>
-    <p:sldId id="282" r:id="rId7"/>
+    <p:sldId id="295" r:id="rId4"/>
+    <p:sldId id="292" r:id="rId5"/>
+    <p:sldId id="293" r:id="rId6"/>
+    <p:sldId id="294" r:id="rId7"/>
+    <p:sldId id="282" r:id="rId8"/>
   </p:sldIdLst>
   <p:sldSz cx="12192000" cy="6858000"/>
   <p:notesSz cx="6858000" cy="9144000"/>
@@ -248,7 +249,7 @@
           <a:p>
             <a:fld id="{162AC784-C7BB-45CE-AB0D-139C9E5F95B5}" type="datetimeFigureOut">
               <a:rPr lang="en-US" smtClean="0"/>
-              <a:t>2/19/2024</a:t>
+              <a:t>2/29/2024</a:t>
             </a:fld>
             <a:endParaRPr lang="en-US"/>
           </a:p>
@@ -418,7 +419,7 @@
           <a:p>
             <a:fld id="{162AC784-C7BB-45CE-AB0D-139C9E5F95B5}" type="datetimeFigureOut">
               <a:rPr lang="en-US" smtClean="0"/>
-              <a:t>2/19/2024</a:t>
+              <a:t>2/29/2024</a:t>
             </a:fld>
             <a:endParaRPr lang="en-US"/>
           </a:p>
@@ -598,7 +599,7 @@
           <a:p>
             <a:fld id="{162AC784-C7BB-45CE-AB0D-139C9E5F95B5}" type="datetimeFigureOut">
               <a:rPr lang="en-US" smtClean="0"/>
-              <a:t>2/19/2024</a:t>
+              <a:t>2/29/2024</a:t>
             </a:fld>
             <a:endParaRPr lang="en-US"/>
           </a:p>
@@ -768,7 +769,7 @@
           <a:p>
             <a:fld id="{162AC784-C7BB-45CE-AB0D-139C9E5F95B5}" type="datetimeFigureOut">
               <a:rPr lang="en-US" smtClean="0"/>
-              <a:t>2/19/2024</a:t>
+              <a:t>2/29/2024</a:t>
             </a:fld>
             <a:endParaRPr lang="en-US"/>
           </a:p>
@@ -1014,7 +1015,7 @@
           <a:p>
             <a:fld id="{162AC784-C7BB-45CE-AB0D-139C9E5F95B5}" type="datetimeFigureOut">
               <a:rPr lang="en-US" smtClean="0"/>
-              <a:t>2/19/2024</a:t>
+              <a:t>2/29/2024</a:t>
             </a:fld>
             <a:endParaRPr lang="en-US"/>
           </a:p>
@@ -1246,7 +1247,7 @@
           <a:p>
             <a:fld id="{162AC784-C7BB-45CE-AB0D-139C9E5F95B5}" type="datetimeFigureOut">
               <a:rPr lang="en-US" smtClean="0"/>
-              <a:t>2/19/2024</a:t>
+              <a:t>2/29/2024</a:t>
             </a:fld>
             <a:endParaRPr lang="en-US"/>
           </a:p>
@@ -1613,7 +1614,7 @@
           <a:p>
             <a:fld id="{162AC784-C7BB-45CE-AB0D-139C9E5F95B5}" type="datetimeFigureOut">
               <a:rPr lang="en-US" smtClean="0"/>
-              <a:t>2/19/2024</a:t>
+              <a:t>2/29/2024</a:t>
             </a:fld>
             <a:endParaRPr lang="en-US"/>
           </a:p>
@@ -1731,7 +1732,7 @@
           <a:p>
             <a:fld id="{162AC784-C7BB-45CE-AB0D-139C9E5F95B5}" type="datetimeFigureOut">
               <a:rPr lang="en-US" smtClean="0"/>
-              <a:t>2/19/2024</a:t>
+              <a:t>2/29/2024</a:t>
             </a:fld>
             <a:endParaRPr lang="en-US"/>
           </a:p>
@@ -1826,7 +1827,7 @@
           <a:p>
             <a:fld id="{162AC784-C7BB-45CE-AB0D-139C9E5F95B5}" type="datetimeFigureOut">
               <a:rPr lang="en-US" smtClean="0"/>
-              <a:t>2/19/2024</a:t>
+              <a:t>2/29/2024</a:t>
             </a:fld>
             <a:endParaRPr lang="en-US"/>
           </a:p>
@@ -2103,7 +2104,7 @@
           <a:p>
             <a:fld id="{162AC784-C7BB-45CE-AB0D-139C9E5F95B5}" type="datetimeFigureOut">
               <a:rPr lang="en-US" smtClean="0"/>
-              <a:t>2/19/2024</a:t>
+              <a:t>2/29/2024</a:t>
             </a:fld>
             <a:endParaRPr lang="en-US"/>
           </a:p>
@@ -2360,7 +2361,7 @@
           <a:p>
             <a:fld id="{162AC784-C7BB-45CE-AB0D-139C9E5F95B5}" type="datetimeFigureOut">
               <a:rPr lang="en-US" smtClean="0"/>
-              <a:t>2/19/2024</a:t>
+              <a:t>2/29/2024</a:t>
             </a:fld>
             <a:endParaRPr lang="en-US"/>
           </a:p>
@@ -2573,7 +2574,7 @@
           <a:p>
             <a:fld id="{162AC784-C7BB-45CE-AB0D-139C9E5F95B5}" type="datetimeFigureOut">
               <a:rPr lang="en-US" smtClean="0"/>
-              <a:t>2/19/2024</a:t>
+              <a:t>2/29/2024</a:t>
             </a:fld>
             <a:endParaRPr lang="en-US"/>
           </a:p>
@@ -3251,6 +3252,126 @@
           <p:cNvPr id="2" name="Title 1">
             <a:extLst>
               <a:ext uri="{FF2B5EF4-FFF2-40B4-BE49-F238E27FC236}">
+                <a16:creationId xmlns:a16="http://schemas.microsoft.com/office/drawing/2014/main" id="{3CAD23DB-DF32-DB83-44CC-168B42F27F9F}"/>
+              </a:ext>
+            </a:extLst>
+          </p:cNvPr>
+          <p:cNvSpPr>
+            <a:spLocks noGrp="1"/>
+          </p:cNvSpPr>
+          <p:nvPr>
+            <p:ph type="title"/>
+          </p:nvPr>
+        </p:nvSpPr>
+        <p:spPr/>
+        <p:txBody>
+          <a:bodyPr/>
+          <a:lstStyle/>
+          <a:p>
+            <a:r>
+              <a:rPr lang="en-US" dirty="0">
+                <a:solidFill>
+                  <a:srgbClr val="FF0000"/>
+                </a:solidFill>
+                <a:latin typeface="Trebuchet MS" panose="020B0603020202020204" pitchFamily="34" charset="0"/>
+              </a:rPr>
+              <a:t>Before you begin</a:t>
+            </a:r>
+          </a:p>
+        </p:txBody>
+      </p:sp>
+      <p:sp>
+        <p:nvSpPr>
+          <p:cNvPr id="3" name="Content Placeholder 2">
+            <a:extLst>
+              <a:ext uri="{FF2B5EF4-FFF2-40B4-BE49-F238E27FC236}">
+                <a16:creationId xmlns:a16="http://schemas.microsoft.com/office/drawing/2014/main" id="{D31CE0C8-6777-BDA6-139E-4F25839872F6}"/>
+              </a:ext>
+            </a:extLst>
+          </p:cNvPr>
+          <p:cNvSpPr>
+            <a:spLocks noGrp="1"/>
+          </p:cNvSpPr>
+          <p:nvPr>
+            <p:ph idx="1"/>
+          </p:nvPr>
+        </p:nvSpPr>
+        <p:spPr/>
+        <p:txBody>
+          <a:bodyPr/>
+          <a:lstStyle/>
+          <a:p>
+            <a:r>
+              <a:rPr lang="en-US" dirty="0"/>
+              <a:t>If your data is in the SNIRF format, you will need to download an additional toolbox from GitHub:</a:t>
+            </a:r>
+            <a:br>
+              <a:rPr lang="en-US" dirty="0"/>
+            </a:br>
+            <a:r>
+              <a:rPr lang="en-US" dirty="0"/>
+              <a:t>	</a:t>
+            </a:r>
+            <a:r>
+              <a:rPr lang="en-US" dirty="0">
+                <a:hlinkClick r:id="rId2"/>
+              </a:rPr>
+              <a:t>https://github.com/fNIRS/snirf</a:t>
+            </a:r>
+            <a:r>
+              <a:rPr lang="en-US" dirty="0"/>
+              <a:t> </a:t>
+            </a:r>
+          </a:p>
+          <a:p>
+            <a:r>
+              <a:rPr lang="en-US" dirty="0"/>
+              <a:t>This is required to load the SNIRF file to be converted to NeuroDOT format.</a:t>
+            </a:r>
+          </a:p>
+          <a:p>
+            <a:r>
+              <a:rPr lang="en-US" dirty="0"/>
+              <a:t>In order to run the “snirf2ndot” code, this entire directory needs to be on your Matlab path.</a:t>
+            </a:r>
+          </a:p>
+        </p:txBody>
+      </p:sp>
+    </p:spTree>
+    <p:extLst>
+      <p:ext uri="{BB962C8B-B14F-4D97-AF65-F5344CB8AC3E}">
+        <p14:creationId xmlns:p14="http://schemas.microsoft.com/office/powerpoint/2010/main" val="4138784013"/>
+      </p:ext>
+    </p:extLst>
+  </p:cSld>
+  <p:clrMapOvr>
+    <a:masterClrMapping/>
+  </p:clrMapOvr>
+</p:sld>
+</file>
+
+<file path=ppt/slides/slide4.xml><?xml version="1.0" encoding="utf-8"?>
+<p:sld xmlns:a="http://schemas.openxmlformats.org/drawingml/2006/main" xmlns:r="http://schemas.openxmlformats.org/officeDocument/2006/relationships" xmlns:p="http://schemas.openxmlformats.org/presentationml/2006/main">
+  <p:cSld>
+    <p:spTree>
+      <p:nvGrpSpPr>
+        <p:cNvPr id="1" name=""/>
+        <p:cNvGrpSpPr/>
+        <p:nvPr/>
+      </p:nvGrpSpPr>
+      <p:grpSpPr>
+        <a:xfrm>
+          <a:off x="0" y="0"/>
+          <a:ext cx="0" cy="0"/>
+          <a:chOff x="0" y="0"/>
+          <a:chExt cx="0" cy="0"/>
+        </a:xfrm>
+      </p:grpSpPr>
+      <p:sp>
+        <p:nvSpPr>
+          <p:cNvPr id="2" name="Title 1">
+            <a:extLst>
+              <a:ext uri="{FF2B5EF4-FFF2-40B4-BE49-F238E27FC236}">
                 <a16:creationId xmlns:a16="http://schemas.microsoft.com/office/drawing/2014/main" id="{0ADBB93B-0233-BEA5-9C17-21C87D805840}"/>
               </a:ext>
             </a:extLst>
@@ -3401,7 +3522,7 @@
 </p:sld>
 </file>
 
-<file path=ppt/slides/slide4.xml><?xml version="1.0" encoding="utf-8"?>
+<file path=ppt/slides/slide5.xml><?xml version="1.0" encoding="utf-8"?>
 <p:sld xmlns:a="http://schemas.openxmlformats.org/drawingml/2006/main" xmlns:r="http://schemas.openxmlformats.org/officeDocument/2006/relationships" xmlns:p="http://schemas.openxmlformats.org/presentationml/2006/main">
   <p:cSld>
     <p:spTree>
@@ -3614,7 +3735,7 @@
 </p:sld>
 </file>
 
-<file path=ppt/slides/slide5.xml><?xml version="1.0" encoding="utf-8"?>
+<file path=ppt/slides/slide6.xml><?xml version="1.0" encoding="utf-8"?>
 <p:sld xmlns:a="http://schemas.openxmlformats.org/drawingml/2006/main" xmlns:r="http://schemas.openxmlformats.org/officeDocument/2006/relationships" xmlns:p="http://schemas.openxmlformats.org/presentationml/2006/main">
   <p:cSld>
     <p:spTree>
@@ -3981,7 +4102,7 @@
 </p:sld>
 </file>
 
-<file path=ppt/slides/slide6.xml><?xml version="1.0" encoding="utf-8"?>
+<file path=ppt/slides/slide7.xml><?xml version="1.0" encoding="utf-8"?>
 <p:sld xmlns:a="http://schemas.openxmlformats.org/drawingml/2006/main" xmlns:r="http://schemas.openxmlformats.org/officeDocument/2006/relationships" xmlns:p="http://schemas.openxmlformats.org/presentationml/2006/main">
   <p:cSld>
     <p:spTree>

--- a/Documentation/Tutorials/NeuroDOT_Tutorial_for_Loading_Raw_Data.pptx
+++ b/Documentation/Tutorials/NeuroDOT_Tutorial_for_Loading_Raw_Data.pptx
@@ -249,7 +249,7 @@
           <a:p>
             <a:fld id="{162AC784-C7BB-45CE-AB0D-139C9E5F95B5}" type="datetimeFigureOut">
               <a:rPr lang="en-US" smtClean="0"/>
-              <a:t>2/29/2024</a:t>
+              <a:t>3/6/2024</a:t>
             </a:fld>
             <a:endParaRPr lang="en-US"/>
           </a:p>
@@ -419,7 +419,7 @@
           <a:p>
             <a:fld id="{162AC784-C7BB-45CE-AB0D-139C9E5F95B5}" type="datetimeFigureOut">
               <a:rPr lang="en-US" smtClean="0"/>
-              <a:t>2/29/2024</a:t>
+              <a:t>3/6/2024</a:t>
             </a:fld>
             <a:endParaRPr lang="en-US"/>
           </a:p>
@@ -599,7 +599,7 @@
           <a:p>
             <a:fld id="{162AC784-C7BB-45CE-AB0D-139C9E5F95B5}" type="datetimeFigureOut">
               <a:rPr lang="en-US" smtClean="0"/>
-              <a:t>2/29/2024</a:t>
+              <a:t>3/6/2024</a:t>
             </a:fld>
             <a:endParaRPr lang="en-US"/>
           </a:p>
@@ -769,7 +769,7 @@
           <a:p>
             <a:fld id="{162AC784-C7BB-45CE-AB0D-139C9E5F95B5}" type="datetimeFigureOut">
               <a:rPr lang="en-US" smtClean="0"/>
-              <a:t>2/29/2024</a:t>
+              <a:t>3/6/2024</a:t>
             </a:fld>
             <a:endParaRPr lang="en-US"/>
           </a:p>
@@ -1015,7 +1015,7 @@
           <a:p>
             <a:fld id="{162AC784-C7BB-45CE-AB0D-139C9E5F95B5}" type="datetimeFigureOut">
               <a:rPr lang="en-US" smtClean="0"/>
-              <a:t>2/29/2024</a:t>
+              <a:t>3/6/2024</a:t>
             </a:fld>
             <a:endParaRPr lang="en-US"/>
           </a:p>
@@ -1247,7 +1247,7 @@
           <a:p>
             <a:fld id="{162AC784-C7BB-45CE-AB0D-139C9E5F95B5}" type="datetimeFigureOut">
               <a:rPr lang="en-US" smtClean="0"/>
-              <a:t>2/29/2024</a:t>
+              <a:t>3/6/2024</a:t>
             </a:fld>
             <a:endParaRPr lang="en-US"/>
           </a:p>
@@ -1614,7 +1614,7 @@
           <a:p>
             <a:fld id="{162AC784-C7BB-45CE-AB0D-139C9E5F95B5}" type="datetimeFigureOut">
               <a:rPr lang="en-US" smtClean="0"/>
-              <a:t>2/29/2024</a:t>
+              <a:t>3/6/2024</a:t>
             </a:fld>
             <a:endParaRPr lang="en-US"/>
           </a:p>
@@ -1732,7 +1732,7 @@
           <a:p>
             <a:fld id="{162AC784-C7BB-45CE-AB0D-139C9E5F95B5}" type="datetimeFigureOut">
               <a:rPr lang="en-US" smtClean="0"/>
-              <a:t>2/29/2024</a:t>
+              <a:t>3/6/2024</a:t>
             </a:fld>
             <a:endParaRPr lang="en-US"/>
           </a:p>
@@ -1827,7 +1827,7 @@
           <a:p>
             <a:fld id="{162AC784-C7BB-45CE-AB0D-139C9E5F95B5}" type="datetimeFigureOut">
               <a:rPr lang="en-US" smtClean="0"/>
-              <a:t>2/29/2024</a:t>
+              <a:t>3/6/2024</a:t>
             </a:fld>
             <a:endParaRPr lang="en-US"/>
           </a:p>
@@ -2104,7 +2104,7 @@
           <a:p>
             <a:fld id="{162AC784-C7BB-45CE-AB0D-139C9E5F95B5}" type="datetimeFigureOut">
               <a:rPr lang="en-US" smtClean="0"/>
-              <a:t>2/29/2024</a:t>
+              <a:t>3/6/2024</a:t>
             </a:fld>
             <a:endParaRPr lang="en-US"/>
           </a:p>
@@ -2361,7 +2361,7 @@
           <a:p>
             <a:fld id="{162AC784-C7BB-45CE-AB0D-139C9E5F95B5}" type="datetimeFigureOut">
               <a:rPr lang="en-US" smtClean="0"/>
-              <a:t>2/29/2024</a:t>
+              <a:t>3/6/2024</a:t>
             </a:fld>
             <a:endParaRPr lang="en-US"/>
           </a:p>
@@ -2574,7 +2574,7 @@
           <a:p>
             <a:fld id="{162AC784-C7BB-45CE-AB0D-139C9E5F95B5}" type="datetimeFigureOut">
               <a:rPr lang="en-US" smtClean="0"/>
-              <a:t>2/29/2024</a:t>
+              <a:t>3/6/2024</a:t>
             </a:fld>
             <a:endParaRPr lang="en-US"/>
           </a:p>
@@ -4176,7 +4176,7 @@
         </p:spPr>
         <p:txBody>
           <a:bodyPr>
-            <a:normAutofit fontScale="70000" lnSpcReduction="20000"/>
+            <a:normAutofit fontScale="77500" lnSpcReduction="20000"/>
           </a:bodyPr>
           <a:lstStyle/>
           <a:p>
@@ -4305,19 +4305,7 @@
               <a:rPr lang="en-US" sz="2400" dirty="0">
                 <a:latin typeface="Trebuchet MS" panose="020B0603020202020204" pitchFamily="34" charset="0"/>
               </a:rPr>
-              <a:t>If you have any questions about the material presented in this tutorial, please consult </a:t>
-            </a:r>
-            <a:r>
-              <a:rPr lang="en-US" sz="2400">
-                <a:latin typeface="Trebuchet MS" panose="020B0603020202020204" pitchFamily="34" charset="0"/>
-              </a:rPr>
-              <a:t>the WUSTL </a:t>
-            </a:r>
-            <a:r>
-              <a:rPr lang="en-US" sz="2400" dirty="0">
-                <a:latin typeface="Trebuchet MS" panose="020B0603020202020204" pitchFamily="34" charset="0"/>
-              </a:rPr>
-              <a:t>Bio-photonics Research Center (BRC) GitHub page </a:t>
+              <a:t>If you have any questions about the material presented in this tutorial, please consult the WUSTL Bio-photonics Research Center (BRC) GitHub page </a:t>
             </a:r>
             <a:r>
               <a:rPr lang="en-US" sz="2400" dirty="0">
@@ -4330,72 +4318,31 @@
               <a:rPr lang="en-US" sz="2400" dirty="0">
                 <a:latin typeface="Trebuchet MS" panose="020B0603020202020204" pitchFamily="34" charset="0"/>
               </a:rPr>
-              <a:t> in the documentation folder, or contact either: Adam Eggebrecht: </a:t>
-            </a:r>
-            <a:r>
-              <a:rPr lang="en-US" sz="2400" dirty="0">
+              <a:t> in the documentation folder, </a:t>
+            </a:r>
+            <a:r>
+              <a:rPr lang="en-US" sz="2400">
                 <a:latin typeface="Trebuchet MS" panose="020B0603020202020204" pitchFamily="34" charset="0"/>
+              </a:rPr>
+              <a:t>or contact</a:t>
+            </a:r>
+            <a:r>
+              <a:rPr lang="en-US" sz="2400"/>
+              <a:t> NeuroDOT Support: </a:t>
+            </a:r>
+            <a:r>
+              <a:rPr lang="en-US" sz="2400">
                 <a:hlinkClick r:id="rId3"/>
               </a:rPr>
-              <a:t>aeggebre@wustl.edu</a:t>
-            </a:r>
-            <a:r>
-              <a:rPr lang="en-US" sz="2400" dirty="0">
-                <a:latin typeface="Trebuchet MS" panose="020B0603020202020204" pitchFamily="34" charset="0"/>
-              </a:rPr>
-              <a:t>, Emma Speh: </a:t>
-            </a:r>
-            <a:r>
-              <a:rPr lang="en-US" sz="2400" dirty="0">
-                <a:latin typeface="Trebuchet MS" panose="020B0603020202020204" pitchFamily="34" charset="0"/>
-                <a:hlinkClick r:id="rId4"/>
-              </a:rPr>
-              <a:t>espeh@wustl.edu</a:t>
-            </a:r>
-            <a:r>
-              <a:rPr lang="en-US" sz="2400" dirty="0">
-                <a:latin typeface="Trebuchet MS" panose="020B0603020202020204" pitchFamily="34" charset="0"/>
-              </a:rPr>
-              <a:t>, Ari Segel: </a:t>
-            </a:r>
-            <a:r>
-              <a:rPr lang="en-US" sz="2400" dirty="0">
-                <a:latin typeface="Trebuchet MS" panose="020B0603020202020204" pitchFamily="34" charset="0"/>
-                <a:hlinkClick r:id="rId5"/>
-              </a:rPr>
-              <a:t>ari@wustl.edu</a:t>
-            </a:r>
-            <a:r>
-              <a:rPr lang="en-US" sz="2400" dirty="0">
-                <a:latin typeface="Trebuchet MS" panose="020B0603020202020204" pitchFamily="34" charset="0"/>
-              </a:rPr>
-              <a:t>, or Jason </a:t>
-            </a:r>
-            <a:r>
-              <a:rPr lang="en-US" sz="2400" dirty="0" err="1">
-                <a:latin typeface="Trebuchet MS" panose="020B0603020202020204" pitchFamily="34" charset="0"/>
-              </a:rPr>
-              <a:t>Trobaugh</a:t>
-            </a:r>
-            <a:r>
-              <a:rPr lang="en-US" sz="2400" dirty="0">
-                <a:latin typeface="Trebuchet MS" panose="020B0603020202020204" pitchFamily="34" charset="0"/>
-              </a:rPr>
-              <a:t>: </a:t>
-            </a:r>
-            <a:r>
-              <a:rPr lang="en-US" sz="2400" dirty="0">
-                <a:latin typeface="Trebuchet MS" panose="020B0603020202020204" pitchFamily="34" charset="0"/>
-                <a:hlinkClick r:id="rId6"/>
-              </a:rPr>
-              <a:t>jasont@wustl.edu</a:t>
-            </a:r>
-            <a:r>
-              <a:rPr lang="en-US" sz="2400" dirty="0">
-                <a:latin typeface="Trebuchet MS" panose="020B0603020202020204" pitchFamily="34" charset="0"/>
-              </a:rPr>
+              <a:t>neurodot-support@wustl.edu</a:t>
+            </a:r>
+            <a:r>
+              <a:rPr lang="en-US" sz="2400"/>
               <a:t> </a:t>
             </a:r>
+            <a:endParaRPr lang="en-US" sz="2400" dirty="0">
+              <a:latin typeface="Trebuchet MS" panose="020B0603020202020204" pitchFamily="34" charset="0"/>
+            </a:endParaRPr>
           </a:p>
         </p:txBody>
       </p:sp>

--- a/Documentation/Tutorials/NeuroDOT_Tutorial_for_Loading_Raw_Data.pptx
+++ b/Documentation/Tutorials/NeuroDOT_Tutorial_for_Loading_Raw_Data.pptx
@@ -3,15 +3,17 @@
 <p:presentation xmlns:a="http://schemas.openxmlformats.org/drawingml/2006/main" xmlns:r="http://schemas.openxmlformats.org/officeDocument/2006/relationships" xmlns:p="http://schemas.openxmlformats.org/presentationml/2006/main" saveSubsetFonts="1">
   <p:sldMasterIdLst>
     <p:sldMasterId id="2147483660" r:id="rId1"/>
+    <p:sldMasterId id="2147483672" r:id="rId2"/>
   </p:sldMasterIdLst>
   <p:sldIdLst>
-    <p:sldId id="277" r:id="rId2"/>
-    <p:sldId id="291" r:id="rId3"/>
-    <p:sldId id="295" r:id="rId4"/>
-    <p:sldId id="292" r:id="rId5"/>
-    <p:sldId id="293" r:id="rId6"/>
-    <p:sldId id="294" r:id="rId7"/>
-    <p:sldId id="282" r:id="rId8"/>
+    <p:sldId id="277" r:id="rId3"/>
+    <p:sldId id="291" r:id="rId4"/>
+    <p:sldId id="295" r:id="rId5"/>
+    <p:sldId id="292" r:id="rId6"/>
+    <p:sldId id="293" r:id="rId7"/>
+    <p:sldId id="294" r:id="rId8"/>
+    <p:sldId id="694" r:id="rId9"/>
+    <p:sldId id="282" r:id="rId10"/>
   </p:sldIdLst>
   <p:sldSz cx="12192000" cy="6858000"/>
   <p:notesSz cx="6858000" cy="9144000"/>
@@ -249,7 +251,7 @@
           <a:p>
             <a:fld id="{162AC784-C7BB-45CE-AB0D-139C9E5F95B5}" type="datetimeFigureOut">
               <a:rPr lang="en-US" smtClean="0"/>
-              <a:t>3/6/2024</a:t>
+              <a:t>6/3/2024</a:t>
             </a:fld>
             <a:endParaRPr lang="en-US"/>
           </a:p>
@@ -419,7 +421,7 @@
           <a:p>
             <a:fld id="{162AC784-C7BB-45CE-AB0D-139C9E5F95B5}" type="datetimeFigureOut">
               <a:rPr lang="en-US" smtClean="0"/>
-              <a:t>3/6/2024</a:t>
+              <a:t>6/3/2024</a:t>
             </a:fld>
             <a:endParaRPr lang="en-US"/>
           </a:p>
@@ -599,7 +601,7 @@
           <a:p>
             <a:fld id="{162AC784-C7BB-45CE-AB0D-139C9E5F95B5}" type="datetimeFigureOut">
               <a:rPr lang="en-US" smtClean="0"/>
-              <a:t>3/6/2024</a:t>
+              <a:t>6/3/2024</a:t>
             </a:fld>
             <a:endParaRPr lang="en-US"/>
           </a:p>
@@ -651,6 +653,2308 @@
     <p:extLst>
       <p:ext uri="{BB962C8B-B14F-4D97-AF65-F5344CB8AC3E}">
         <p14:creationId xmlns:p14="http://schemas.microsoft.com/office/powerpoint/2010/main" val="2667952508"/>
+      </p:ext>
+    </p:extLst>
+  </p:cSld>
+  <p:clrMapOvr>
+    <a:masterClrMapping/>
+  </p:clrMapOvr>
+</p:sldLayout>
+</file>
+
+<file path=ppt/slideLayouts/slideLayout12.xml><?xml version="1.0" encoding="utf-8"?>
+<p:sldLayout xmlns:a="http://schemas.openxmlformats.org/drawingml/2006/main" xmlns:r="http://schemas.openxmlformats.org/officeDocument/2006/relationships" xmlns:p="http://schemas.openxmlformats.org/presentationml/2006/main" showMasterSp="0" type="title" preserve="1">
+  <p:cSld name="Title Slide">
+    <p:spTree>
+      <p:nvGrpSpPr>
+        <p:cNvPr id="1" name=""/>
+        <p:cNvGrpSpPr/>
+        <p:nvPr/>
+      </p:nvGrpSpPr>
+      <p:grpSpPr>
+        <a:xfrm>
+          <a:off x="0" y="0"/>
+          <a:ext cx="0" cy="0"/>
+          <a:chOff x="0" y="0"/>
+          <a:chExt cx="0" cy="0"/>
+        </a:xfrm>
+      </p:grpSpPr>
+      <p:grpSp>
+        <p:nvGrpSpPr>
+          <p:cNvPr id="8" name="Group 7"/>
+          <p:cNvGrpSpPr/>
+          <p:nvPr/>
+        </p:nvGrpSpPr>
+        <p:grpSpPr>
+          <a:xfrm>
+            <a:off x="0" y="-8467"/>
+            <a:ext cx="12192000" cy="6866467"/>
+            <a:chOff x="0" y="-8467"/>
+            <a:chExt cx="12192000" cy="6866467"/>
+          </a:xfrm>
+        </p:grpSpPr>
+        <p:cxnSp>
+          <p:nvCxnSpPr>
+            <p:cNvPr id="32" name="Straight Connector 31"/>
+            <p:cNvCxnSpPr/>
+            <p:nvPr/>
+          </p:nvCxnSpPr>
+          <p:spPr>
+            <a:xfrm>
+              <a:off x="9371012" y="0"/>
+              <a:ext cx="1219200" cy="6858000"/>
+            </a:xfrm>
+            <a:prstGeom prst="line">
+              <a:avLst/>
+            </a:prstGeom>
+            <a:ln w="9525">
+              <a:solidFill>
+                <a:schemeClr val="bg1">
+                  <a:lumMod val="85000"/>
+                  <a:lumOff val="15000"/>
+                </a:schemeClr>
+              </a:solidFill>
+            </a:ln>
+          </p:spPr>
+          <p:style>
+            <a:lnRef idx="2">
+              <a:schemeClr val="accent1"/>
+            </a:lnRef>
+            <a:fillRef idx="0">
+              <a:schemeClr val="accent1"/>
+            </a:fillRef>
+            <a:effectRef idx="1">
+              <a:schemeClr val="accent1"/>
+            </a:effectRef>
+            <a:fontRef idx="minor">
+              <a:schemeClr val="tx1"/>
+            </a:fontRef>
+          </p:style>
+        </p:cxnSp>
+        <p:cxnSp>
+          <p:nvCxnSpPr>
+            <p:cNvPr id="21" name="Straight Connector 20"/>
+            <p:cNvCxnSpPr/>
+            <p:nvPr/>
+          </p:nvCxnSpPr>
+          <p:spPr>
+            <a:xfrm flipH="1">
+              <a:off x="7425267" y="3681413"/>
+              <a:ext cx="4763558" cy="3176587"/>
+            </a:xfrm>
+            <a:prstGeom prst="line">
+              <a:avLst/>
+            </a:prstGeom>
+            <a:ln w="9525">
+              <a:solidFill>
+                <a:schemeClr val="bg1">
+                  <a:lumMod val="85000"/>
+                  <a:lumOff val="15000"/>
+                </a:schemeClr>
+              </a:solidFill>
+            </a:ln>
+          </p:spPr>
+          <p:style>
+            <a:lnRef idx="2">
+              <a:schemeClr val="accent1"/>
+            </a:lnRef>
+            <a:fillRef idx="0">
+              <a:schemeClr val="accent1"/>
+            </a:fillRef>
+            <a:effectRef idx="1">
+              <a:schemeClr val="accent1"/>
+            </a:effectRef>
+            <a:fontRef idx="minor">
+              <a:schemeClr val="tx1"/>
+            </a:fontRef>
+          </p:style>
+        </p:cxnSp>
+        <p:sp>
+          <p:nvSpPr>
+            <p:cNvPr id="24" name="Rectangle 23"/>
+            <p:cNvSpPr/>
+            <p:nvPr/>
+          </p:nvSpPr>
+          <p:spPr>
+            <a:xfrm>
+              <a:off x="9181476" y="-8467"/>
+              <a:ext cx="3007349" cy="6866467"/>
+            </a:xfrm>
+            <a:custGeom>
+              <a:avLst/>
+              <a:gdLst/>
+              <a:ahLst/>
+              <a:cxnLst/>
+              <a:rect l="l" t="t" r="r" b="b"/>
+              <a:pathLst>
+                <a:path w="3007349" h="6866467">
+                  <a:moveTo>
+                    <a:pt x="2045532" y="0"/>
+                  </a:moveTo>
+                  <a:lnTo>
+                    <a:pt x="3007349" y="0"/>
+                  </a:lnTo>
+                  <a:lnTo>
+                    <a:pt x="3007349" y="6866467"/>
+                  </a:lnTo>
+                  <a:lnTo>
+                    <a:pt x="0" y="6866467"/>
+                  </a:lnTo>
+                  <a:lnTo>
+                    <a:pt x="2045532" y="0"/>
+                  </a:lnTo>
+                  <a:close/>
+                </a:path>
+              </a:pathLst>
+            </a:custGeom>
+            <a:solidFill>
+              <a:schemeClr val="accent1">
+                <a:alpha val="30000"/>
+              </a:schemeClr>
+            </a:solidFill>
+            <a:ln>
+              <a:noFill/>
+            </a:ln>
+            <a:effectLst/>
+          </p:spPr>
+          <p:style>
+            <a:lnRef idx="1">
+              <a:schemeClr val="accent1"/>
+            </a:lnRef>
+            <a:fillRef idx="3">
+              <a:schemeClr val="accent1"/>
+            </a:fillRef>
+            <a:effectRef idx="2">
+              <a:schemeClr val="accent1"/>
+            </a:effectRef>
+            <a:fontRef idx="minor">
+              <a:schemeClr val="lt1"/>
+            </a:fontRef>
+          </p:style>
+        </p:sp>
+        <p:sp>
+          <p:nvSpPr>
+            <p:cNvPr id="26" name="Rectangle 25"/>
+            <p:cNvSpPr/>
+            <p:nvPr/>
+          </p:nvSpPr>
+          <p:spPr>
+            <a:xfrm>
+              <a:off x="9603442" y="-8467"/>
+              <a:ext cx="2588558" cy="6866467"/>
+            </a:xfrm>
+            <a:custGeom>
+              <a:avLst/>
+              <a:gdLst/>
+              <a:ahLst/>
+              <a:cxnLst/>
+              <a:rect l="l" t="t" r="r" b="b"/>
+              <a:pathLst>
+                <a:path w="2573311" h="6866467">
+                  <a:moveTo>
+                    <a:pt x="0" y="0"/>
+                  </a:moveTo>
+                  <a:lnTo>
+                    <a:pt x="2573311" y="0"/>
+                  </a:lnTo>
+                  <a:lnTo>
+                    <a:pt x="2573311" y="6866467"/>
+                  </a:lnTo>
+                  <a:lnTo>
+                    <a:pt x="1202336" y="6866467"/>
+                  </a:lnTo>
+                  <a:lnTo>
+                    <a:pt x="0" y="0"/>
+                  </a:lnTo>
+                  <a:close/>
+                </a:path>
+              </a:pathLst>
+            </a:custGeom>
+            <a:solidFill>
+              <a:schemeClr val="accent1">
+                <a:alpha val="20000"/>
+              </a:schemeClr>
+            </a:solidFill>
+            <a:ln>
+              <a:noFill/>
+            </a:ln>
+            <a:effectLst/>
+          </p:spPr>
+          <p:style>
+            <a:lnRef idx="1">
+              <a:schemeClr val="accent1"/>
+            </a:lnRef>
+            <a:fillRef idx="3">
+              <a:schemeClr val="accent1"/>
+            </a:fillRef>
+            <a:effectRef idx="2">
+              <a:schemeClr val="accent1"/>
+            </a:effectRef>
+            <a:fontRef idx="minor">
+              <a:schemeClr val="lt1"/>
+            </a:fontRef>
+          </p:style>
+        </p:sp>
+        <p:sp>
+          <p:nvSpPr>
+            <p:cNvPr id="27" name="Isosceles Triangle 26"/>
+            <p:cNvSpPr/>
+            <p:nvPr/>
+          </p:nvSpPr>
+          <p:spPr>
+            <a:xfrm>
+              <a:off x="8932333" y="3048000"/>
+              <a:ext cx="3259667" cy="3810000"/>
+            </a:xfrm>
+            <a:prstGeom prst="triangle">
+              <a:avLst>
+                <a:gd name="adj" fmla="val 100000"/>
+              </a:avLst>
+            </a:prstGeom>
+            <a:solidFill>
+              <a:schemeClr val="accent2">
+                <a:alpha val="72000"/>
+              </a:schemeClr>
+            </a:solidFill>
+            <a:ln>
+              <a:noFill/>
+            </a:ln>
+            <a:effectLst/>
+          </p:spPr>
+          <p:style>
+            <a:lnRef idx="1">
+              <a:schemeClr val="accent1"/>
+            </a:lnRef>
+            <a:fillRef idx="3">
+              <a:schemeClr val="accent1"/>
+            </a:fillRef>
+            <a:effectRef idx="2">
+              <a:schemeClr val="accent1"/>
+            </a:effectRef>
+            <a:fontRef idx="minor">
+              <a:schemeClr val="lt1"/>
+            </a:fontRef>
+          </p:style>
+        </p:sp>
+        <p:sp>
+          <p:nvSpPr>
+            <p:cNvPr id="28" name="Rectangle 27"/>
+            <p:cNvSpPr/>
+            <p:nvPr/>
+          </p:nvSpPr>
+          <p:spPr>
+            <a:xfrm>
+              <a:off x="9334500" y="-8467"/>
+              <a:ext cx="2854326" cy="6866467"/>
+            </a:xfrm>
+            <a:custGeom>
+              <a:avLst/>
+              <a:gdLst/>
+              <a:ahLst/>
+              <a:cxnLst/>
+              <a:rect l="l" t="t" r="r" b="b"/>
+              <a:pathLst>
+                <a:path w="2858013" h="6866467">
+                  <a:moveTo>
+                    <a:pt x="0" y="0"/>
+                  </a:moveTo>
+                  <a:lnTo>
+                    <a:pt x="2858013" y="0"/>
+                  </a:lnTo>
+                  <a:lnTo>
+                    <a:pt x="2858013" y="6866467"/>
+                  </a:lnTo>
+                  <a:lnTo>
+                    <a:pt x="2473942" y="6866467"/>
+                  </a:lnTo>
+                  <a:lnTo>
+                    <a:pt x="0" y="0"/>
+                  </a:lnTo>
+                  <a:close/>
+                </a:path>
+              </a:pathLst>
+            </a:custGeom>
+            <a:solidFill>
+              <a:schemeClr val="accent2">
+                <a:lumMod val="75000"/>
+                <a:alpha val="70000"/>
+              </a:schemeClr>
+            </a:solidFill>
+            <a:ln>
+              <a:noFill/>
+            </a:ln>
+            <a:effectLst/>
+          </p:spPr>
+          <p:style>
+            <a:lnRef idx="1">
+              <a:schemeClr val="accent1"/>
+            </a:lnRef>
+            <a:fillRef idx="3">
+              <a:schemeClr val="accent1"/>
+            </a:fillRef>
+            <a:effectRef idx="2">
+              <a:schemeClr val="accent1"/>
+            </a:effectRef>
+            <a:fontRef idx="minor">
+              <a:schemeClr val="lt1"/>
+            </a:fontRef>
+          </p:style>
+        </p:sp>
+        <p:sp>
+          <p:nvSpPr>
+            <p:cNvPr id="29" name="Rectangle 28"/>
+            <p:cNvSpPr/>
+            <p:nvPr/>
+          </p:nvSpPr>
+          <p:spPr>
+            <a:xfrm>
+              <a:off x="10898730" y="-8467"/>
+              <a:ext cx="1290094" cy="6866467"/>
+            </a:xfrm>
+            <a:custGeom>
+              <a:avLst/>
+              <a:gdLst/>
+              <a:ahLst/>
+              <a:cxnLst/>
+              <a:rect l="l" t="t" r="r" b="b"/>
+              <a:pathLst>
+                <a:path w="1290094" h="6858000">
+                  <a:moveTo>
+                    <a:pt x="1019735" y="0"/>
+                  </a:moveTo>
+                  <a:lnTo>
+                    <a:pt x="1290094" y="0"/>
+                  </a:lnTo>
+                  <a:lnTo>
+                    <a:pt x="1290094" y="6858000"/>
+                  </a:lnTo>
+                  <a:lnTo>
+                    <a:pt x="0" y="6858000"/>
+                  </a:lnTo>
+                  <a:lnTo>
+                    <a:pt x="1019735" y="0"/>
+                  </a:lnTo>
+                  <a:close/>
+                </a:path>
+              </a:pathLst>
+            </a:custGeom>
+            <a:solidFill>
+              <a:schemeClr val="accent1">
+                <a:lumMod val="60000"/>
+                <a:lumOff val="40000"/>
+                <a:alpha val="70000"/>
+              </a:schemeClr>
+            </a:solidFill>
+            <a:ln>
+              <a:noFill/>
+            </a:ln>
+            <a:effectLst/>
+          </p:spPr>
+          <p:style>
+            <a:lnRef idx="1">
+              <a:schemeClr val="accent1"/>
+            </a:lnRef>
+            <a:fillRef idx="3">
+              <a:schemeClr val="accent1"/>
+            </a:fillRef>
+            <a:effectRef idx="2">
+              <a:schemeClr val="accent1"/>
+            </a:effectRef>
+            <a:fontRef idx="minor">
+              <a:schemeClr val="lt1"/>
+            </a:fontRef>
+          </p:style>
+        </p:sp>
+        <p:sp>
+          <p:nvSpPr>
+            <p:cNvPr id="30" name="Rectangle 29"/>
+            <p:cNvSpPr/>
+            <p:nvPr/>
+          </p:nvSpPr>
+          <p:spPr>
+            <a:xfrm>
+              <a:off x="10938999" y="-8467"/>
+              <a:ext cx="1249825" cy="6866467"/>
+            </a:xfrm>
+            <a:custGeom>
+              <a:avLst/>
+              <a:gdLst/>
+              <a:ahLst/>
+              <a:cxnLst/>
+              <a:rect l="l" t="t" r="r" b="b"/>
+              <a:pathLst>
+                <a:path w="1249825" h="6858000">
+                  <a:moveTo>
+                    <a:pt x="0" y="0"/>
+                  </a:moveTo>
+                  <a:lnTo>
+                    <a:pt x="1249825" y="0"/>
+                  </a:lnTo>
+                  <a:lnTo>
+                    <a:pt x="1249825" y="6858000"/>
+                  </a:lnTo>
+                  <a:lnTo>
+                    <a:pt x="1109382" y="6858000"/>
+                  </a:lnTo>
+                  <a:lnTo>
+                    <a:pt x="0" y="0"/>
+                  </a:lnTo>
+                  <a:close/>
+                </a:path>
+              </a:pathLst>
+            </a:custGeom>
+            <a:solidFill>
+              <a:schemeClr val="accent1">
+                <a:alpha val="65000"/>
+              </a:schemeClr>
+            </a:solidFill>
+            <a:ln>
+              <a:noFill/>
+            </a:ln>
+            <a:effectLst/>
+          </p:spPr>
+          <p:style>
+            <a:lnRef idx="1">
+              <a:schemeClr val="accent1"/>
+            </a:lnRef>
+            <a:fillRef idx="3">
+              <a:schemeClr val="accent1"/>
+            </a:fillRef>
+            <a:effectRef idx="2">
+              <a:schemeClr val="accent1"/>
+            </a:effectRef>
+            <a:fontRef idx="minor">
+              <a:schemeClr val="lt1"/>
+            </a:fontRef>
+          </p:style>
+        </p:sp>
+        <p:sp>
+          <p:nvSpPr>
+            <p:cNvPr id="31" name="Isosceles Triangle 30"/>
+            <p:cNvSpPr/>
+            <p:nvPr/>
+          </p:nvSpPr>
+          <p:spPr>
+            <a:xfrm>
+              <a:off x="10371666" y="3589867"/>
+              <a:ext cx="1817159" cy="3268133"/>
+            </a:xfrm>
+            <a:prstGeom prst="triangle">
+              <a:avLst>
+                <a:gd name="adj" fmla="val 100000"/>
+              </a:avLst>
+            </a:prstGeom>
+            <a:solidFill>
+              <a:schemeClr val="accent1">
+                <a:alpha val="80000"/>
+              </a:schemeClr>
+            </a:solidFill>
+            <a:ln>
+              <a:noFill/>
+            </a:ln>
+            <a:effectLst/>
+          </p:spPr>
+          <p:style>
+            <a:lnRef idx="1">
+              <a:schemeClr val="accent1"/>
+            </a:lnRef>
+            <a:fillRef idx="3">
+              <a:schemeClr val="accent1"/>
+            </a:fillRef>
+            <a:effectRef idx="2">
+              <a:schemeClr val="accent1"/>
+            </a:effectRef>
+            <a:fontRef idx="minor">
+              <a:schemeClr val="lt1"/>
+            </a:fontRef>
+          </p:style>
+        </p:sp>
+        <p:sp>
+          <p:nvSpPr>
+            <p:cNvPr id="19" name="Isosceles Triangle 18"/>
+            <p:cNvSpPr/>
+            <p:nvPr/>
+          </p:nvSpPr>
+          <p:spPr>
+            <a:xfrm rot="10800000">
+              <a:off x="0" y="0"/>
+              <a:ext cx="842596" cy="5666154"/>
+            </a:xfrm>
+            <a:prstGeom prst="triangle">
+              <a:avLst>
+                <a:gd name="adj" fmla="val 100000"/>
+              </a:avLst>
+            </a:prstGeom>
+            <a:solidFill>
+              <a:schemeClr val="accent1">
+                <a:alpha val="85000"/>
+              </a:schemeClr>
+            </a:solidFill>
+            <a:ln>
+              <a:noFill/>
+            </a:ln>
+            <a:effectLst/>
+          </p:spPr>
+          <p:style>
+            <a:lnRef idx="1">
+              <a:schemeClr val="accent1"/>
+            </a:lnRef>
+            <a:fillRef idx="3">
+              <a:schemeClr val="accent1"/>
+            </a:fillRef>
+            <a:effectRef idx="2">
+              <a:schemeClr val="accent1"/>
+            </a:effectRef>
+            <a:fontRef idx="minor">
+              <a:schemeClr val="lt1"/>
+            </a:fontRef>
+          </p:style>
+        </p:sp>
+      </p:grpSp>
+      <p:sp>
+        <p:nvSpPr>
+          <p:cNvPr id="2" name="Title 1"/>
+          <p:cNvSpPr>
+            <a:spLocks noGrp="1"/>
+          </p:cNvSpPr>
+          <p:nvPr>
+            <p:ph type="ctrTitle"/>
+          </p:nvPr>
+        </p:nvSpPr>
+        <p:spPr>
+          <a:xfrm>
+            <a:off x="1507067" y="2404534"/>
+            <a:ext cx="7766936" cy="1646302"/>
+          </a:xfrm>
+        </p:spPr>
+        <p:txBody>
+          <a:bodyPr anchor="b">
+            <a:noAutofit/>
+          </a:bodyPr>
+          <a:lstStyle>
+            <a:lvl1pPr algn="r">
+              <a:defRPr sz="5400">
+                <a:solidFill>
+                  <a:schemeClr val="accent1"/>
+                </a:solidFill>
+              </a:defRPr>
+            </a:lvl1pPr>
+          </a:lstStyle>
+          <a:p>
+            <a:r>
+              <a:rPr lang="en-US"/>
+              <a:t>Click to edit Master title style</a:t>
+            </a:r>
+            <a:endParaRPr lang="en-US" dirty="0"/>
+          </a:p>
+        </p:txBody>
+      </p:sp>
+      <p:sp>
+        <p:nvSpPr>
+          <p:cNvPr id="3" name="Subtitle 2"/>
+          <p:cNvSpPr>
+            <a:spLocks noGrp="1"/>
+          </p:cNvSpPr>
+          <p:nvPr>
+            <p:ph type="subTitle" idx="1"/>
+          </p:nvPr>
+        </p:nvSpPr>
+        <p:spPr>
+          <a:xfrm>
+            <a:off x="1507067" y="4050833"/>
+            <a:ext cx="7766936" cy="1096899"/>
+          </a:xfrm>
+        </p:spPr>
+        <p:txBody>
+          <a:bodyPr anchor="t"/>
+          <a:lstStyle>
+            <a:lvl1pPr marL="0" indent="0" algn="r">
+              <a:buNone/>
+              <a:defRPr>
+                <a:solidFill>
+                  <a:schemeClr val="tx1">
+                    <a:lumMod val="50000"/>
+                    <a:lumOff val="50000"/>
+                  </a:schemeClr>
+                </a:solidFill>
+              </a:defRPr>
+            </a:lvl1pPr>
+            <a:lvl2pPr marL="457200" indent="0" algn="ctr">
+              <a:buNone/>
+              <a:defRPr>
+                <a:solidFill>
+                  <a:schemeClr val="tx1">
+                    <a:tint val="75000"/>
+                  </a:schemeClr>
+                </a:solidFill>
+              </a:defRPr>
+            </a:lvl2pPr>
+            <a:lvl3pPr marL="914400" indent="0" algn="ctr">
+              <a:buNone/>
+              <a:defRPr>
+                <a:solidFill>
+                  <a:schemeClr val="tx1">
+                    <a:tint val="75000"/>
+                  </a:schemeClr>
+                </a:solidFill>
+              </a:defRPr>
+            </a:lvl3pPr>
+            <a:lvl4pPr marL="1371600" indent="0" algn="ctr">
+              <a:buNone/>
+              <a:defRPr>
+                <a:solidFill>
+                  <a:schemeClr val="tx1">
+                    <a:tint val="75000"/>
+                  </a:schemeClr>
+                </a:solidFill>
+              </a:defRPr>
+            </a:lvl4pPr>
+            <a:lvl5pPr marL="1828800" indent="0" algn="ctr">
+              <a:buNone/>
+              <a:defRPr>
+                <a:solidFill>
+                  <a:schemeClr val="tx1">
+                    <a:tint val="75000"/>
+                  </a:schemeClr>
+                </a:solidFill>
+              </a:defRPr>
+            </a:lvl5pPr>
+            <a:lvl6pPr marL="2286000" indent="0" algn="ctr">
+              <a:buNone/>
+              <a:defRPr>
+                <a:solidFill>
+                  <a:schemeClr val="tx1">
+                    <a:tint val="75000"/>
+                  </a:schemeClr>
+                </a:solidFill>
+              </a:defRPr>
+            </a:lvl6pPr>
+            <a:lvl7pPr marL="2743200" indent="0" algn="ctr">
+              <a:buNone/>
+              <a:defRPr>
+                <a:solidFill>
+                  <a:schemeClr val="tx1">
+                    <a:tint val="75000"/>
+                  </a:schemeClr>
+                </a:solidFill>
+              </a:defRPr>
+            </a:lvl7pPr>
+            <a:lvl8pPr marL="3200400" indent="0" algn="ctr">
+              <a:buNone/>
+              <a:defRPr>
+                <a:solidFill>
+                  <a:schemeClr val="tx1">
+                    <a:tint val="75000"/>
+                  </a:schemeClr>
+                </a:solidFill>
+              </a:defRPr>
+            </a:lvl8pPr>
+            <a:lvl9pPr marL="3657600" indent="0" algn="ctr">
+              <a:buNone/>
+              <a:defRPr>
+                <a:solidFill>
+                  <a:schemeClr val="tx1">
+                    <a:tint val="75000"/>
+                  </a:schemeClr>
+                </a:solidFill>
+              </a:defRPr>
+            </a:lvl9pPr>
+          </a:lstStyle>
+          <a:p>
+            <a:r>
+              <a:rPr lang="en-US"/>
+              <a:t>Click to edit Master subtitle style</a:t>
+            </a:r>
+            <a:endParaRPr lang="en-US" dirty="0"/>
+          </a:p>
+        </p:txBody>
+      </p:sp>
+      <p:sp>
+        <p:nvSpPr>
+          <p:cNvPr id="4" name="Date Placeholder 3"/>
+          <p:cNvSpPr>
+            <a:spLocks noGrp="1"/>
+          </p:cNvSpPr>
+          <p:nvPr>
+            <p:ph type="dt" sz="half" idx="10"/>
+          </p:nvPr>
+        </p:nvSpPr>
+        <p:spPr/>
+        <p:txBody>
+          <a:bodyPr/>
+          <a:lstStyle/>
+          <a:p>
+            <a:fld id="{D79E77A5-87F0-4075-A51B-04AA668BC1BF}" type="datetime1">
+              <a:rPr lang="en-US" smtClean="0"/>
+              <a:t>6/3/2024</a:t>
+            </a:fld>
+            <a:endParaRPr lang="en-US"/>
+          </a:p>
+        </p:txBody>
+      </p:sp>
+      <p:sp>
+        <p:nvSpPr>
+          <p:cNvPr id="5" name="Footer Placeholder 4"/>
+          <p:cNvSpPr>
+            <a:spLocks noGrp="1"/>
+          </p:cNvSpPr>
+          <p:nvPr>
+            <p:ph type="ftr" sz="quarter" idx="11"/>
+          </p:nvPr>
+        </p:nvSpPr>
+        <p:spPr/>
+        <p:txBody>
+          <a:bodyPr/>
+          <a:lstStyle/>
+          <a:p>
+            <a:endParaRPr lang="en-US"/>
+          </a:p>
+        </p:txBody>
+      </p:sp>
+      <p:sp>
+        <p:nvSpPr>
+          <p:cNvPr id="6" name="Slide Number Placeholder 5"/>
+          <p:cNvSpPr>
+            <a:spLocks noGrp="1"/>
+          </p:cNvSpPr>
+          <p:nvPr>
+            <p:ph type="sldNum" sz="quarter" idx="12"/>
+          </p:nvPr>
+        </p:nvSpPr>
+        <p:spPr/>
+        <p:txBody>
+          <a:bodyPr/>
+          <a:lstStyle/>
+          <a:p>
+            <a:fld id="{A6EA515B-EB3D-473C-ADE9-FD8348C61D57}" type="slidenum">
+              <a:rPr lang="en-US" smtClean="0"/>
+              <a:t>‹#›</a:t>
+            </a:fld>
+            <a:endParaRPr lang="en-US"/>
+          </a:p>
+        </p:txBody>
+      </p:sp>
+    </p:spTree>
+    <p:extLst>
+      <p:ext uri="{BB962C8B-B14F-4D97-AF65-F5344CB8AC3E}">
+        <p14:creationId xmlns:p14="http://schemas.microsoft.com/office/powerpoint/2010/main" val="1489813415"/>
+      </p:ext>
+    </p:extLst>
+  </p:cSld>
+  <p:clrMapOvr>
+    <a:masterClrMapping/>
+  </p:clrMapOvr>
+</p:sldLayout>
+</file>
+
+<file path=ppt/slideLayouts/slideLayout13.xml><?xml version="1.0" encoding="utf-8"?>
+<p:sldLayout xmlns:a="http://schemas.openxmlformats.org/drawingml/2006/main" xmlns:r="http://schemas.openxmlformats.org/officeDocument/2006/relationships" xmlns:p="http://schemas.openxmlformats.org/presentationml/2006/main" showMasterSp="0" type="obj" preserve="1">
+  <p:cSld name="Title and Content">
+    <p:spTree>
+      <p:nvGrpSpPr>
+        <p:cNvPr id="1" name=""/>
+        <p:cNvGrpSpPr/>
+        <p:nvPr/>
+      </p:nvGrpSpPr>
+      <p:grpSpPr>
+        <a:xfrm>
+          <a:off x="0" y="0"/>
+          <a:ext cx="0" cy="0"/>
+          <a:chOff x="0" y="0"/>
+          <a:chExt cx="0" cy="0"/>
+        </a:xfrm>
+      </p:grpSpPr>
+      <p:sp>
+        <p:nvSpPr>
+          <p:cNvPr id="2" name="Title 1"/>
+          <p:cNvSpPr>
+            <a:spLocks noGrp="1"/>
+          </p:cNvSpPr>
+          <p:nvPr>
+            <p:ph type="title"/>
+          </p:nvPr>
+        </p:nvSpPr>
+        <p:spPr/>
+        <p:txBody>
+          <a:bodyPr>
+            <a:normAutofit/>
+          </a:bodyPr>
+          <a:lstStyle>
+            <a:lvl1pPr>
+              <a:defRPr sz="3600"/>
+            </a:lvl1pPr>
+          </a:lstStyle>
+          <a:p>
+            <a:r>
+              <a:rPr lang="en-US"/>
+              <a:t>Click to edit Master title style</a:t>
+            </a:r>
+            <a:endParaRPr lang="en-US" dirty="0"/>
+          </a:p>
+        </p:txBody>
+      </p:sp>
+      <p:sp>
+        <p:nvSpPr>
+          <p:cNvPr id="3" name="Content Placeholder 2"/>
+          <p:cNvSpPr>
+            <a:spLocks noGrp="1"/>
+          </p:cNvSpPr>
+          <p:nvPr>
+            <p:ph idx="1"/>
+          </p:nvPr>
+        </p:nvSpPr>
+        <p:spPr/>
+        <p:txBody>
+          <a:bodyPr/>
+          <a:lstStyle/>
+          <a:p>
+            <a:pPr lvl="0"/>
+            <a:r>
+              <a:rPr lang="en-US"/>
+              <a:t>Click to edit Master text styles</a:t>
+            </a:r>
+          </a:p>
+          <a:p>
+            <a:pPr lvl="1"/>
+            <a:r>
+              <a:rPr lang="en-US"/>
+              <a:t>Second level</a:t>
+            </a:r>
+          </a:p>
+          <a:p>
+            <a:pPr lvl="2"/>
+            <a:r>
+              <a:rPr lang="en-US"/>
+              <a:t>Third level</a:t>
+            </a:r>
+          </a:p>
+          <a:p>
+            <a:pPr lvl="3"/>
+            <a:r>
+              <a:rPr lang="en-US"/>
+              <a:t>Fourth level</a:t>
+            </a:r>
+          </a:p>
+          <a:p>
+            <a:pPr lvl="4"/>
+            <a:r>
+              <a:rPr lang="en-US"/>
+              <a:t>Fifth level</a:t>
+            </a:r>
+            <a:endParaRPr lang="en-US" dirty="0"/>
+          </a:p>
+        </p:txBody>
+      </p:sp>
+      <p:sp>
+        <p:nvSpPr>
+          <p:cNvPr id="4" name="Date Placeholder 3"/>
+          <p:cNvSpPr>
+            <a:spLocks noGrp="1"/>
+          </p:cNvSpPr>
+          <p:nvPr>
+            <p:ph type="dt" sz="half" idx="10"/>
+          </p:nvPr>
+        </p:nvSpPr>
+        <p:spPr/>
+        <p:txBody>
+          <a:bodyPr/>
+          <a:lstStyle/>
+          <a:p>
+            <a:fld id="{86057752-C450-4D05-94E0-D6B1A45109AA}" type="datetime1">
+              <a:rPr lang="en-US" smtClean="0"/>
+              <a:t>6/3/2024</a:t>
+            </a:fld>
+            <a:endParaRPr lang="en-US"/>
+          </a:p>
+        </p:txBody>
+      </p:sp>
+      <p:sp>
+        <p:nvSpPr>
+          <p:cNvPr id="5" name="Footer Placeholder 4"/>
+          <p:cNvSpPr>
+            <a:spLocks noGrp="1"/>
+          </p:cNvSpPr>
+          <p:nvPr>
+            <p:ph type="ftr" sz="quarter" idx="11"/>
+          </p:nvPr>
+        </p:nvSpPr>
+        <p:spPr/>
+        <p:txBody>
+          <a:bodyPr/>
+          <a:lstStyle/>
+          <a:p>
+            <a:endParaRPr lang="en-US"/>
+          </a:p>
+        </p:txBody>
+      </p:sp>
+      <p:sp>
+        <p:nvSpPr>
+          <p:cNvPr id="6" name="Slide Number Placeholder 5"/>
+          <p:cNvSpPr>
+            <a:spLocks noGrp="1"/>
+          </p:cNvSpPr>
+          <p:nvPr>
+            <p:ph type="sldNum" sz="quarter" idx="12"/>
+          </p:nvPr>
+        </p:nvSpPr>
+        <p:spPr>
+          <a:xfrm>
+            <a:off x="11508661" y="0"/>
+            <a:ext cx="683339" cy="365125"/>
+          </a:xfrm>
+        </p:spPr>
+        <p:txBody>
+          <a:bodyPr/>
+          <a:lstStyle/>
+          <a:p>
+            <a:fld id="{A6EA515B-EB3D-473C-ADE9-FD8348C61D57}" type="slidenum">
+              <a:rPr lang="en-US" smtClean="0"/>
+              <a:t>‹#›</a:t>
+            </a:fld>
+            <a:endParaRPr lang="en-US"/>
+          </a:p>
+        </p:txBody>
+      </p:sp>
+    </p:spTree>
+    <p:extLst>
+      <p:ext uri="{BB962C8B-B14F-4D97-AF65-F5344CB8AC3E}">
+        <p14:creationId xmlns:p14="http://schemas.microsoft.com/office/powerpoint/2010/main" val="1605997769"/>
+      </p:ext>
+    </p:extLst>
+  </p:cSld>
+  <p:clrMapOvr>
+    <a:masterClrMapping/>
+  </p:clrMapOvr>
+</p:sldLayout>
+</file>
+
+<file path=ppt/slideLayouts/slideLayout14.xml><?xml version="1.0" encoding="utf-8"?>
+<p:sldLayout xmlns:a="http://schemas.openxmlformats.org/drawingml/2006/main" xmlns:r="http://schemas.openxmlformats.org/officeDocument/2006/relationships" xmlns:p="http://schemas.openxmlformats.org/presentationml/2006/main" showMasterSp="0" type="secHead" preserve="1">
+  <p:cSld name="Section Header">
+    <p:spTree>
+      <p:nvGrpSpPr>
+        <p:cNvPr id="1" name=""/>
+        <p:cNvGrpSpPr/>
+        <p:nvPr/>
+      </p:nvGrpSpPr>
+      <p:grpSpPr>
+        <a:xfrm>
+          <a:off x="0" y="0"/>
+          <a:ext cx="0" cy="0"/>
+          <a:chOff x="0" y="0"/>
+          <a:chExt cx="0" cy="0"/>
+        </a:xfrm>
+      </p:grpSpPr>
+      <p:sp>
+        <p:nvSpPr>
+          <p:cNvPr id="2" name="Title 1"/>
+          <p:cNvSpPr>
+            <a:spLocks noGrp="1"/>
+          </p:cNvSpPr>
+          <p:nvPr>
+            <p:ph type="title"/>
+          </p:nvPr>
+        </p:nvSpPr>
+        <p:spPr>
+          <a:xfrm>
+            <a:off x="677335" y="2700867"/>
+            <a:ext cx="8596668" cy="1826581"/>
+          </a:xfrm>
+        </p:spPr>
+        <p:txBody>
+          <a:bodyPr anchor="b"/>
+          <a:lstStyle>
+            <a:lvl1pPr algn="l">
+              <a:defRPr sz="4000" b="0" cap="none"/>
+            </a:lvl1pPr>
+          </a:lstStyle>
+          <a:p>
+            <a:r>
+              <a:rPr lang="en-US"/>
+              <a:t>Click to edit Master title style</a:t>
+            </a:r>
+            <a:endParaRPr lang="en-US" dirty="0"/>
+          </a:p>
+        </p:txBody>
+      </p:sp>
+      <p:sp>
+        <p:nvSpPr>
+          <p:cNvPr id="3" name="Text Placeholder 2"/>
+          <p:cNvSpPr>
+            <a:spLocks noGrp="1"/>
+          </p:cNvSpPr>
+          <p:nvPr>
+            <p:ph type="body" idx="1"/>
+          </p:nvPr>
+        </p:nvSpPr>
+        <p:spPr>
+          <a:xfrm>
+            <a:off x="677335" y="4527448"/>
+            <a:ext cx="8596668" cy="860400"/>
+          </a:xfrm>
+        </p:spPr>
+        <p:txBody>
+          <a:bodyPr anchor="t"/>
+          <a:lstStyle>
+            <a:lvl1pPr marL="0" indent="0" algn="l">
+              <a:buNone/>
+              <a:defRPr sz="2000">
+                <a:solidFill>
+                  <a:schemeClr val="tx1">
+                    <a:lumMod val="50000"/>
+                    <a:lumOff val="50000"/>
+                  </a:schemeClr>
+                </a:solidFill>
+              </a:defRPr>
+            </a:lvl1pPr>
+            <a:lvl2pPr marL="457200" indent="0">
+              <a:buNone/>
+              <a:defRPr sz="1800">
+                <a:solidFill>
+                  <a:schemeClr val="tx1">
+                    <a:tint val="75000"/>
+                  </a:schemeClr>
+                </a:solidFill>
+              </a:defRPr>
+            </a:lvl2pPr>
+            <a:lvl3pPr marL="914400" indent="0">
+              <a:buNone/>
+              <a:defRPr sz="1600">
+                <a:solidFill>
+                  <a:schemeClr val="tx1">
+                    <a:tint val="75000"/>
+                  </a:schemeClr>
+                </a:solidFill>
+              </a:defRPr>
+            </a:lvl3pPr>
+            <a:lvl4pPr marL="1371600" indent="0">
+              <a:buNone/>
+              <a:defRPr sz="1400">
+                <a:solidFill>
+                  <a:schemeClr val="tx1">
+                    <a:tint val="75000"/>
+                  </a:schemeClr>
+                </a:solidFill>
+              </a:defRPr>
+            </a:lvl4pPr>
+            <a:lvl5pPr marL="1828800" indent="0">
+              <a:buNone/>
+              <a:defRPr sz="1400">
+                <a:solidFill>
+                  <a:schemeClr val="tx1">
+                    <a:tint val="75000"/>
+                  </a:schemeClr>
+                </a:solidFill>
+              </a:defRPr>
+            </a:lvl5pPr>
+            <a:lvl6pPr marL="2286000" indent="0">
+              <a:buNone/>
+              <a:defRPr sz="1400">
+                <a:solidFill>
+                  <a:schemeClr val="tx1">
+                    <a:tint val="75000"/>
+                  </a:schemeClr>
+                </a:solidFill>
+              </a:defRPr>
+            </a:lvl6pPr>
+            <a:lvl7pPr marL="2743200" indent="0">
+              <a:buNone/>
+              <a:defRPr sz="1400">
+                <a:solidFill>
+                  <a:schemeClr val="tx1">
+                    <a:tint val="75000"/>
+                  </a:schemeClr>
+                </a:solidFill>
+              </a:defRPr>
+            </a:lvl7pPr>
+            <a:lvl8pPr marL="3200400" indent="0">
+              <a:buNone/>
+              <a:defRPr sz="1400">
+                <a:solidFill>
+                  <a:schemeClr val="tx1">
+                    <a:tint val="75000"/>
+                  </a:schemeClr>
+                </a:solidFill>
+              </a:defRPr>
+            </a:lvl8pPr>
+            <a:lvl9pPr marL="3657600" indent="0">
+              <a:buNone/>
+              <a:defRPr sz="1400">
+                <a:solidFill>
+                  <a:schemeClr val="tx1">
+                    <a:tint val="75000"/>
+                  </a:schemeClr>
+                </a:solidFill>
+              </a:defRPr>
+            </a:lvl9pPr>
+          </a:lstStyle>
+          <a:p>
+            <a:pPr lvl="0"/>
+            <a:r>
+              <a:rPr lang="en-US"/>
+              <a:t>Click to edit Master text styles</a:t>
+            </a:r>
+          </a:p>
+        </p:txBody>
+      </p:sp>
+      <p:sp>
+        <p:nvSpPr>
+          <p:cNvPr id="4" name="Date Placeholder 3"/>
+          <p:cNvSpPr>
+            <a:spLocks noGrp="1"/>
+          </p:cNvSpPr>
+          <p:nvPr>
+            <p:ph type="dt" sz="half" idx="10"/>
+          </p:nvPr>
+        </p:nvSpPr>
+        <p:spPr/>
+        <p:txBody>
+          <a:bodyPr/>
+          <a:lstStyle/>
+          <a:p>
+            <a:fld id="{7EB914FA-D249-421B-ABDF-F6E46F80449B}" type="datetime1">
+              <a:rPr lang="en-US" smtClean="0"/>
+              <a:t>6/3/2024</a:t>
+            </a:fld>
+            <a:endParaRPr lang="en-US"/>
+          </a:p>
+        </p:txBody>
+      </p:sp>
+      <p:sp>
+        <p:nvSpPr>
+          <p:cNvPr id="5" name="Footer Placeholder 4"/>
+          <p:cNvSpPr>
+            <a:spLocks noGrp="1"/>
+          </p:cNvSpPr>
+          <p:nvPr>
+            <p:ph type="ftr" sz="quarter" idx="11"/>
+          </p:nvPr>
+        </p:nvSpPr>
+        <p:spPr/>
+        <p:txBody>
+          <a:bodyPr/>
+          <a:lstStyle/>
+          <a:p>
+            <a:endParaRPr lang="en-US"/>
+          </a:p>
+        </p:txBody>
+      </p:sp>
+      <p:sp>
+        <p:nvSpPr>
+          <p:cNvPr id="6" name="Slide Number Placeholder 5"/>
+          <p:cNvSpPr>
+            <a:spLocks noGrp="1"/>
+          </p:cNvSpPr>
+          <p:nvPr>
+            <p:ph type="sldNum" sz="quarter" idx="12"/>
+          </p:nvPr>
+        </p:nvSpPr>
+        <p:spPr/>
+        <p:txBody>
+          <a:bodyPr/>
+          <a:lstStyle/>
+          <a:p>
+            <a:fld id="{A6EA515B-EB3D-473C-ADE9-FD8348C61D57}" type="slidenum">
+              <a:rPr lang="en-US" smtClean="0"/>
+              <a:t>‹#›</a:t>
+            </a:fld>
+            <a:endParaRPr lang="en-US"/>
+          </a:p>
+        </p:txBody>
+      </p:sp>
+    </p:spTree>
+    <p:extLst>
+      <p:ext uri="{BB962C8B-B14F-4D97-AF65-F5344CB8AC3E}">
+        <p14:creationId xmlns:p14="http://schemas.microsoft.com/office/powerpoint/2010/main" val="2714374051"/>
+      </p:ext>
+    </p:extLst>
+  </p:cSld>
+  <p:clrMapOvr>
+    <a:masterClrMapping/>
+  </p:clrMapOvr>
+</p:sldLayout>
+</file>
+
+<file path=ppt/slideLayouts/slideLayout15.xml><?xml version="1.0" encoding="utf-8"?>
+<p:sldLayout xmlns:a="http://schemas.openxmlformats.org/drawingml/2006/main" xmlns:r="http://schemas.openxmlformats.org/officeDocument/2006/relationships" xmlns:p="http://schemas.openxmlformats.org/presentationml/2006/main" showMasterSp="0" type="twoObj" preserve="1">
+  <p:cSld name="Two Content">
+    <p:spTree>
+      <p:nvGrpSpPr>
+        <p:cNvPr id="1" name=""/>
+        <p:cNvGrpSpPr/>
+        <p:nvPr/>
+      </p:nvGrpSpPr>
+      <p:grpSpPr>
+        <a:xfrm>
+          <a:off x="0" y="0"/>
+          <a:ext cx="0" cy="0"/>
+          <a:chOff x="0" y="0"/>
+          <a:chExt cx="0" cy="0"/>
+        </a:xfrm>
+      </p:grpSpPr>
+      <p:sp>
+        <p:nvSpPr>
+          <p:cNvPr id="2" name="Title 1"/>
+          <p:cNvSpPr>
+            <a:spLocks noGrp="1"/>
+          </p:cNvSpPr>
+          <p:nvPr>
+            <p:ph type="title"/>
+          </p:nvPr>
+        </p:nvSpPr>
+        <p:spPr/>
+        <p:txBody>
+          <a:bodyPr/>
+          <a:lstStyle/>
+          <a:p>
+            <a:r>
+              <a:rPr lang="en-US"/>
+              <a:t>Click to edit Master title style</a:t>
+            </a:r>
+            <a:endParaRPr lang="en-US" dirty="0"/>
+          </a:p>
+        </p:txBody>
+      </p:sp>
+      <p:sp>
+        <p:nvSpPr>
+          <p:cNvPr id="3" name="Content Placeholder 2"/>
+          <p:cNvSpPr>
+            <a:spLocks noGrp="1"/>
+          </p:cNvSpPr>
+          <p:nvPr>
+            <p:ph sz="half" idx="1"/>
+          </p:nvPr>
+        </p:nvSpPr>
+        <p:spPr>
+          <a:xfrm>
+            <a:off x="677334" y="2160589"/>
+            <a:ext cx="4184035" cy="3880772"/>
+          </a:xfrm>
+        </p:spPr>
+        <p:txBody>
+          <a:bodyPr/>
+          <a:lstStyle/>
+          <a:p>
+            <a:pPr lvl="0"/>
+            <a:r>
+              <a:rPr lang="en-US"/>
+              <a:t>Click to edit Master text styles</a:t>
+            </a:r>
+          </a:p>
+          <a:p>
+            <a:pPr lvl="1"/>
+            <a:r>
+              <a:rPr lang="en-US"/>
+              <a:t>Second level</a:t>
+            </a:r>
+          </a:p>
+          <a:p>
+            <a:pPr lvl="2"/>
+            <a:r>
+              <a:rPr lang="en-US"/>
+              <a:t>Third level</a:t>
+            </a:r>
+          </a:p>
+          <a:p>
+            <a:pPr lvl="3"/>
+            <a:r>
+              <a:rPr lang="en-US"/>
+              <a:t>Fourth level</a:t>
+            </a:r>
+          </a:p>
+          <a:p>
+            <a:pPr lvl="4"/>
+            <a:r>
+              <a:rPr lang="en-US"/>
+              <a:t>Fifth level</a:t>
+            </a:r>
+            <a:endParaRPr lang="en-US" dirty="0"/>
+          </a:p>
+        </p:txBody>
+      </p:sp>
+      <p:sp>
+        <p:nvSpPr>
+          <p:cNvPr id="4" name="Content Placeholder 3"/>
+          <p:cNvSpPr>
+            <a:spLocks noGrp="1"/>
+          </p:cNvSpPr>
+          <p:nvPr>
+            <p:ph sz="half" idx="2"/>
+          </p:nvPr>
+        </p:nvSpPr>
+        <p:spPr>
+          <a:xfrm>
+            <a:off x="5089970" y="2160589"/>
+            <a:ext cx="4184034" cy="3880773"/>
+          </a:xfrm>
+        </p:spPr>
+        <p:txBody>
+          <a:bodyPr/>
+          <a:lstStyle/>
+          <a:p>
+            <a:pPr lvl="0"/>
+            <a:r>
+              <a:rPr lang="en-US"/>
+              <a:t>Click to edit Master text styles</a:t>
+            </a:r>
+          </a:p>
+          <a:p>
+            <a:pPr lvl="1"/>
+            <a:r>
+              <a:rPr lang="en-US"/>
+              <a:t>Second level</a:t>
+            </a:r>
+          </a:p>
+          <a:p>
+            <a:pPr lvl="2"/>
+            <a:r>
+              <a:rPr lang="en-US"/>
+              <a:t>Third level</a:t>
+            </a:r>
+          </a:p>
+          <a:p>
+            <a:pPr lvl="3"/>
+            <a:r>
+              <a:rPr lang="en-US"/>
+              <a:t>Fourth level</a:t>
+            </a:r>
+          </a:p>
+          <a:p>
+            <a:pPr lvl="4"/>
+            <a:r>
+              <a:rPr lang="en-US"/>
+              <a:t>Fifth level</a:t>
+            </a:r>
+            <a:endParaRPr lang="en-US" dirty="0"/>
+          </a:p>
+        </p:txBody>
+      </p:sp>
+      <p:sp>
+        <p:nvSpPr>
+          <p:cNvPr id="5" name="Date Placeholder 4"/>
+          <p:cNvSpPr>
+            <a:spLocks noGrp="1"/>
+          </p:cNvSpPr>
+          <p:nvPr>
+            <p:ph type="dt" sz="half" idx="10"/>
+          </p:nvPr>
+        </p:nvSpPr>
+        <p:spPr/>
+        <p:txBody>
+          <a:bodyPr/>
+          <a:lstStyle/>
+          <a:p>
+            <a:fld id="{3EE27342-0359-4077-8A07-EB33210F6F15}" type="datetime1">
+              <a:rPr lang="en-US" smtClean="0"/>
+              <a:t>6/3/2024</a:t>
+            </a:fld>
+            <a:endParaRPr lang="en-US"/>
+          </a:p>
+        </p:txBody>
+      </p:sp>
+      <p:sp>
+        <p:nvSpPr>
+          <p:cNvPr id="6" name="Footer Placeholder 5"/>
+          <p:cNvSpPr>
+            <a:spLocks noGrp="1"/>
+          </p:cNvSpPr>
+          <p:nvPr>
+            <p:ph type="ftr" sz="quarter" idx="11"/>
+          </p:nvPr>
+        </p:nvSpPr>
+        <p:spPr/>
+        <p:txBody>
+          <a:bodyPr/>
+          <a:lstStyle/>
+          <a:p>
+            <a:endParaRPr lang="en-US"/>
+          </a:p>
+        </p:txBody>
+      </p:sp>
+      <p:sp>
+        <p:nvSpPr>
+          <p:cNvPr id="7" name="Slide Number Placeholder 6"/>
+          <p:cNvSpPr>
+            <a:spLocks noGrp="1"/>
+          </p:cNvSpPr>
+          <p:nvPr>
+            <p:ph type="sldNum" sz="quarter" idx="12"/>
+          </p:nvPr>
+        </p:nvSpPr>
+        <p:spPr>
+          <a:xfrm>
+            <a:off x="11508661" y="-11405"/>
+            <a:ext cx="683339" cy="365125"/>
+          </a:xfrm>
+        </p:spPr>
+        <p:txBody>
+          <a:bodyPr/>
+          <a:lstStyle/>
+          <a:p>
+            <a:fld id="{A6EA515B-EB3D-473C-ADE9-FD8348C61D57}" type="slidenum">
+              <a:rPr lang="en-US" smtClean="0"/>
+              <a:t>‹#›</a:t>
+            </a:fld>
+            <a:endParaRPr lang="en-US"/>
+          </a:p>
+        </p:txBody>
+      </p:sp>
+    </p:spTree>
+    <p:extLst>
+      <p:ext uri="{BB962C8B-B14F-4D97-AF65-F5344CB8AC3E}">
+        <p14:creationId xmlns:p14="http://schemas.microsoft.com/office/powerpoint/2010/main" val="1019651145"/>
+      </p:ext>
+    </p:extLst>
+  </p:cSld>
+  <p:clrMapOvr>
+    <a:masterClrMapping/>
+  </p:clrMapOvr>
+</p:sldLayout>
+</file>
+
+<file path=ppt/slideLayouts/slideLayout16.xml><?xml version="1.0" encoding="utf-8"?>
+<p:sldLayout xmlns:a="http://schemas.openxmlformats.org/drawingml/2006/main" xmlns:r="http://schemas.openxmlformats.org/officeDocument/2006/relationships" xmlns:p="http://schemas.openxmlformats.org/presentationml/2006/main" showMasterSp="0" type="twoTxTwoObj" preserve="1">
+  <p:cSld name="Comparison">
+    <p:spTree>
+      <p:nvGrpSpPr>
+        <p:cNvPr id="1" name=""/>
+        <p:cNvGrpSpPr/>
+        <p:nvPr/>
+      </p:nvGrpSpPr>
+      <p:grpSpPr>
+        <a:xfrm>
+          <a:off x="0" y="0"/>
+          <a:ext cx="0" cy="0"/>
+          <a:chOff x="0" y="0"/>
+          <a:chExt cx="0" cy="0"/>
+        </a:xfrm>
+      </p:grpSpPr>
+      <p:sp>
+        <p:nvSpPr>
+          <p:cNvPr id="2" name="Title 1"/>
+          <p:cNvSpPr>
+            <a:spLocks noGrp="1"/>
+          </p:cNvSpPr>
+          <p:nvPr>
+            <p:ph type="title"/>
+          </p:nvPr>
+        </p:nvSpPr>
+        <p:spPr/>
+        <p:txBody>
+          <a:bodyPr/>
+          <a:lstStyle>
+            <a:lvl1pPr>
+              <a:defRPr/>
+            </a:lvl1pPr>
+          </a:lstStyle>
+          <a:p>
+            <a:r>
+              <a:rPr lang="en-US"/>
+              <a:t>Click to edit Master title style</a:t>
+            </a:r>
+            <a:endParaRPr lang="en-US" dirty="0"/>
+          </a:p>
+        </p:txBody>
+      </p:sp>
+      <p:sp>
+        <p:nvSpPr>
+          <p:cNvPr id="3" name="Text Placeholder 2"/>
+          <p:cNvSpPr>
+            <a:spLocks noGrp="1"/>
+          </p:cNvSpPr>
+          <p:nvPr>
+            <p:ph type="body" idx="1"/>
+          </p:nvPr>
+        </p:nvSpPr>
+        <p:spPr>
+          <a:xfrm>
+            <a:off x="675745" y="2160983"/>
+            <a:ext cx="4185623" cy="576262"/>
+          </a:xfrm>
+        </p:spPr>
+        <p:txBody>
+          <a:bodyPr anchor="b">
+            <a:noAutofit/>
+          </a:bodyPr>
+          <a:lstStyle>
+            <a:lvl1pPr marL="0" indent="0">
+              <a:buNone/>
+              <a:defRPr sz="2400" b="0"/>
+            </a:lvl1pPr>
+            <a:lvl2pPr marL="457200" indent="0">
+              <a:buNone/>
+              <a:defRPr sz="2000" b="1"/>
+            </a:lvl2pPr>
+            <a:lvl3pPr marL="914400" indent="0">
+              <a:buNone/>
+              <a:defRPr sz="1800" b="1"/>
+            </a:lvl3pPr>
+            <a:lvl4pPr marL="1371600" indent="0">
+              <a:buNone/>
+              <a:defRPr sz="1600" b="1"/>
+            </a:lvl4pPr>
+            <a:lvl5pPr marL="1828800" indent="0">
+              <a:buNone/>
+              <a:defRPr sz="1600" b="1"/>
+            </a:lvl5pPr>
+            <a:lvl6pPr marL="2286000" indent="0">
+              <a:buNone/>
+              <a:defRPr sz="1600" b="1"/>
+            </a:lvl6pPr>
+            <a:lvl7pPr marL="2743200" indent="0">
+              <a:buNone/>
+              <a:defRPr sz="1600" b="1"/>
+            </a:lvl7pPr>
+            <a:lvl8pPr marL="3200400" indent="0">
+              <a:buNone/>
+              <a:defRPr sz="1600" b="1"/>
+            </a:lvl8pPr>
+            <a:lvl9pPr marL="3657600" indent="0">
+              <a:buNone/>
+              <a:defRPr sz="1600" b="1"/>
+            </a:lvl9pPr>
+          </a:lstStyle>
+          <a:p>
+            <a:pPr lvl="0"/>
+            <a:r>
+              <a:rPr lang="en-US"/>
+              <a:t>Click to edit Master text styles</a:t>
+            </a:r>
+          </a:p>
+        </p:txBody>
+      </p:sp>
+      <p:sp>
+        <p:nvSpPr>
+          <p:cNvPr id="4" name="Content Placeholder 3"/>
+          <p:cNvSpPr>
+            <a:spLocks noGrp="1"/>
+          </p:cNvSpPr>
+          <p:nvPr>
+            <p:ph sz="half" idx="2"/>
+          </p:nvPr>
+        </p:nvSpPr>
+        <p:spPr>
+          <a:xfrm>
+            <a:off x="675745" y="2737245"/>
+            <a:ext cx="4185623" cy="3304117"/>
+          </a:xfrm>
+        </p:spPr>
+        <p:txBody>
+          <a:bodyPr>
+            <a:normAutofit/>
+          </a:bodyPr>
+          <a:lstStyle/>
+          <a:p>
+            <a:pPr lvl="0"/>
+            <a:r>
+              <a:rPr lang="en-US"/>
+              <a:t>Click to edit Master text styles</a:t>
+            </a:r>
+          </a:p>
+          <a:p>
+            <a:pPr lvl="1"/>
+            <a:r>
+              <a:rPr lang="en-US"/>
+              <a:t>Second level</a:t>
+            </a:r>
+          </a:p>
+          <a:p>
+            <a:pPr lvl="2"/>
+            <a:r>
+              <a:rPr lang="en-US"/>
+              <a:t>Third level</a:t>
+            </a:r>
+          </a:p>
+          <a:p>
+            <a:pPr lvl="3"/>
+            <a:r>
+              <a:rPr lang="en-US"/>
+              <a:t>Fourth level</a:t>
+            </a:r>
+          </a:p>
+          <a:p>
+            <a:pPr lvl="4"/>
+            <a:r>
+              <a:rPr lang="en-US"/>
+              <a:t>Fifth level</a:t>
+            </a:r>
+            <a:endParaRPr lang="en-US" dirty="0"/>
+          </a:p>
+        </p:txBody>
+      </p:sp>
+      <p:sp>
+        <p:nvSpPr>
+          <p:cNvPr id="5" name="Text Placeholder 4"/>
+          <p:cNvSpPr>
+            <a:spLocks noGrp="1"/>
+          </p:cNvSpPr>
+          <p:nvPr>
+            <p:ph type="body" sz="quarter" idx="3"/>
+          </p:nvPr>
+        </p:nvSpPr>
+        <p:spPr>
+          <a:xfrm>
+            <a:off x="5088383" y="2160983"/>
+            <a:ext cx="4185618" cy="576262"/>
+          </a:xfrm>
+        </p:spPr>
+        <p:txBody>
+          <a:bodyPr anchor="b">
+            <a:noAutofit/>
+          </a:bodyPr>
+          <a:lstStyle>
+            <a:lvl1pPr marL="0" indent="0">
+              <a:buNone/>
+              <a:defRPr sz="2400" b="0"/>
+            </a:lvl1pPr>
+            <a:lvl2pPr marL="457200" indent="0">
+              <a:buNone/>
+              <a:defRPr sz="2000" b="1"/>
+            </a:lvl2pPr>
+            <a:lvl3pPr marL="914400" indent="0">
+              <a:buNone/>
+              <a:defRPr sz="1800" b="1"/>
+            </a:lvl3pPr>
+            <a:lvl4pPr marL="1371600" indent="0">
+              <a:buNone/>
+              <a:defRPr sz="1600" b="1"/>
+            </a:lvl4pPr>
+            <a:lvl5pPr marL="1828800" indent="0">
+              <a:buNone/>
+              <a:defRPr sz="1600" b="1"/>
+            </a:lvl5pPr>
+            <a:lvl6pPr marL="2286000" indent="0">
+              <a:buNone/>
+              <a:defRPr sz="1600" b="1"/>
+            </a:lvl6pPr>
+            <a:lvl7pPr marL="2743200" indent="0">
+              <a:buNone/>
+              <a:defRPr sz="1600" b="1"/>
+            </a:lvl7pPr>
+            <a:lvl8pPr marL="3200400" indent="0">
+              <a:buNone/>
+              <a:defRPr sz="1600" b="1"/>
+            </a:lvl8pPr>
+            <a:lvl9pPr marL="3657600" indent="0">
+              <a:buNone/>
+              <a:defRPr sz="1600" b="1"/>
+            </a:lvl9pPr>
+          </a:lstStyle>
+          <a:p>
+            <a:pPr lvl="0"/>
+            <a:r>
+              <a:rPr lang="en-US"/>
+              <a:t>Click to edit Master text styles</a:t>
+            </a:r>
+          </a:p>
+        </p:txBody>
+      </p:sp>
+      <p:sp>
+        <p:nvSpPr>
+          <p:cNvPr id="6" name="Content Placeholder 5"/>
+          <p:cNvSpPr>
+            <a:spLocks noGrp="1"/>
+          </p:cNvSpPr>
+          <p:nvPr>
+            <p:ph sz="quarter" idx="4"/>
+          </p:nvPr>
+        </p:nvSpPr>
+        <p:spPr>
+          <a:xfrm>
+            <a:off x="5088384" y="2737245"/>
+            <a:ext cx="4185617" cy="3304117"/>
+          </a:xfrm>
+        </p:spPr>
+        <p:txBody>
+          <a:bodyPr>
+            <a:normAutofit/>
+          </a:bodyPr>
+          <a:lstStyle/>
+          <a:p>
+            <a:pPr lvl="0"/>
+            <a:r>
+              <a:rPr lang="en-US"/>
+              <a:t>Click to edit Master text styles</a:t>
+            </a:r>
+          </a:p>
+          <a:p>
+            <a:pPr lvl="1"/>
+            <a:r>
+              <a:rPr lang="en-US"/>
+              <a:t>Second level</a:t>
+            </a:r>
+          </a:p>
+          <a:p>
+            <a:pPr lvl="2"/>
+            <a:r>
+              <a:rPr lang="en-US"/>
+              <a:t>Third level</a:t>
+            </a:r>
+          </a:p>
+          <a:p>
+            <a:pPr lvl="3"/>
+            <a:r>
+              <a:rPr lang="en-US"/>
+              <a:t>Fourth level</a:t>
+            </a:r>
+          </a:p>
+          <a:p>
+            <a:pPr lvl="4"/>
+            <a:r>
+              <a:rPr lang="en-US"/>
+              <a:t>Fifth level</a:t>
+            </a:r>
+            <a:endParaRPr lang="en-US" dirty="0"/>
+          </a:p>
+        </p:txBody>
+      </p:sp>
+      <p:sp>
+        <p:nvSpPr>
+          <p:cNvPr id="7" name="Date Placeholder 6"/>
+          <p:cNvSpPr>
+            <a:spLocks noGrp="1"/>
+          </p:cNvSpPr>
+          <p:nvPr>
+            <p:ph type="dt" sz="half" idx="10"/>
+          </p:nvPr>
+        </p:nvSpPr>
+        <p:spPr/>
+        <p:txBody>
+          <a:bodyPr/>
+          <a:lstStyle/>
+          <a:p>
+            <a:fld id="{3B75354E-6C99-478A-8109-1EEC8C03446D}" type="datetime1">
+              <a:rPr lang="en-US" smtClean="0"/>
+              <a:t>6/3/2024</a:t>
+            </a:fld>
+            <a:endParaRPr lang="en-US"/>
+          </a:p>
+        </p:txBody>
+      </p:sp>
+      <p:sp>
+        <p:nvSpPr>
+          <p:cNvPr id="8" name="Footer Placeholder 7"/>
+          <p:cNvSpPr>
+            <a:spLocks noGrp="1"/>
+          </p:cNvSpPr>
+          <p:nvPr>
+            <p:ph type="ftr" sz="quarter" idx="11"/>
+          </p:nvPr>
+        </p:nvSpPr>
+        <p:spPr/>
+        <p:txBody>
+          <a:bodyPr/>
+          <a:lstStyle/>
+          <a:p>
+            <a:endParaRPr lang="en-US"/>
+          </a:p>
+        </p:txBody>
+      </p:sp>
+      <p:sp>
+        <p:nvSpPr>
+          <p:cNvPr id="9" name="Slide Number Placeholder 8"/>
+          <p:cNvSpPr>
+            <a:spLocks noGrp="1"/>
+          </p:cNvSpPr>
+          <p:nvPr>
+            <p:ph type="sldNum" sz="quarter" idx="12"/>
+          </p:nvPr>
+        </p:nvSpPr>
+        <p:spPr/>
+        <p:txBody>
+          <a:bodyPr/>
+          <a:lstStyle/>
+          <a:p>
+            <a:fld id="{A6EA515B-EB3D-473C-ADE9-FD8348C61D57}" type="slidenum">
+              <a:rPr lang="en-US" smtClean="0"/>
+              <a:t>‹#›</a:t>
+            </a:fld>
+            <a:endParaRPr lang="en-US"/>
+          </a:p>
+        </p:txBody>
+      </p:sp>
+    </p:spTree>
+    <p:extLst>
+      <p:ext uri="{BB962C8B-B14F-4D97-AF65-F5344CB8AC3E}">
+        <p14:creationId xmlns:p14="http://schemas.microsoft.com/office/powerpoint/2010/main" val="3966470502"/>
+      </p:ext>
+    </p:extLst>
+  </p:cSld>
+  <p:clrMapOvr>
+    <a:masterClrMapping/>
+  </p:clrMapOvr>
+</p:sldLayout>
+</file>
+
+<file path=ppt/slideLayouts/slideLayout17.xml><?xml version="1.0" encoding="utf-8"?>
+<p:sldLayout xmlns:a="http://schemas.openxmlformats.org/drawingml/2006/main" xmlns:r="http://schemas.openxmlformats.org/officeDocument/2006/relationships" xmlns:p="http://schemas.openxmlformats.org/presentationml/2006/main" showMasterSp="0" type="titleOnly" preserve="1">
+  <p:cSld name="Title Only">
+    <p:spTree>
+      <p:nvGrpSpPr>
+        <p:cNvPr id="1" name=""/>
+        <p:cNvGrpSpPr/>
+        <p:nvPr/>
+      </p:nvGrpSpPr>
+      <p:grpSpPr>
+        <a:xfrm>
+          <a:off x="0" y="0"/>
+          <a:ext cx="0" cy="0"/>
+          <a:chOff x="0" y="0"/>
+          <a:chExt cx="0" cy="0"/>
+        </a:xfrm>
+      </p:grpSpPr>
+      <p:sp>
+        <p:nvSpPr>
+          <p:cNvPr id="2" name="Title 1"/>
+          <p:cNvSpPr>
+            <a:spLocks noGrp="1"/>
+          </p:cNvSpPr>
+          <p:nvPr>
+            <p:ph type="title"/>
+          </p:nvPr>
+        </p:nvSpPr>
+        <p:spPr>
+          <a:xfrm>
+            <a:off x="677334" y="609600"/>
+            <a:ext cx="8596668" cy="1320800"/>
+          </a:xfrm>
+        </p:spPr>
+        <p:txBody>
+          <a:bodyPr/>
+          <a:lstStyle/>
+          <a:p>
+            <a:r>
+              <a:rPr lang="en-US"/>
+              <a:t>Click to edit Master title style</a:t>
+            </a:r>
+            <a:endParaRPr lang="en-US" dirty="0"/>
+          </a:p>
+        </p:txBody>
+      </p:sp>
+      <p:sp>
+        <p:nvSpPr>
+          <p:cNvPr id="3" name="Date Placeholder 2"/>
+          <p:cNvSpPr>
+            <a:spLocks noGrp="1"/>
+          </p:cNvSpPr>
+          <p:nvPr>
+            <p:ph type="dt" sz="half" idx="10"/>
+          </p:nvPr>
+        </p:nvSpPr>
+        <p:spPr/>
+        <p:txBody>
+          <a:bodyPr/>
+          <a:lstStyle/>
+          <a:p>
+            <a:fld id="{289FE88D-E9D2-490C-BD0E-D627ABA26674}" type="datetime1">
+              <a:rPr lang="en-US" smtClean="0"/>
+              <a:t>6/3/2024</a:t>
+            </a:fld>
+            <a:endParaRPr lang="en-US"/>
+          </a:p>
+        </p:txBody>
+      </p:sp>
+      <p:sp>
+        <p:nvSpPr>
+          <p:cNvPr id="4" name="Footer Placeholder 3"/>
+          <p:cNvSpPr>
+            <a:spLocks noGrp="1"/>
+          </p:cNvSpPr>
+          <p:nvPr>
+            <p:ph type="ftr" sz="quarter" idx="11"/>
+          </p:nvPr>
+        </p:nvSpPr>
+        <p:spPr/>
+        <p:txBody>
+          <a:bodyPr/>
+          <a:lstStyle/>
+          <a:p>
+            <a:endParaRPr lang="en-US"/>
+          </a:p>
+        </p:txBody>
+      </p:sp>
+      <p:sp>
+        <p:nvSpPr>
+          <p:cNvPr id="5" name="Slide Number Placeholder 4"/>
+          <p:cNvSpPr>
+            <a:spLocks noGrp="1"/>
+          </p:cNvSpPr>
+          <p:nvPr>
+            <p:ph type="sldNum" sz="quarter" idx="12"/>
+          </p:nvPr>
+        </p:nvSpPr>
+        <p:spPr/>
+        <p:txBody>
+          <a:bodyPr/>
+          <a:lstStyle/>
+          <a:p>
+            <a:fld id="{A6EA515B-EB3D-473C-ADE9-FD8348C61D57}" type="slidenum">
+              <a:rPr lang="en-US" smtClean="0"/>
+              <a:t>‹#›</a:t>
+            </a:fld>
+            <a:endParaRPr lang="en-US"/>
+          </a:p>
+        </p:txBody>
+      </p:sp>
+    </p:spTree>
+    <p:extLst>
+      <p:ext uri="{BB962C8B-B14F-4D97-AF65-F5344CB8AC3E}">
+        <p14:creationId xmlns:p14="http://schemas.microsoft.com/office/powerpoint/2010/main" val="1786349458"/>
+      </p:ext>
+    </p:extLst>
+  </p:cSld>
+  <p:clrMapOvr>
+    <a:masterClrMapping/>
+  </p:clrMapOvr>
+</p:sldLayout>
+</file>
+
+<file path=ppt/slideLayouts/slideLayout18.xml><?xml version="1.0" encoding="utf-8"?>
+<p:sldLayout xmlns:a="http://schemas.openxmlformats.org/drawingml/2006/main" xmlns:r="http://schemas.openxmlformats.org/officeDocument/2006/relationships" xmlns:p="http://schemas.openxmlformats.org/presentationml/2006/main" showMasterSp="0" type="blank" preserve="1">
+  <p:cSld name="Blank">
+    <p:spTree>
+      <p:nvGrpSpPr>
+        <p:cNvPr id="1" name=""/>
+        <p:cNvGrpSpPr/>
+        <p:nvPr/>
+      </p:nvGrpSpPr>
+      <p:grpSpPr>
+        <a:xfrm>
+          <a:off x="0" y="0"/>
+          <a:ext cx="0" cy="0"/>
+          <a:chOff x="0" y="0"/>
+          <a:chExt cx="0" cy="0"/>
+        </a:xfrm>
+      </p:grpSpPr>
+      <p:sp>
+        <p:nvSpPr>
+          <p:cNvPr id="2" name="Date Placeholder 1"/>
+          <p:cNvSpPr>
+            <a:spLocks noGrp="1"/>
+          </p:cNvSpPr>
+          <p:nvPr>
+            <p:ph type="dt" sz="half" idx="10"/>
+          </p:nvPr>
+        </p:nvSpPr>
+        <p:spPr/>
+        <p:txBody>
+          <a:bodyPr/>
+          <a:lstStyle/>
+          <a:p>
+            <a:fld id="{156EAD6C-E921-43C8-AA11-C2D5E9CC9354}" type="datetime1">
+              <a:rPr lang="en-US" smtClean="0"/>
+              <a:t>6/3/2024</a:t>
+            </a:fld>
+            <a:endParaRPr lang="en-US"/>
+          </a:p>
+        </p:txBody>
+      </p:sp>
+      <p:sp>
+        <p:nvSpPr>
+          <p:cNvPr id="3" name="Footer Placeholder 2"/>
+          <p:cNvSpPr>
+            <a:spLocks noGrp="1"/>
+          </p:cNvSpPr>
+          <p:nvPr>
+            <p:ph type="ftr" sz="quarter" idx="11"/>
+          </p:nvPr>
+        </p:nvSpPr>
+        <p:spPr/>
+        <p:txBody>
+          <a:bodyPr/>
+          <a:lstStyle/>
+          <a:p>
+            <a:endParaRPr lang="en-US"/>
+          </a:p>
+        </p:txBody>
+      </p:sp>
+      <p:sp>
+        <p:nvSpPr>
+          <p:cNvPr id="4" name="Slide Number Placeholder 3"/>
+          <p:cNvSpPr>
+            <a:spLocks noGrp="1"/>
+          </p:cNvSpPr>
+          <p:nvPr>
+            <p:ph type="sldNum" sz="quarter" idx="12"/>
+          </p:nvPr>
+        </p:nvSpPr>
+        <p:spPr>
+          <a:xfrm>
+            <a:off x="11508661" y="0"/>
+            <a:ext cx="683339" cy="365125"/>
+          </a:xfrm>
+        </p:spPr>
+        <p:txBody>
+          <a:bodyPr/>
+          <a:lstStyle/>
+          <a:p>
+            <a:fld id="{A6EA515B-EB3D-473C-ADE9-FD8348C61D57}" type="slidenum">
+              <a:rPr lang="en-US" smtClean="0"/>
+              <a:t>‹#›</a:t>
+            </a:fld>
+            <a:endParaRPr lang="en-US"/>
+          </a:p>
+        </p:txBody>
+      </p:sp>
+    </p:spTree>
+    <p:extLst>
+      <p:ext uri="{BB962C8B-B14F-4D97-AF65-F5344CB8AC3E}">
+        <p14:creationId xmlns:p14="http://schemas.microsoft.com/office/powerpoint/2010/main" val="726850757"/>
+      </p:ext>
+    </p:extLst>
+  </p:cSld>
+  <p:clrMapOvr>
+    <a:masterClrMapping/>
+  </p:clrMapOvr>
+</p:sldLayout>
+</file>
+
+<file path=ppt/slideLayouts/slideLayout19.xml><?xml version="1.0" encoding="utf-8"?>
+<p:sldLayout xmlns:a="http://schemas.openxmlformats.org/drawingml/2006/main" xmlns:r="http://schemas.openxmlformats.org/officeDocument/2006/relationships" xmlns:p="http://schemas.openxmlformats.org/presentationml/2006/main" showMasterSp="0" type="objTx" preserve="1">
+  <p:cSld name="Content with Caption">
+    <p:spTree>
+      <p:nvGrpSpPr>
+        <p:cNvPr id="1" name=""/>
+        <p:cNvGrpSpPr/>
+        <p:nvPr/>
+      </p:nvGrpSpPr>
+      <p:grpSpPr>
+        <a:xfrm>
+          <a:off x="0" y="0"/>
+          <a:ext cx="0" cy="0"/>
+          <a:chOff x="0" y="0"/>
+          <a:chExt cx="0" cy="0"/>
+        </a:xfrm>
+      </p:grpSpPr>
+      <p:sp>
+        <p:nvSpPr>
+          <p:cNvPr id="2" name="Title 1"/>
+          <p:cNvSpPr>
+            <a:spLocks noGrp="1"/>
+          </p:cNvSpPr>
+          <p:nvPr>
+            <p:ph type="title"/>
+          </p:nvPr>
+        </p:nvSpPr>
+        <p:spPr>
+          <a:xfrm>
+            <a:off x="677334" y="1498604"/>
+            <a:ext cx="3854528" cy="1278466"/>
+          </a:xfrm>
+        </p:spPr>
+        <p:txBody>
+          <a:bodyPr anchor="b">
+            <a:normAutofit/>
+          </a:bodyPr>
+          <a:lstStyle>
+            <a:lvl1pPr>
+              <a:defRPr sz="2000"/>
+            </a:lvl1pPr>
+          </a:lstStyle>
+          <a:p>
+            <a:r>
+              <a:rPr lang="en-US"/>
+              <a:t>Click to edit Master title style</a:t>
+            </a:r>
+            <a:endParaRPr lang="en-US" dirty="0"/>
+          </a:p>
+        </p:txBody>
+      </p:sp>
+      <p:sp>
+        <p:nvSpPr>
+          <p:cNvPr id="3" name="Content Placeholder 2"/>
+          <p:cNvSpPr>
+            <a:spLocks noGrp="1"/>
+          </p:cNvSpPr>
+          <p:nvPr>
+            <p:ph idx="1"/>
+          </p:nvPr>
+        </p:nvSpPr>
+        <p:spPr>
+          <a:xfrm>
+            <a:off x="4760461" y="514924"/>
+            <a:ext cx="4513541" cy="5526437"/>
+          </a:xfrm>
+        </p:spPr>
+        <p:txBody>
+          <a:bodyPr>
+            <a:normAutofit/>
+          </a:bodyPr>
+          <a:lstStyle/>
+          <a:p>
+            <a:pPr lvl="0"/>
+            <a:r>
+              <a:rPr lang="en-US"/>
+              <a:t>Click to edit Master text styles</a:t>
+            </a:r>
+          </a:p>
+          <a:p>
+            <a:pPr lvl="1"/>
+            <a:r>
+              <a:rPr lang="en-US"/>
+              <a:t>Second level</a:t>
+            </a:r>
+          </a:p>
+          <a:p>
+            <a:pPr lvl="2"/>
+            <a:r>
+              <a:rPr lang="en-US"/>
+              <a:t>Third level</a:t>
+            </a:r>
+          </a:p>
+          <a:p>
+            <a:pPr lvl="3"/>
+            <a:r>
+              <a:rPr lang="en-US"/>
+              <a:t>Fourth level</a:t>
+            </a:r>
+          </a:p>
+          <a:p>
+            <a:pPr lvl="4"/>
+            <a:r>
+              <a:rPr lang="en-US"/>
+              <a:t>Fifth level</a:t>
+            </a:r>
+            <a:endParaRPr lang="en-US" dirty="0"/>
+          </a:p>
+        </p:txBody>
+      </p:sp>
+      <p:sp>
+        <p:nvSpPr>
+          <p:cNvPr id="4" name="Text Placeholder 3"/>
+          <p:cNvSpPr>
+            <a:spLocks noGrp="1"/>
+          </p:cNvSpPr>
+          <p:nvPr>
+            <p:ph type="body" sz="half" idx="2"/>
+          </p:nvPr>
+        </p:nvSpPr>
+        <p:spPr>
+          <a:xfrm>
+            <a:off x="677334" y="2777069"/>
+            <a:ext cx="3854528" cy="2584449"/>
+          </a:xfrm>
+        </p:spPr>
+        <p:txBody>
+          <a:bodyPr>
+            <a:normAutofit/>
+          </a:bodyPr>
+          <a:lstStyle>
+            <a:lvl1pPr marL="0" indent="0">
+              <a:buNone/>
+              <a:defRPr sz="1400"/>
+            </a:lvl1pPr>
+            <a:lvl2pPr marL="457063" indent="0">
+              <a:buNone/>
+              <a:defRPr sz="1400"/>
+            </a:lvl2pPr>
+            <a:lvl3pPr marL="914126" indent="0">
+              <a:buNone/>
+              <a:defRPr sz="1200"/>
+            </a:lvl3pPr>
+            <a:lvl4pPr marL="1371189" indent="0">
+              <a:buNone/>
+              <a:defRPr sz="1000"/>
+            </a:lvl4pPr>
+            <a:lvl5pPr marL="1828251" indent="0">
+              <a:buNone/>
+              <a:defRPr sz="1000"/>
+            </a:lvl5pPr>
+            <a:lvl6pPr marL="2285314" indent="0">
+              <a:buNone/>
+              <a:defRPr sz="1000"/>
+            </a:lvl6pPr>
+            <a:lvl7pPr marL="2742377" indent="0">
+              <a:buNone/>
+              <a:defRPr sz="1000"/>
+            </a:lvl7pPr>
+            <a:lvl8pPr marL="3199440" indent="0">
+              <a:buNone/>
+              <a:defRPr sz="1000"/>
+            </a:lvl8pPr>
+            <a:lvl9pPr marL="3656503" indent="0">
+              <a:buNone/>
+              <a:defRPr sz="1000"/>
+            </a:lvl9pPr>
+          </a:lstStyle>
+          <a:p>
+            <a:pPr lvl="0"/>
+            <a:r>
+              <a:rPr lang="en-US"/>
+              <a:t>Click to edit Master text styles</a:t>
+            </a:r>
+          </a:p>
+        </p:txBody>
+      </p:sp>
+      <p:sp>
+        <p:nvSpPr>
+          <p:cNvPr id="5" name="Date Placeholder 4"/>
+          <p:cNvSpPr>
+            <a:spLocks noGrp="1"/>
+          </p:cNvSpPr>
+          <p:nvPr>
+            <p:ph type="dt" sz="half" idx="10"/>
+          </p:nvPr>
+        </p:nvSpPr>
+        <p:spPr/>
+        <p:txBody>
+          <a:bodyPr/>
+          <a:lstStyle/>
+          <a:p>
+            <a:fld id="{98F5C451-D220-4920-8A76-DB932FD4EE42}" type="datetime1">
+              <a:rPr lang="en-US" smtClean="0"/>
+              <a:t>6/3/2024</a:t>
+            </a:fld>
+            <a:endParaRPr lang="en-US"/>
+          </a:p>
+        </p:txBody>
+      </p:sp>
+      <p:sp>
+        <p:nvSpPr>
+          <p:cNvPr id="6" name="Footer Placeholder 5"/>
+          <p:cNvSpPr>
+            <a:spLocks noGrp="1"/>
+          </p:cNvSpPr>
+          <p:nvPr>
+            <p:ph type="ftr" sz="quarter" idx="11"/>
+          </p:nvPr>
+        </p:nvSpPr>
+        <p:spPr/>
+        <p:txBody>
+          <a:bodyPr/>
+          <a:lstStyle/>
+          <a:p>
+            <a:endParaRPr lang="en-US"/>
+          </a:p>
+        </p:txBody>
+      </p:sp>
+      <p:sp>
+        <p:nvSpPr>
+          <p:cNvPr id="7" name="Slide Number Placeholder 6"/>
+          <p:cNvSpPr>
+            <a:spLocks noGrp="1"/>
+          </p:cNvSpPr>
+          <p:nvPr>
+            <p:ph type="sldNum" sz="quarter" idx="12"/>
+          </p:nvPr>
+        </p:nvSpPr>
+        <p:spPr/>
+        <p:txBody>
+          <a:bodyPr/>
+          <a:lstStyle/>
+          <a:p>
+            <a:fld id="{A6EA515B-EB3D-473C-ADE9-FD8348C61D57}" type="slidenum">
+              <a:rPr lang="en-US" smtClean="0"/>
+              <a:t>‹#›</a:t>
+            </a:fld>
+            <a:endParaRPr lang="en-US"/>
+          </a:p>
+        </p:txBody>
+      </p:sp>
+    </p:spTree>
+    <p:extLst>
+      <p:ext uri="{BB962C8B-B14F-4D97-AF65-F5344CB8AC3E}">
+        <p14:creationId xmlns:p14="http://schemas.microsoft.com/office/powerpoint/2010/main" val="2968295006"/>
       </p:ext>
     </p:extLst>
   </p:cSld>
@@ -769,7 +3073,7 @@
           <a:p>
             <a:fld id="{162AC784-C7BB-45CE-AB0D-139C9E5F95B5}" type="datetimeFigureOut">
               <a:rPr lang="en-US" smtClean="0"/>
-              <a:t>3/6/2024</a:t>
+              <a:t>6/3/2024</a:t>
             </a:fld>
             <a:endParaRPr lang="en-US"/>
           </a:p>
@@ -821,6 +3125,2212 @@
     <p:extLst>
       <p:ext uri="{BB962C8B-B14F-4D97-AF65-F5344CB8AC3E}">
         <p14:creationId xmlns:p14="http://schemas.microsoft.com/office/powerpoint/2010/main" val="3660886540"/>
+      </p:ext>
+    </p:extLst>
+  </p:cSld>
+  <p:clrMapOvr>
+    <a:masterClrMapping/>
+  </p:clrMapOvr>
+</p:sldLayout>
+</file>
+
+<file path=ppt/slideLayouts/slideLayout20.xml><?xml version="1.0" encoding="utf-8"?>
+<p:sldLayout xmlns:a="http://schemas.openxmlformats.org/drawingml/2006/main" xmlns:r="http://schemas.openxmlformats.org/officeDocument/2006/relationships" xmlns:p="http://schemas.openxmlformats.org/presentationml/2006/main" showMasterSp="0" type="picTx" preserve="1">
+  <p:cSld name="Picture with Caption">
+    <p:spTree>
+      <p:nvGrpSpPr>
+        <p:cNvPr id="1" name=""/>
+        <p:cNvGrpSpPr/>
+        <p:nvPr/>
+      </p:nvGrpSpPr>
+      <p:grpSpPr>
+        <a:xfrm>
+          <a:off x="0" y="0"/>
+          <a:ext cx="0" cy="0"/>
+          <a:chOff x="0" y="0"/>
+          <a:chExt cx="0" cy="0"/>
+        </a:xfrm>
+      </p:grpSpPr>
+      <p:sp>
+        <p:nvSpPr>
+          <p:cNvPr id="2" name="Title 1"/>
+          <p:cNvSpPr>
+            <a:spLocks noGrp="1"/>
+          </p:cNvSpPr>
+          <p:nvPr>
+            <p:ph type="title"/>
+          </p:nvPr>
+        </p:nvSpPr>
+        <p:spPr>
+          <a:xfrm>
+            <a:off x="677334" y="4800600"/>
+            <a:ext cx="8596667" cy="566738"/>
+          </a:xfrm>
+        </p:spPr>
+        <p:txBody>
+          <a:bodyPr anchor="b">
+            <a:normAutofit/>
+          </a:bodyPr>
+          <a:lstStyle>
+            <a:lvl1pPr algn="l">
+              <a:defRPr sz="2400" b="0"/>
+            </a:lvl1pPr>
+          </a:lstStyle>
+          <a:p>
+            <a:r>
+              <a:rPr lang="en-US"/>
+              <a:t>Click to edit Master title style</a:t>
+            </a:r>
+            <a:endParaRPr lang="en-US" dirty="0"/>
+          </a:p>
+        </p:txBody>
+      </p:sp>
+      <p:sp>
+        <p:nvSpPr>
+          <p:cNvPr id="3" name="Picture Placeholder 2"/>
+          <p:cNvSpPr>
+            <a:spLocks noGrp="1" noChangeAspect="1"/>
+          </p:cNvSpPr>
+          <p:nvPr>
+            <p:ph type="pic" idx="1"/>
+          </p:nvPr>
+        </p:nvSpPr>
+        <p:spPr>
+          <a:xfrm>
+            <a:off x="677334" y="609600"/>
+            <a:ext cx="8596668" cy="3845718"/>
+          </a:xfrm>
+        </p:spPr>
+        <p:txBody>
+          <a:bodyPr anchor="t">
+            <a:normAutofit/>
+          </a:bodyPr>
+          <a:lstStyle>
+            <a:lvl1pPr marL="0" indent="0" algn="ctr">
+              <a:buNone/>
+              <a:defRPr sz="1600"/>
+            </a:lvl1pPr>
+            <a:lvl2pPr marL="457200" indent="0">
+              <a:buNone/>
+              <a:defRPr sz="1600"/>
+            </a:lvl2pPr>
+            <a:lvl3pPr marL="914400" indent="0">
+              <a:buNone/>
+              <a:defRPr sz="1600"/>
+            </a:lvl3pPr>
+            <a:lvl4pPr marL="1371600" indent="0">
+              <a:buNone/>
+              <a:defRPr sz="1600"/>
+            </a:lvl4pPr>
+            <a:lvl5pPr marL="1828800" indent="0">
+              <a:buNone/>
+              <a:defRPr sz="1600"/>
+            </a:lvl5pPr>
+            <a:lvl6pPr marL="2286000" indent="0">
+              <a:buNone/>
+              <a:defRPr sz="1600"/>
+            </a:lvl6pPr>
+            <a:lvl7pPr marL="2743200" indent="0">
+              <a:buNone/>
+              <a:defRPr sz="1600"/>
+            </a:lvl7pPr>
+            <a:lvl8pPr marL="3200400" indent="0">
+              <a:buNone/>
+              <a:defRPr sz="1600"/>
+            </a:lvl8pPr>
+            <a:lvl9pPr marL="3657600" indent="0">
+              <a:buNone/>
+              <a:defRPr sz="1600"/>
+            </a:lvl9pPr>
+          </a:lstStyle>
+          <a:p>
+            <a:r>
+              <a:rPr lang="en-US"/>
+              <a:t>Click icon to add picture</a:t>
+            </a:r>
+            <a:endParaRPr lang="en-US" dirty="0"/>
+          </a:p>
+        </p:txBody>
+      </p:sp>
+      <p:sp>
+        <p:nvSpPr>
+          <p:cNvPr id="4" name="Text Placeholder 3"/>
+          <p:cNvSpPr>
+            <a:spLocks noGrp="1"/>
+          </p:cNvSpPr>
+          <p:nvPr>
+            <p:ph type="body" sz="half" idx="2"/>
+          </p:nvPr>
+        </p:nvSpPr>
+        <p:spPr>
+          <a:xfrm>
+            <a:off x="677334" y="5367338"/>
+            <a:ext cx="8596667" cy="674024"/>
+          </a:xfrm>
+        </p:spPr>
+        <p:txBody>
+          <a:bodyPr>
+            <a:normAutofit/>
+          </a:bodyPr>
+          <a:lstStyle>
+            <a:lvl1pPr marL="0" indent="0">
+              <a:buNone/>
+              <a:defRPr sz="1200"/>
+            </a:lvl1pPr>
+            <a:lvl2pPr marL="457200" indent="0">
+              <a:buNone/>
+              <a:defRPr sz="1200"/>
+            </a:lvl2pPr>
+            <a:lvl3pPr marL="914400" indent="0">
+              <a:buNone/>
+              <a:defRPr sz="1000"/>
+            </a:lvl3pPr>
+            <a:lvl4pPr marL="1371600" indent="0">
+              <a:buNone/>
+              <a:defRPr sz="900"/>
+            </a:lvl4pPr>
+            <a:lvl5pPr marL="1828800" indent="0">
+              <a:buNone/>
+              <a:defRPr sz="900"/>
+            </a:lvl5pPr>
+            <a:lvl6pPr marL="2286000" indent="0">
+              <a:buNone/>
+              <a:defRPr sz="900"/>
+            </a:lvl6pPr>
+            <a:lvl7pPr marL="2743200" indent="0">
+              <a:buNone/>
+              <a:defRPr sz="900"/>
+            </a:lvl7pPr>
+            <a:lvl8pPr marL="3200400" indent="0">
+              <a:buNone/>
+              <a:defRPr sz="900"/>
+            </a:lvl8pPr>
+            <a:lvl9pPr marL="3657600" indent="0">
+              <a:buNone/>
+              <a:defRPr sz="900"/>
+            </a:lvl9pPr>
+          </a:lstStyle>
+          <a:p>
+            <a:pPr lvl="0"/>
+            <a:r>
+              <a:rPr lang="en-US"/>
+              <a:t>Click to edit Master text styles</a:t>
+            </a:r>
+          </a:p>
+        </p:txBody>
+      </p:sp>
+      <p:sp>
+        <p:nvSpPr>
+          <p:cNvPr id="5" name="Date Placeholder 4"/>
+          <p:cNvSpPr>
+            <a:spLocks noGrp="1"/>
+          </p:cNvSpPr>
+          <p:nvPr>
+            <p:ph type="dt" sz="half" idx="10"/>
+          </p:nvPr>
+        </p:nvSpPr>
+        <p:spPr/>
+        <p:txBody>
+          <a:bodyPr/>
+          <a:lstStyle/>
+          <a:p>
+            <a:fld id="{98A79423-E885-4059-84F8-858D4806DCFF}" type="datetime1">
+              <a:rPr lang="en-US" smtClean="0"/>
+              <a:t>6/3/2024</a:t>
+            </a:fld>
+            <a:endParaRPr lang="en-US"/>
+          </a:p>
+        </p:txBody>
+      </p:sp>
+      <p:sp>
+        <p:nvSpPr>
+          <p:cNvPr id="6" name="Footer Placeholder 5"/>
+          <p:cNvSpPr>
+            <a:spLocks noGrp="1"/>
+          </p:cNvSpPr>
+          <p:nvPr>
+            <p:ph type="ftr" sz="quarter" idx="11"/>
+          </p:nvPr>
+        </p:nvSpPr>
+        <p:spPr/>
+        <p:txBody>
+          <a:bodyPr/>
+          <a:lstStyle/>
+          <a:p>
+            <a:endParaRPr lang="en-US"/>
+          </a:p>
+        </p:txBody>
+      </p:sp>
+      <p:sp>
+        <p:nvSpPr>
+          <p:cNvPr id="7" name="Slide Number Placeholder 6"/>
+          <p:cNvSpPr>
+            <a:spLocks noGrp="1"/>
+          </p:cNvSpPr>
+          <p:nvPr>
+            <p:ph type="sldNum" sz="quarter" idx="12"/>
+          </p:nvPr>
+        </p:nvSpPr>
+        <p:spPr/>
+        <p:txBody>
+          <a:bodyPr/>
+          <a:lstStyle/>
+          <a:p>
+            <a:fld id="{A6EA515B-EB3D-473C-ADE9-FD8348C61D57}" type="slidenum">
+              <a:rPr lang="en-US" smtClean="0"/>
+              <a:t>‹#›</a:t>
+            </a:fld>
+            <a:endParaRPr lang="en-US"/>
+          </a:p>
+        </p:txBody>
+      </p:sp>
+    </p:spTree>
+    <p:extLst>
+      <p:ext uri="{BB962C8B-B14F-4D97-AF65-F5344CB8AC3E}">
+        <p14:creationId xmlns:p14="http://schemas.microsoft.com/office/powerpoint/2010/main" val="2876105443"/>
+      </p:ext>
+    </p:extLst>
+  </p:cSld>
+  <p:clrMapOvr>
+    <a:masterClrMapping/>
+  </p:clrMapOvr>
+</p:sldLayout>
+</file>
+
+<file path=ppt/slideLayouts/slideLayout21.xml><?xml version="1.0" encoding="utf-8"?>
+<p:sldLayout xmlns:a="http://schemas.openxmlformats.org/drawingml/2006/main" xmlns:r="http://schemas.openxmlformats.org/officeDocument/2006/relationships" xmlns:p="http://schemas.openxmlformats.org/presentationml/2006/main" showMasterSp="0" preserve="1">
+  <p:cSld name="Title and Caption">
+    <p:spTree>
+      <p:nvGrpSpPr>
+        <p:cNvPr id="1" name=""/>
+        <p:cNvGrpSpPr/>
+        <p:nvPr/>
+      </p:nvGrpSpPr>
+      <p:grpSpPr>
+        <a:xfrm>
+          <a:off x="0" y="0"/>
+          <a:ext cx="0" cy="0"/>
+          <a:chOff x="0" y="0"/>
+          <a:chExt cx="0" cy="0"/>
+        </a:xfrm>
+      </p:grpSpPr>
+      <p:sp>
+        <p:nvSpPr>
+          <p:cNvPr id="2" name="Title 1"/>
+          <p:cNvSpPr>
+            <a:spLocks noGrp="1"/>
+          </p:cNvSpPr>
+          <p:nvPr>
+            <p:ph type="title"/>
+          </p:nvPr>
+        </p:nvSpPr>
+        <p:spPr>
+          <a:xfrm>
+            <a:off x="677335" y="609600"/>
+            <a:ext cx="8596668" cy="3403600"/>
+          </a:xfrm>
+        </p:spPr>
+        <p:txBody>
+          <a:bodyPr anchor="ctr">
+            <a:normAutofit/>
+          </a:bodyPr>
+          <a:lstStyle>
+            <a:lvl1pPr algn="l">
+              <a:defRPr sz="4400" b="0" cap="none"/>
+            </a:lvl1pPr>
+          </a:lstStyle>
+          <a:p>
+            <a:r>
+              <a:rPr lang="en-US"/>
+              <a:t>Click to edit Master title style</a:t>
+            </a:r>
+            <a:endParaRPr lang="en-US" dirty="0"/>
+          </a:p>
+        </p:txBody>
+      </p:sp>
+      <p:sp>
+        <p:nvSpPr>
+          <p:cNvPr id="3" name="Text Placeholder 2"/>
+          <p:cNvSpPr>
+            <a:spLocks noGrp="1"/>
+          </p:cNvSpPr>
+          <p:nvPr>
+            <p:ph type="body" idx="1"/>
+          </p:nvPr>
+        </p:nvSpPr>
+        <p:spPr>
+          <a:xfrm>
+            <a:off x="677335" y="4470400"/>
+            <a:ext cx="8596668" cy="1570962"/>
+          </a:xfrm>
+        </p:spPr>
+        <p:txBody>
+          <a:bodyPr anchor="ctr">
+            <a:normAutofit/>
+          </a:bodyPr>
+          <a:lstStyle>
+            <a:lvl1pPr marL="0" indent="0" algn="l">
+              <a:buNone/>
+              <a:defRPr sz="1800">
+                <a:solidFill>
+                  <a:schemeClr val="tx1">
+                    <a:lumMod val="75000"/>
+                    <a:lumOff val="25000"/>
+                  </a:schemeClr>
+                </a:solidFill>
+              </a:defRPr>
+            </a:lvl1pPr>
+            <a:lvl2pPr marL="457200" indent="0">
+              <a:buNone/>
+              <a:defRPr sz="1800">
+                <a:solidFill>
+                  <a:schemeClr val="tx1">
+                    <a:tint val="75000"/>
+                  </a:schemeClr>
+                </a:solidFill>
+              </a:defRPr>
+            </a:lvl2pPr>
+            <a:lvl3pPr marL="914400" indent="0">
+              <a:buNone/>
+              <a:defRPr sz="1600">
+                <a:solidFill>
+                  <a:schemeClr val="tx1">
+                    <a:tint val="75000"/>
+                  </a:schemeClr>
+                </a:solidFill>
+              </a:defRPr>
+            </a:lvl3pPr>
+            <a:lvl4pPr marL="1371600" indent="0">
+              <a:buNone/>
+              <a:defRPr sz="1400">
+                <a:solidFill>
+                  <a:schemeClr val="tx1">
+                    <a:tint val="75000"/>
+                  </a:schemeClr>
+                </a:solidFill>
+              </a:defRPr>
+            </a:lvl4pPr>
+            <a:lvl5pPr marL="1828800" indent="0">
+              <a:buNone/>
+              <a:defRPr sz="1400">
+                <a:solidFill>
+                  <a:schemeClr val="tx1">
+                    <a:tint val="75000"/>
+                  </a:schemeClr>
+                </a:solidFill>
+              </a:defRPr>
+            </a:lvl5pPr>
+            <a:lvl6pPr marL="2286000" indent="0">
+              <a:buNone/>
+              <a:defRPr sz="1400">
+                <a:solidFill>
+                  <a:schemeClr val="tx1">
+                    <a:tint val="75000"/>
+                  </a:schemeClr>
+                </a:solidFill>
+              </a:defRPr>
+            </a:lvl6pPr>
+            <a:lvl7pPr marL="2743200" indent="0">
+              <a:buNone/>
+              <a:defRPr sz="1400">
+                <a:solidFill>
+                  <a:schemeClr val="tx1">
+                    <a:tint val="75000"/>
+                  </a:schemeClr>
+                </a:solidFill>
+              </a:defRPr>
+            </a:lvl7pPr>
+            <a:lvl8pPr marL="3200400" indent="0">
+              <a:buNone/>
+              <a:defRPr sz="1400">
+                <a:solidFill>
+                  <a:schemeClr val="tx1">
+                    <a:tint val="75000"/>
+                  </a:schemeClr>
+                </a:solidFill>
+              </a:defRPr>
+            </a:lvl8pPr>
+            <a:lvl9pPr marL="3657600" indent="0">
+              <a:buNone/>
+              <a:defRPr sz="1400">
+                <a:solidFill>
+                  <a:schemeClr val="tx1">
+                    <a:tint val="75000"/>
+                  </a:schemeClr>
+                </a:solidFill>
+              </a:defRPr>
+            </a:lvl9pPr>
+          </a:lstStyle>
+          <a:p>
+            <a:pPr lvl="0"/>
+            <a:r>
+              <a:rPr lang="en-US"/>
+              <a:t>Click to edit Master text styles</a:t>
+            </a:r>
+          </a:p>
+        </p:txBody>
+      </p:sp>
+      <p:sp>
+        <p:nvSpPr>
+          <p:cNvPr id="4" name="Date Placeholder 3"/>
+          <p:cNvSpPr>
+            <a:spLocks noGrp="1"/>
+          </p:cNvSpPr>
+          <p:nvPr>
+            <p:ph type="dt" sz="half" idx="10"/>
+          </p:nvPr>
+        </p:nvSpPr>
+        <p:spPr/>
+        <p:txBody>
+          <a:bodyPr/>
+          <a:lstStyle/>
+          <a:p>
+            <a:fld id="{59EC095E-45D6-4D64-90BE-29664E8993B9}" type="datetime1">
+              <a:rPr lang="en-US" smtClean="0"/>
+              <a:t>6/3/2024</a:t>
+            </a:fld>
+            <a:endParaRPr lang="en-US"/>
+          </a:p>
+        </p:txBody>
+      </p:sp>
+      <p:sp>
+        <p:nvSpPr>
+          <p:cNvPr id="5" name="Footer Placeholder 4"/>
+          <p:cNvSpPr>
+            <a:spLocks noGrp="1"/>
+          </p:cNvSpPr>
+          <p:nvPr>
+            <p:ph type="ftr" sz="quarter" idx="11"/>
+          </p:nvPr>
+        </p:nvSpPr>
+        <p:spPr/>
+        <p:txBody>
+          <a:bodyPr/>
+          <a:lstStyle/>
+          <a:p>
+            <a:endParaRPr lang="en-US"/>
+          </a:p>
+        </p:txBody>
+      </p:sp>
+      <p:sp>
+        <p:nvSpPr>
+          <p:cNvPr id="6" name="Slide Number Placeholder 5"/>
+          <p:cNvSpPr>
+            <a:spLocks noGrp="1"/>
+          </p:cNvSpPr>
+          <p:nvPr>
+            <p:ph type="sldNum" sz="quarter" idx="12"/>
+          </p:nvPr>
+        </p:nvSpPr>
+        <p:spPr/>
+        <p:txBody>
+          <a:bodyPr/>
+          <a:lstStyle/>
+          <a:p>
+            <a:fld id="{A6EA515B-EB3D-473C-ADE9-FD8348C61D57}" type="slidenum">
+              <a:rPr lang="en-US" smtClean="0"/>
+              <a:t>‹#›</a:t>
+            </a:fld>
+            <a:endParaRPr lang="en-US"/>
+          </a:p>
+        </p:txBody>
+      </p:sp>
+    </p:spTree>
+    <p:extLst>
+      <p:ext uri="{BB962C8B-B14F-4D97-AF65-F5344CB8AC3E}">
+        <p14:creationId xmlns:p14="http://schemas.microsoft.com/office/powerpoint/2010/main" val="998356834"/>
+      </p:ext>
+    </p:extLst>
+  </p:cSld>
+  <p:clrMapOvr>
+    <a:masterClrMapping/>
+  </p:clrMapOvr>
+</p:sldLayout>
+</file>
+
+<file path=ppt/slideLayouts/slideLayout22.xml><?xml version="1.0" encoding="utf-8"?>
+<p:sldLayout xmlns:a="http://schemas.openxmlformats.org/drawingml/2006/main" xmlns:r="http://schemas.openxmlformats.org/officeDocument/2006/relationships" xmlns:p="http://schemas.openxmlformats.org/presentationml/2006/main" showMasterSp="0" preserve="1">
+  <p:cSld name="Quote with Caption">
+    <p:spTree>
+      <p:nvGrpSpPr>
+        <p:cNvPr id="1" name=""/>
+        <p:cNvGrpSpPr/>
+        <p:nvPr/>
+      </p:nvGrpSpPr>
+      <p:grpSpPr>
+        <a:xfrm>
+          <a:off x="0" y="0"/>
+          <a:ext cx="0" cy="0"/>
+          <a:chOff x="0" y="0"/>
+          <a:chExt cx="0" cy="0"/>
+        </a:xfrm>
+      </p:grpSpPr>
+      <p:sp>
+        <p:nvSpPr>
+          <p:cNvPr id="2" name="Title 1"/>
+          <p:cNvSpPr>
+            <a:spLocks noGrp="1"/>
+          </p:cNvSpPr>
+          <p:nvPr>
+            <p:ph type="title"/>
+          </p:nvPr>
+        </p:nvSpPr>
+        <p:spPr>
+          <a:xfrm>
+            <a:off x="931334" y="609600"/>
+            <a:ext cx="8094134" cy="3022600"/>
+          </a:xfrm>
+        </p:spPr>
+        <p:txBody>
+          <a:bodyPr anchor="ctr">
+            <a:normAutofit/>
+          </a:bodyPr>
+          <a:lstStyle>
+            <a:lvl1pPr algn="l">
+              <a:defRPr sz="4400" b="0" cap="none"/>
+            </a:lvl1pPr>
+          </a:lstStyle>
+          <a:p>
+            <a:r>
+              <a:rPr lang="en-US"/>
+              <a:t>Click to edit Master title style</a:t>
+            </a:r>
+            <a:endParaRPr lang="en-US" dirty="0"/>
+          </a:p>
+        </p:txBody>
+      </p:sp>
+      <p:sp>
+        <p:nvSpPr>
+          <p:cNvPr id="23" name="Text Placeholder 9"/>
+          <p:cNvSpPr>
+            <a:spLocks noGrp="1"/>
+          </p:cNvSpPr>
+          <p:nvPr>
+            <p:ph type="body" sz="quarter" idx="13"/>
+          </p:nvPr>
+        </p:nvSpPr>
+        <p:spPr>
+          <a:xfrm>
+            <a:off x="1366139" y="3632200"/>
+            <a:ext cx="7224524" cy="381000"/>
+          </a:xfrm>
+        </p:spPr>
+        <p:txBody>
+          <a:bodyPr anchor="ctr">
+            <a:noAutofit/>
+          </a:bodyPr>
+          <a:lstStyle>
+            <a:lvl1pPr marL="0" indent="0">
+              <a:buFontTx/>
+              <a:buNone/>
+              <a:defRPr sz="1600">
+                <a:solidFill>
+                  <a:schemeClr val="tx1">
+                    <a:lumMod val="50000"/>
+                    <a:lumOff val="50000"/>
+                  </a:schemeClr>
+                </a:solidFill>
+              </a:defRPr>
+            </a:lvl1pPr>
+            <a:lvl2pPr marL="457200" indent="0">
+              <a:buFontTx/>
+              <a:buNone/>
+              <a:defRPr/>
+            </a:lvl2pPr>
+            <a:lvl3pPr marL="914400" indent="0">
+              <a:buFontTx/>
+              <a:buNone/>
+              <a:defRPr/>
+            </a:lvl3pPr>
+            <a:lvl4pPr marL="1371600" indent="0">
+              <a:buFontTx/>
+              <a:buNone/>
+              <a:defRPr/>
+            </a:lvl4pPr>
+            <a:lvl5pPr marL="1828800" indent="0">
+              <a:buFontTx/>
+              <a:buNone/>
+              <a:defRPr/>
+            </a:lvl5pPr>
+          </a:lstStyle>
+          <a:p>
+            <a:pPr lvl="0"/>
+            <a:r>
+              <a:rPr lang="en-US"/>
+              <a:t>Click to edit Master text styles</a:t>
+            </a:r>
+          </a:p>
+        </p:txBody>
+      </p:sp>
+      <p:sp>
+        <p:nvSpPr>
+          <p:cNvPr id="3" name="Text Placeholder 2"/>
+          <p:cNvSpPr>
+            <a:spLocks noGrp="1"/>
+          </p:cNvSpPr>
+          <p:nvPr>
+            <p:ph type="body" idx="1"/>
+          </p:nvPr>
+        </p:nvSpPr>
+        <p:spPr>
+          <a:xfrm>
+            <a:off x="677335" y="4470400"/>
+            <a:ext cx="8596668" cy="1570962"/>
+          </a:xfrm>
+        </p:spPr>
+        <p:txBody>
+          <a:bodyPr anchor="ctr">
+            <a:normAutofit/>
+          </a:bodyPr>
+          <a:lstStyle>
+            <a:lvl1pPr marL="0" indent="0" algn="l">
+              <a:buNone/>
+              <a:defRPr sz="1800">
+                <a:solidFill>
+                  <a:schemeClr val="tx1">
+                    <a:lumMod val="75000"/>
+                    <a:lumOff val="25000"/>
+                  </a:schemeClr>
+                </a:solidFill>
+              </a:defRPr>
+            </a:lvl1pPr>
+            <a:lvl2pPr marL="457200" indent="0">
+              <a:buNone/>
+              <a:defRPr sz="1800">
+                <a:solidFill>
+                  <a:schemeClr val="tx1">
+                    <a:tint val="75000"/>
+                  </a:schemeClr>
+                </a:solidFill>
+              </a:defRPr>
+            </a:lvl2pPr>
+            <a:lvl3pPr marL="914400" indent="0">
+              <a:buNone/>
+              <a:defRPr sz="1600">
+                <a:solidFill>
+                  <a:schemeClr val="tx1">
+                    <a:tint val="75000"/>
+                  </a:schemeClr>
+                </a:solidFill>
+              </a:defRPr>
+            </a:lvl3pPr>
+            <a:lvl4pPr marL="1371600" indent="0">
+              <a:buNone/>
+              <a:defRPr sz="1400">
+                <a:solidFill>
+                  <a:schemeClr val="tx1">
+                    <a:tint val="75000"/>
+                  </a:schemeClr>
+                </a:solidFill>
+              </a:defRPr>
+            </a:lvl4pPr>
+            <a:lvl5pPr marL="1828800" indent="0">
+              <a:buNone/>
+              <a:defRPr sz="1400">
+                <a:solidFill>
+                  <a:schemeClr val="tx1">
+                    <a:tint val="75000"/>
+                  </a:schemeClr>
+                </a:solidFill>
+              </a:defRPr>
+            </a:lvl5pPr>
+            <a:lvl6pPr marL="2286000" indent="0">
+              <a:buNone/>
+              <a:defRPr sz="1400">
+                <a:solidFill>
+                  <a:schemeClr val="tx1">
+                    <a:tint val="75000"/>
+                  </a:schemeClr>
+                </a:solidFill>
+              </a:defRPr>
+            </a:lvl6pPr>
+            <a:lvl7pPr marL="2743200" indent="0">
+              <a:buNone/>
+              <a:defRPr sz="1400">
+                <a:solidFill>
+                  <a:schemeClr val="tx1">
+                    <a:tint val="75000"/>
+                  </a:schemeClr>
+                </a:solidFill>
+              </a:defRPr>
+            </a:lvl7pPr>
+            <a:lvl8pPr marL="3200400" indent="0">
+              <a:buNone/>
+              <a:defRPr sz="1400">
+                <a:solidFill>
+                  <a:schemeClr val="tx1">
+                    <a:tint val="75000"/>
+                  </a:schemeClr>
+                </a:solidFill>
+              </a:defRPr>
+            </a:lvl8pPr>
+            <a:lvl9pPr marL="3657600" indent="0">
+              <a:buNone/>
+              <a:defRPr sz="1400">
+                <a:solidFill>
+                  <a:schemeClr val="tx1">
+                    <a:tint val="75000"/>
+                  </a:schemeClr>
+                </a:solidFill>
+              </a:defRPr>
+            </a:lvl9pPr>
+          </a:lstStyle>
+          <a:p>
+            <a:pPr lvl="0"/>
+            <a:r>
+              <a:rPr lang="en-US"/>
+              <a:t>Click to edit Master text styles</a:t>
+            </a:r>
+          </a:p>
+        </p:txBody>
+      </p:sp>
+      <p:sp>
+        <p:nvSpPr>
+          <p:cNvPr id="4" name="Date Placeholder 3"/>
+          <p:cNvSpPr>
+            <a:spLocks noGrp="1"/>
+          </p:cNvSpPr>
+          <p:nvPr>
+            <p:ph type="dt" sz="half" idx="10"/>
+          </p:nvPr>
+        </p:nvSpPr>
+        <p:spPr/>
+        <p:txBody>
+          <a:bodyPr/>
+          <a:lstStyle/>
+          <a:p>
+            <a:fld id="{29C716D4-C0D5-4475-8487-3D0699FA338F}" type="datetime1">
+              <a:rPr lang="en-US" smtClean="0"/>
+              <a:t>6/3/2024</a:t>
+            </a:fld>
+            <a:endParaRPr lang="en-US"/>
+          </a:p>
+        </p:txBody>
+      </p:sp>
+      <p:sp>
+        <p:nvSpPr>
+          <p:cNvPr id="5" name="Footer Placeholder 4"/>
+          <p:cNvSpPr>
+            <a:spLocks noGrp="1"/>
+          </p:cNvSpPr>
+          <p:nvPr>
+            <p:ph type="ftr" sz="quarter" idx="11"/>
+          </p:nvPr>
+        </p:nvSpPr>
+        <p:spPr/>
+        <p:txBody>
+          <a:bodyPr/>
+          <a:lstStyle/>
+          <a:p>
+            <a:endParaRPr lang="en-US"/>
+          </a:p>
+        </p:txBody>
+      </p:sp>
+      <p:sp>
+        <p:nvSpPr>
+          <p:cNvPr id="6" name="Slide Number Placeholder 5"/>
+          <p:cNvSpPr>
+            <a:spLocks noGrp="1"/>
+          </p:cNvSpPr>
+          <p:nvPr>
+            <p:ph type="sldNum" sz="quarter" idx="12"/>
+          </p:nvPr>
+        </p:nvSpPr>
+        <p:spPr/>
+        <p:txBody>
+          <a:bodyPr/>
+          <a:lstStyle/>
+          <a:p>
+            <a:fld id="{A6EA515B-EB3D-473C-ADE9-FD8348C61D57}" type="slidenum">
+              <a:rPr lang="en-US" smtClean="0"/>
+              <a:t>‹#›</a:t>
+            </a:fld>
+            <a:endParaRPr lang="en-US"/>
+          </a:p>
+        </p:txBody>
+      </p:sp>
+      <p:sp>
+        <p:nvSpPr>
+          <p:cNvPr id="20" name="TextBox 19"/>
+          <p:cNvSpPr txBox="1"/>
+          <p:nvPr/>
+        </p:nvSpPr>
+        <p:spPr>
+          <a:xfrm>
+            <a:off x="541870" y="790378"/>
+            <a:ext cx="609600" cy="584776"/>
+          </a:xfrm>
+          <a:prstGeom prst="rect">
+            <a:avLst/>
+          </a:prstGeom>
+        </p:spPr>
+        <p:txBody>
+          <a:bodyPr vert="horz" lIns="91440" tIns="45720" rIns="91440" bIns="45720" rtlCol="0" anchor="ctr">
+            <a:noAutofit/>
+          </a:bodyPr>
+          <a:lstStyle/>
+          <a:p>
+            <a:pPr lvl="0"/>
+            <a:r>
+              <a:rPr lang="en-US" sz="8000" baseline="0" dirty="0">
+                <a:ln w="3175" cmpd="sng">
+                  <a:noFill/>
+                </a:ln>
+                <a:solidFill>
+                  <a:schemeClr val="accent1"/>
+                </a:solidFill>
+                <a:effectLst/>
+                <a:latin typeface="Arial"/>
+              </a:rPr>
+              <a:t>“</a:t>
+            </a:r>
+          </a:p>
+        </p:txBody>
+      </p:sp>
+      <p:sp>
+        <p:nvSpPr>
+          <p:cNvPr id="22" name="TextBox 21"/>
+          <p:cNvSpPr txBox="1"/>
+          <p:nvPr/>
+        </p:nvSpPr>
+        <p:spPr>
+          <a:xfrm>
+            <a:off x="8893011" y="2886556"/>
+            <a:ext cx="609600" cy="584776"/>
+          </a:xfrm>
+          <a:prstGeom prst="rect">
+            <a:avLst/>
+          </a:prstGeom>
+        </p:spPr>
+        <p:txBody>
+          <a:bodyPr vert="horz" lIns="91440" tIns="45720" rIns="91440" bIns="45720" rtlCol="0" anchor="ctr">
+            <a:noAutofit/>
+          </a:bodyPr>
+          <a:lstStyle/>
+          <a:p>
+            <a:pPr lvl="0"/>
+            <a:r>
+              <a:rPr lang="en-US" sz="8000" baseline="0" dirty="0">
+                <a:ln w="3175" cmpd="sng">
+                  <a:noFill/>
+                </a:ln>
+                <a:solidFill>
+                  <a:schemeClr val="accent1"/>
+                </a:solidFill>
+                <a:effectLst/>
+                <a:latin typeface="Arial"/>
+              </a:rPr>
+              <a:t>”</a:t>
+            </a:r>
+          </a:p>
+        </p:txBody>
+      </p:sp>
+    </p:spTree>
+    <p:extLst>
+      <p:ext uri="{BB962C8B-B14F-4D97-AF65-F5344CB8AC3E}">
+        <p14:creationId xmlns:p14="http://schemas.microsoft.com/office/powerpoint/2010/main" val="3914042727"/>
+      </p:ext>
+    </p:extLst>
+  </p:cSld>
+  <p:clrMapOvr>
+    <a:masterClrMapping/>
+  </p:clrMapOvr>
+</p:sldLayout>
+</file>
+
+<file path=ppt/slideLayouts/slideLayout23.xml><?xml version="1.0" encoding="utf-8"?>
+<p:sldLayout xmlns:a="http://schemas.openxmlformats.org/drawingml/2006/main" xmlns:r="http://schemas.openxmlformats.org/officeDocument/2006/relationships" xmlns:p="http://schemas.openxmlformats.org/presentationml/2006/main" showMasterSp="0" preserve="1">
+  <p:cSld name="Name Card">
+    <p:spTree>
+      <p:nvGrpSpPr>
+        <p:cNvPr id="1" name=""/>
+        <p:cNvGrpSpPr/>
+        <p:nvPr/>
+      </p:nvGrpSpPr>
+      <p:grpSpPr>
+        <a:xfrm>
+          <a:off x="0" y="0"/>
+          <a:ext cx="0" cy="0"/>
+          <a:chOff x="0" y="0"/>
+          <a:chExt cx="0" cy="0"/>
+        </a:xfrm>
+      </p:grpSpPr>
+      <p:sp>
+        <p:nvSpPr>
+          <p:cNvPr id="2" name="Title 1"/>
+          <p:cNvSpPr>
+            <a:spLocks noGrp="1"/>
+          </p:cNvSpPr>
+          <p:nvPr>
+            <p:ph type="title"/>
+          </p:nvPr>
+        </p:nvSpPr>
+        <p:spPr>
+          <a:xfrm>
+            <a:off x="677335" y="1931988"/>
+            <a:ext cx="8596668" cy="2595460"/>
+          </a:xfrm>
+        </p:spPr>
+        <p:txBody>
+          <a:bodyPr anchor="b">
+            <a:normAutofit/>
+          </a:bodyPr>
+          <a:lstStyle>
+            <a:lvl1pPr algn="l">
+              <a:defRPr sz="4400" b="0" cap="none"/>
+            </a:lvl1pPr>
+          </a:lstStyle>
+          <a:p>
+            <a:r>
+              <a:rPr lang="en-US"/>
+              <a:t>Click to edit Master title style</a:t>
+            </a:r>
+            <a:endParaRPr lang="en-US" dirty="0"/>
+          </a:p>
+        </p:txBody>
+      </p:sp>
+      <p:sp>
+        <p:nvSpPr>
+          <p:cNvPr id="3" name="Text Placeholder 2"/>
+          <p:cNvSpPr>
+            <a:spLocks noGrp="1"/>
+          </p:cNvSpPr>
+          <p:nvPr>
+            <p:ph type="body" idx="1"/>
+          </p:nvPr>
+        </p:nvSpPr>
+        <p:spPr>
+          <a:xfrm>
+            <a:off x="677335" y="4527448"/>
+            <a:ext cx="8596668" cy="1513914"/>
+          </a:xfrm>
+        </p:spPr>
+        <p:txBody>
+          <a:bodyPr anchor="t">
+            <a:normAutofit/>
+          </a:bodyPr>
+          <a:lstStyle>
+            <a:lvl1pPr marL="0" indent="0" algn="l">
+              <a:buNone/>
+              <a:defRPr sz="1800">
+                <a:solidFill>
+                  <a:schemeClr val="tx1">
+                    <a:lumMod val="75000"/>
+                    <a:lumOff val="25000"/>
+                  </a:schemeClr>
+                </a:solidFill>
+              </a:defRPr>
+            </a:lvl1pPr>
+            <a:lvl2pPr marL="457200" indent="0">
+              <a:buNone/>
+              <a:defRPr sz="1800">
+                <a:solidFill>
+                  <a:schemeClr val="tx1">
+                    <a:tint val="75000"/>
+                  </a:schemeClr>
+                </a:solidFill>
+              </a:defRPr>
+            </a:lvl2pPr>
+            <a:lvl3pPr marL="914400" indent="0">
+              <a:buNone/>
+              <a:defRPr sz="1600">
+                <a:solidFill>
+                  <a:schemeClr val="tx1">
+                    <a:tint val="75000"/>
+                  </a:schemeClr>
+                </a:solidFill>
+              </a:defRPr>
+            </a:lvl3pPr>
+            <a:lvl4pPr marL="1371600" indent="0">
+              <a:buNone/>
+              <a:defRPr sz="1400">
+                <a:solidFill>
+                  <a:schemeClr val="tx1">
+                    <a:tint val="75000"/>
+                  </a:schemeClr>
+                </a:solidFill>
+              </a:defRPr>
+            </a:lvl4pPr>
+            <a:lvl5pPr marL="1828800" indent="0">
+              <a:buNone/>
+              <a:defRPr sz="1400">
+                <a:solidFill>
+                  <a:schemeClr val="tx1">
+                    <a:tint val="75000"/>
+                  </a:schemeClr>
+                </a:solidFill>
+              </a:defRPr>
+            </a:lvl5pPr>
+            <a:lvl6pPr marL="2286000" indent="0">
+              <a:buNone/>
+              <a:defRPr sz="1400">
+                <a:solidFill>
+                  <a:schemeClr val="tx1">
+                    <a:tint val="75000"/>
+                  </a:schemeClr>
+                </a:solidFill>
+              </a:defRPr>
+            </a:lvl6pPr>
+            <a:lvl7pPr marL="2743200" indent="0">
+              <a:buNone/>
+              <a:defRPr sz="1400">
+                <a:solidFill>
+                  <a:schemeClr val="tx1">
+                    <a:tint val="75000"/>
+                  </a:schemeClr>
+                </a:solidFill>
+              </a:defRPr>
+            </a:lvl7pPr>
+            <a:lvl8pPr marL="3200400" indent="0">
+              <a:buNone/>
+              <a:defRPr sz="1400">
+                <a:solidFill>
+                  <a:schemeClr val="tx1">
+                    <a:tint val="75000"/>
+                  </a:schemeClr>
+                </a:solidFill>
+              </a:defRPr>
+            </a:lvl8pPr>
+            <a:lvl9pPr marL="3657600" indent="0">
+              <a:buNone/>
+              <a:defRPr sz="1400">
+                <a:solidFill>
+                  <a:schemeClr val="tx1">
+                    <a:tint val="75000"/>
+                  </a:schemeClr>
+                </a:solidFill>
+              </a:defRPr>
+            </a:lvl9pPr>
+          </a:lstStyle>
+          <a:p>
+            <a:pPr lvl="0"/>
+            <a:r>
+              <a:rPr lang="en-US"/>
+              <a:t>Click to edit Master text styles</a:t>
+            </a:r>
+          </a:p>
+        </p:txBody>
+      </p:sp>
+      <p:sp>
+        <p:nvSpPr>
+          <p:cNvPr id="4" name="Date Placeholder 3"/>
+          <p:cNvSpPr>
+            <a:spLocks noGrp="1"/>
+          </p:cNvSpPr>
+          <p:nvPr>
+            <p:ph type="dt" sz="half" idx="10"/>
+          </p:nvPr>
+        </p:nvSpPr>
+        <p:spPr/>
+        <p:txBody>
+          <a:bodyPr/>
+          <a:lstStyle/>
+          <a:p>
+            <a:fld id="{13E0E8A4-28AC-40B3-8265-714402ECE447}" type="datetime1">
+              <a:rPr lang="en-US" smtClean="0"/>
+              <a:t>6/3/2024</a:t>
+            </a:fld>
+            <a:endParaRPr lang="en-US"/>
+          </a:p>
+        </p:txBody>
+      </p:sp>
+      <p:sp>
+        <p:nvSpPr>
+          <p:cNvPr id="5" name="Footer Placeholder 4"/>
+          <p:cNvSpPr>
+            <a:spLocks noGrp="1"/>
+          </p:cNvSpPr>
+          <p:nvPr>
+            <p:ph type="ftr" sz="quarter" idx="11"/>
+          </p:nvPr>
+        </p:nvSpPr>
+        <p:spPr/>
+        <p:txBody>
+          <a:bodyPr/>
+          <a:lstStyle/>
+          <a:p>
+            <a:endParaRPr lang="en-US"/>
+          </a:p>
+        </p:txBody>
+      </p:sp>
+      <p:sp>
+        <p:nvSpPr>
+          <p:cNvPr id="6" name="Slide Number Placeholder 5"/>
+          <p:cNvSpPr>
+            <a:spLocks noGrp="1"/>
+          </p:cNvSpPr>
+          <p:nvPr>
+            <p:ph type="sldNum" sz="quarter" idx="12"/>
+          </p:nvPr>
+        </p:nvSpPr>
+        <p:spPr/>
+        <p:txBody>
+          <a:bodyPr/>
+          <a:lstStyle/>
+          <a:p>
+            <a:fld id="{A6EA515B-EB3D-473C-ADE9-FD8348C61D57}" type="slidenum">
+              <a:rPr lang="en-US" smtClean="0"/>
+              <a:t>‹#›</a:t>
+            </a:fld>
+            <a:endParaRPr lang="en-US"/>
+          </a:p>
+        </p:txBody>
+      </p:sp>
+    </p:spTree>
+    <p:extLst>
+      <p:ext uri="{BB962C8B-B14F-4D97-AF65-F5344CB8AC3E}">
+        <p14:creationId xmlns:p14="http://schemas.microsoft.com/office/powerpoint/2010/main" val="2737467581"/>
+      </p:ext>
+    </p:extLst>
+  </p:cSld>
+  <p:clrMapOvr>
+    <a:masterClrMapping/>
+  </p:clrMapOvr>
+</p:sldLayout>
+</file>
+
+<file path=ppt/slideLayouts/slideLayout24.xml><?xml version="1.0" encoding="utf-8"?>
+<p:sldLayout xmlns:a="http://schemas.openxmlformats.org/drawingml/2006/main" xmlns:r="http://schemas.openxmlformats.org/officeDocument/2006/relationships" xmlns:p="http://schemas.openxmlformats.org/presentationml/2006/main" showMasterSp="0" preserve="1">
+  <p:cSld name="Quote Name Card">
+    <p:spTree>
+      <p:nvGrpSpPr>
+        <p:cNvPr id="1" name=""/>
+        <p:cNvGrpSpPr/>
+        <p:nvPr/>
+      </p:nvGrpSpPr>
+      <p:grpSpPr>
+        <a:xfrm>
+          <a:off x="0" y="0"/>
+          <a:ext cx="0" cy="0"/>
+          <a:chOff x="0" y="0"/>
+          <a:chExt cx="0" cy="0"/>
+        </a:xfrm>
+      </p:grpSpPr>
+      <p:sp>
+        <p:nvSpPr>
+          <p:cNvPr id="2" name="Title 1"/>
+          <p:cNvSpPr>
+            <a:spLocks noGrp="1"/>
+          </p:cNvSpPr>
+          <p:nvPr>
+            <p:ph type="title"/>
+          </p:nvPr>
+        </p:nvSpPr>
+        <p:spPr>
+          <a:xfrm>
+            <a:off x="931334" y="609600"/>
+            <a:ext cx="8094134" cy="3022600"/>
+          </a:xfrm>
+        </p:spPr>
+        <p:txBody>
+          <a:bodyPr anchor="ctr">
+            <a:normAutofit/>
+          </a:bodyPr>
+          <a:lstStyle>
+            <a:lvl1pPr algn="l">
+              <a:defRPr sz="4400" b="0" cap="none"/>
+            </a:lvl1pPr>
+          </a:lstStyle>
+          <a:p>
+            <a:r>
+              <a:rPr lang="en-US"/>
+              <a:t>Click to edit Master title style</a:t>
+            </a:r>
+            <a:endParaRPr lang="en-US" dirty="0"/>
+          </a:p>
+        </p:txBody>
+      </p:sp>
+      <p:sp>
+        <p:nvSpPr>
+          <p:cNvPr id="23" name="Text Placeholder 9"/>
+          <p:cNvSpPr>
+            <a:spLocks noGrp="1"/>
+          </p:cNvSpPr>
+          <p:nvPr>
+            <p:ph type="body" sz="quarter" idx="13"/>
+          </p:nvPr>
+        </p:nvSpPr>
+        <p:spPr>
+          <a:xfrm>
+            <a:off x="677332" y="4013200"/>
+            <a:ext cx="8596669" cy="514248"/>
+          </a:xfrm>
+        </p:spPr>
+        <p:txBody>
+          <a:bodyPr anchor="b">
+            <a:noAutofit/>
+          </a:bodyPr>
+          <a:lstStyle>
+            <a:lvl1pPr marL="0" indent="0">
+              <a:buFontTx/>
+              <a:buNone/>
+              <a:defRPr sz="2400">
+                <a:solidFill>
+                  <a:schemeClr val="tx1">
+                    <a:lumMod val="75000"/>
+                    <a:lumOff val="25000"/>
+                  </a:schemeClr>
+                </a:solidFill>
+              </a:defRPr>
+            </a:lvl1pPr>
+            <a:lvl2pPr marL="457200" indent="0">
+              <a:buFontTx/>
+              <a:buNone/>
+              <a:defRPr/>
+            </a:lvl2pPr>
+            <a:lvl3pPr marL="914400" indent="0">
+              <a:buFontTx/>
+              <a:buNone/>
+              <a:defRPr/>
+            </a:lvl3pPr>
+            <a:lvl4pPr marL="1371600" indent="0">
+              <a:buFontTx/>
+              <a:buNone/>
+              <a:defRPr/>
+            </a:lvl4pPr>
+            <a:lvl5pPr marL="1828800" indent="0">
+              <a:buFontTx/>
+              <a:buNone/>
+              <a:defRPr/>
+            </a:lvl5pPr>
+          </a:lstStyle>
+          <a:p>
+            <a:pPr lvl="0"/>
+            <a:r>
+              <a:rPr lang="en-US"/>
+              <a:t>Click to edit Master text styles</a:t>
+            </a:r>
+          </a:p>
+        </p:txBody>
+      </p:sp>
+      <p:sp>
+        <p:nvSpPr>
+          <p:cNvPr id="3" name="Text Placeholder 2"/>
+          <p:cNvSpPr>
+            <a:spLocks noGrp="1"/>
+          </p:cNvSpPr>
+          <p:nvPr>
+            <p:ph type="body" idx="1"/>
+          </p:nvPr>
+        </p:nvSpPr>
+        <p:spPr>
+          <a:xfrm>
+            <a:off x="677335" y="4527448"/>
+            <a:ext cx="8596668" cy="1513914"/>
+          </a:xfrm>
+        </p:spPr>
+        <p:txBody>
+          <a:bodyPr anchor="t">
+            <a:normAutofit/>
+          </a:bodyPr>
+          <a:lstStyle>
+            <a:lvl1pPr marL="0" indent="0" algn="l">
+              <a:buNone/>
+              <a:defRPr sz="1800">
+                <a:solidFill>
+                  <a:schemeClr val="tx1">
+                    <a:lumMod val="50000"/>
+                    <a:lumOff val="50000"/>
+                  </a:schemeClr>
+                </a:solidFill>
+              </a:defRPr>
+            </a:lvl1pPr>
+            <a:lvl2pPr marL="457200" indent="0">
+              <a:buNone/>
+              <a:defRPr sz="1800">
+                <a:solidFill>
+                  <a:schemeClr val="tx1">
+                    <a:tint val="75000"/>
+                  </a:schemeClr>
+                </a:solidFill>
+              </a:defRPr>
+            </a:lvl2pPr>
+            <a:lvl3pPr marL="914400" indent="0">
+              <a:buNone/>
+              <a:defRPr sz="1600">
+                <a:solidFill>
+                  <a:schemeClr val="tx1">
+                    <a:tint val="75000"/>
+                  </a:schemeClr>
+                </a:solidFill>
+              </a:defRPr>
+            </a:lvl3pPr>
+            <a:lvl4pPr marL="1371600" indent="0">
+              <a:buNone/>
+              <a:defRPr sz="1400">
+                <a:solidFill>
+                  <a:schemeClr val="tx1">
+                    <a:tint val="75000"/>
+                  </a:schemeClr>
+                </a:solidFill>
+              </a:defRPr>
+            </a:lvl4pPr>
+            <a:lvl5pPr marL="1828800" indent="0">
+              <a:buNone/>
+              <a:defRPr sz="1400">
+                <a:solidFill>
+                  <a:schemeClr val="tx1">
+                    <a:tint val="75000"/>
+                  </a:schemeClr>
+                </a:solidFill>
+              </a:defRPr>
+            </a:lvl5pPr>
+            <a:lvl6pPr marL="2286000" indent="0">
+              <a:buNone/>
+              <a:defRPr sz="1400">
+                <a:solidFill>
+                  <a:schemeClr val="tx1">
+                    <a:tint val="75000"/>
+                  </a:schemeClr>
+                </a:solidFill>
+              </a:defRPr>
+            </a:lvl6pPr>
+            <a:lvl7pPr marL="2743200" indent="0">
+              <a:buNone/>
+              <a:defRPr sz="1400">
+                <a:solidFill>
+                  <a:schemeClr val="tx1">
+                    <a:tint val="75000"/>
+                  </a:schemeClr>
+                </a:solidFill>
+              </a:defRPr>
+            </a:lvl7pPr>
+            <a:lvl8pPr marL="3200400" indent="0">
+              <a:buNone/>
+              <a:defRPr sz="1400">
+                <a:solidFill>
+                  <a:schemeClr val="tx1">
+                    <a:tint val="75000"/>
+                  </a:schemeClr>
+                </a:solidFill>
+              </a:defRPr>
+            </a:lvl8pPr>
+            <a:lvl9pPr marL="3657600" indent="0">
+              <a:buNone/>
+              <a:defRPr sz="1400">
+                <a:solidFill>
+                  <a:schemeClr val="tx1">
+                    <a:tint val="75000"/>
+                  </a:schemeClr>
+                </a:solidFill>
+              </a:defRPr>
+            </a:lvl9pPr>
+          </a:lstStyle>
+          <a:p>
+            <a:pPr lvl="0"/>
+            <a:r>
+              <a:rPr lang="en-US"/>
+              <a:t>Click to edit Master text styles</a:t>
+            </a:r>
+          </a:p>
+        </p:txBody>
+      </p:sp>
+      <p:sp>
+        <p:nvSpPr>
+          <p:cNvPr id="4" name="Date Placeholder 3"/>
+          <p:cNvSpPr>
+            <a:spLocks noGrp="1"/>
+          </p:cNvSpPr>
+          <p:nvPr>
+            <p:ph type="dt" sz="half" idx="10"/>
+          </p:nvPr>
+        </p:nvSpPr>
+        <p:spPr/>
+        <p:txBody>
+          <a:bodyPr/>
+          <a:lstStyle/>
+          <a:p>
+            <a:fld id="{A00F6790-28A6-43E5-8363-41D911D57E77}" type="datetime1">
+              <a:rPr lang="en-US" smtClean="0"/>
+              <a:t>6/3/2024</a:t>
+            </a:fld>
+            <a:endParaRPr lang="en-US"/>
+          </a:p>
+        </p:txBody>
+      </p:sp>
+      <p:sp>
+        <p:nvSpPr>
+          <p:cNvPr id="5" name="Footer Placeholder 4"/>
+          <p:cNvSpPr>
+            <a:spLocks noGrp="1"/>
+          </p:cNvSpPr>
+          <p:nvPr>
+            <p:ph type="ftr" sz="quarter" idx="11"/>
+          </p:nvPr>
+        </p:nvSpPr>
+        <p:spPr/>
+        <p:txBody>
+          <a:bodyPr/>
+          <a:lstStyle/>
+          <a:p>
+            <a:endParaRPr lang="en-US"/>
+          </a:p>
+        </p:txBody>
+      </p:sp>
+      <p:sp>
+        <p:nvSpPr>
+          <p:cNvPr id="6" name="Slide Number Placeholder 5"/>
+          <p:cNvSpPr>
+            <a:spLocks noGrp="1"/>
+          </p:cNvSpPr>
+          <p:nvPr>
+            <p:ph type="sldNum" sz="quarter" idx="12"/>
+          </p:nvPr>
+        </p:nvSpPr>
+        <p:spPr/>
+        <p:txBody>
+          <a:bodyPr/>
+          <a:lstStyle/>
+          <a:p>
+            <a:fld id="{A6EA515B-EB3D-473C-ADE9-FD8348C61D57}" type="slidenum">
+              <a:rPr lang="en-US" smtClean="0"/>
+              <a:t>‹#›</a:t>
+            </a:fld>
+            <a:endParaRPr lang="en-US"/>
+          </a:p>
+        </p:txBody>
+      </p:sp>
+      <p:sp>
+        <p:nvSpPr>
+          <p:cNvPr id="24" name="TextBox 23"/>
+          <p:cNvSpPr txBox="1"/>
+          <p:nvPr/>
+        </p:nvSpPr>
+        <p:spPr>
+          <a:xfrm>
+            <a:off x="541870" y="790378"/>
+            <a:ext cx="609600" cy="584776"/>
+          </a:xfrm>
+          <a:prstGeom prst="rect">
+            <a:avLst/>
+          </a:prstGeom>
+        </p:spPr>
+        <p:txBody>
+          <a:bodyPr vert="horz" lIns="91440" tIns="45720" rIns="91440" bIns="45720" rtlCol="0" anchor="ctr">
+            <a:noAutofit/>
+          </a:bodyPr>
+          <a:lstStyle/>
+          <a:p>
+            <a:pPr lvl="0"/>
+            <a:r>
+              <a:rPr lang="en-US" sz="8000" baseline="0" dirty="0">
+                <a:ln w="3175" cmpd="sng">
+                  <a:noFill/>
+                </a:ln>
+                <a:solidFill>
+                  <a:schemeClr val="accent1"/>
+                </a:solidFill>
+                <a:effectLst/>
+                <a:latin typeface="Arial"/>
+              </a:rPr>
+              <a:t>“</a:t>
+            </a:r>
+          </a:p>
+        </p:txBody>
+      </p:sp>
+      <p:sp>
+        <p:nvSpPr>
+          <p:cNvPr id="25" name="TextBox 24"/>
+          <p:cNvSpPr txBox="1"/>
+          <p:nvPr/>
+        </p:nvSpPr>
+        <p:spPr>
+          <a:xfrm>
+            <a:off x="8893011" y="2886556"/>
+            <a:ext cx="609600" cy="584776"/>
+          </a:xfrm>
+          <a:prstGeom prst="rect">
+            <a:avLst/>
+          </a:prstGeom>
+        </p:spPr>
+        <p:txBody>
+          <a:bodyPr vert="horz" lIns="91440" tIns="45720" rIns="91440" bIns="45720" rtlCol="0" anchor="ctr">
+            <a:noAutofit/>
+          </a:bodyPr>
+          <a:lstStyle/>
+          <a:p>
+            <a:pPr lvl="0"/>
+            <a:r>
+              <a:rPr lang="en-US" sz="8000" baseline="0" dirty="0">
+                <a:ln w="3175" cmpd="sng">
+                  <a:noFill/>
+                </a:ln>
+                <a:solidFill>
+                  <a:schemeClr val="accent1"/>
+                </a:solidFill>
+                <a:effectLst/>
+                <a:latin typeface="Arial"/>
+              </a:rPr>
+              <a:t>”</a:t>
+            </a:r>
+          </a:p>
+        </p:txBody>
+      </p:sp>
+    </p:spTree>
+    <p:extLst>
+      <p:ext uri="{BB962C8B-B14F-4D97-AF65-F5344CB8AC3E}">
+        <p14:creationId xmlns:p14="http://schemas.microsoft.com/office/powerpoint/2010/main" val="2658862180"/>
+      </p:ext>
+    </p:extLst>
+  </p:cSld>
+  <p:clrMapOvr>
+    <a:masterClrMapping/>
+  </p:clrMapOvr>
+</p:sldLayout>
+</file>
+
+<file path=ppt/slideLayouts/slideLayout25.xml><?xml version="1.0" encoding="utf-8"?>
+<p:sldLayout xmlns:a="http://schemas.openxmlformats.org/drawingml/2006/main" xmlns:r="http://schemas.openxmlformats.org/officeDocument/2006/relationships" xmlns:p="http://schemas.openxmlformats.org/presentationml/2006/main" showMasterSp="0" preserve="1">
+  <p:cSld name="True or False">
+    <p:spTree>
+      <p:nvGrpSpPr>
+        <p:cNvPr id="1" name=""/>
+        <p:cNvGrpSpPr/>
+        <p:nvPr/>
+      </p:nvGrpSpPr>
+      <p:grpSpPr>
+        <a:xfrm>
+          <a:off x="0" y="0"/>
+          <a:ext cx="0" cy="0"/>
+          <a:chOff x="0" y="0"/>
+          <a:chExt cx="0" cy="0"/>
+        </a:xfrm>
+      </p:grpSpPr>
+      <p:sp>
+        <p:nvSpPr>
+          <p:cNvPr id="2" name="Title 1"/>
+          <p:cNvSpPr>
+            <a:spLocks noGrp="1"/>
+          </p:cNvSpPr>
+          <p:nvPr>
+            <p:ph type="title"/>
+          </p:nvPr>
+        </p:nvSpPr>
+        <p:spPr>
+          <a:xfrm>
+            <a:off x="685799" y="609600"/>
+            <a:ext cx="8588203" cy="3022600"/>
+          </a:xfrm>
+        </p:spPr>
+        <p:txBody>
+          <a:bodyPr anchor="ctr">
+            <a:normAutofit/>
+          </a:bodyPr>
+          <a:lstStyle>
+            <a:lvl1pPr algn="l">
+              <a:defRPr sz="4400" b="0" cap="none"/>
+            </a:lvl1pPr>
+          </a:lstStyle>
+          <a:p>
+            <a:r>
+              <a:rPr lang="en-US"/>
+              <a:t>Click to edit Master title style</a:t>
+            </a:r>
+            <a:endParaRPr lang="en-US" dirty="0"/>
+          </a:p>
+        </p:txBody>
+      </p:sp>
+      <p:sp>
+        <p:nvSpPr>
+          <p:cNvPr id="23" name="Text Placeholder 9"/>
+          <p:cNvSpPr>
+            <a:spLocks noGrp="1"/>
+          </p:cNvSpPr>
+          <p:nvPr>
+            <p:ph type="body" sz="quarter" idx="13"/>
+          </p:nvPr>
+        </p:nvSpPr>
+        <p:spPr>
+          <a:xfrm>
+            <a:off x="677332" y="4013200"/>
+            <a:ext cx="8596669" cy="514248"/>
+          </a:xfrm>
+        </p:spPr>
+        <p:txBody>
+          <a:bodyPr anchor="b">
+            <a:noAutofit/>
+          </a:bodyPr>
+          <a:lstStyle>
+            <a:lvl1pPr marL="0" indent="0">
+              <a:buFontTx/>
+              <a:buNone/>
+              <a:defRPr sz="2400">
+                <a:solidFill>
+                  <a:schemeClr val="accent1"/>
+                </a:solidFill>
+              </a:defRPr>
+            </a:lvl1pPr>
+            <a:lvl2pPr marL="457200" indent="0">
+              <a:buFontTx/>
+              <a:buNone/>
+              <a:defRPr/>
+            </a:lvl2pPr>
+            <a:lvl3pPr marL="914400" indent="0">
+              <a:buFontTx/>
+              <a:buNone/>
+              <a:defRPr/>
+            </a:lvl3pPr>
+            <a:lvl4pPr marL="1371600" indent="0">
+              <a:buFontTx/>
+              <a:buNone/>
+              <a:defRPr/>
+            </a:lvl4pPr>
+            <a:lvl5pPr marL="1828800" indent="0">
+              <a:buFontTx/>
+              <a:buNone/>
+              <a:defRPr/>
+            </a:lvl5pPr>
+          </a:lstStyle>
+          <a:p>
+            <a:pPr lvl="0"/>
+            <a:r>
+              <a:rPr lang="en-US"/>
+              <a:t>Click to edit Master text styles</a:t>
+            </a:r>
+          </a:p>
+        </p:txBody>
+      </p:sp>
+      <p:sp>
+        <p:nvSpPr>
+          <p:cNvPr id="3" name="Text Placeholder 2"/>
+          <p:cNvSpPr>
+            <a:spLocks noGrp="1"/>
+          </p:cNvSpPr>
+          <p:nvPr>
+            <p:ph type="body" idx="1"/>
+          </p:nvPr>
+        </p:nvSpPr>
+        <p:spPr>
+          <a:xfrm>
+            <a:off x="677335" y="4527448"/>
+            <a:ext cx="8596668" cy="1513914"/>
+          </a:xfrm>
+        </p:spPr>
+        <p:txBody>
+          <a:bodyPr anchor="t">
+            <a:normAutofit/>
+          </a:bodyPr>
+          <a:lstStyle>
+            <a:lvl1pPr marL="0" indent="0" algn="l">
+              <a:buNone/>
+              <a:defRPr sz="1800">
+                <a:solidFill>
+                  <a:schemeClr val="tx1">
+                    <a:lumMod val="50000"/>
+                    <a:lumOff val="50000"/>
+                  </a:schemeClr>
+                </a:solidFill>
+              </a:defRPr>
+            </a:lvl1pPr>
+            <a:lvl2pPr marL="457200" indent="0">
+              <a:buNone/>
+              <a:defRPr sz="1800">
+                <a:solidFill>
+                  <a:schemeClr val="tx1">
+                    <a:tint val="75000"/>
+                  </a:schemeClr>
+                </a:solidFill>
+              </a:defRPr>
+            </a:lvl2pPr>
+            <a:lvl3pPr marL="914400" indent="0">
+              <a:buNone/>
+              <a:defRPr sz="1600">
+                <a:solidFill>
+                  <a:schemeClr val="tx1">
+                    <a:tint val="75000"/>
+                  </a:schemeClr>
+                </a:solidFill>
+              </a:defRPr>
+            </a:lvl3pPr>
+            <a:lvl4pPr marL="1371600" indent="0">
+              <a:buNone/>
+              <a:defRPr sz="1400">
+                <a:solidFill>
+                  <a:schemeClr val="tx1">
+                    <a:tint val="75000"/>
+                  </a:schemeClr>
+                </a:solidFill>
+              </a:defRPr>
+            </a:lvl4pPr>
+            <a:lvl5pPr marL="1828800" indent="0">
+              <a:buNone/>
+              <a:defRPr sz="1400">
+                <a:solidFill>
+                  <a:schemeClr val="tx1">
+                    <a:tint val="75000"/>
+                  </a:schemeClr>
+                </a:solidFill>
+              </a:defRPr>
+            </a:lvl5pPr>
+            <a:lvl6pPr marL="2286000" indent="0">
+              <a:buNone/>
+              <a:defRPr sz="1400">
+                <a:solidFill>
+                  <a:schemeClr val="tx1">
+                    <a:tint val="75000"/>
+                  </a:schemeClr>
+                </a:solidFill>
+              </a:defRPr>
+            </a:lvl6pPr>
+            <a:lvl7pPr marL="2743200" indent="0">
+              <a:buNone/>
+              <a:defRPr sz="1400">
+                <a:solidFill>
+                  <a:schemeClr val="tx1">
+                    <a:tint val="75000"/>
+                  </a:schemeClr>
+                </a:solidFill>
+              </a:defRPr>
+            </a:lvl7pPr>
+            <a:lvl8pPr marL="3200400" indent="0">
+              <a:buNone/>
+              <a:defRPr sz="1400">
+                <a:solidFill>
+                  <a:schemeClr val="tx1">
+                    <a:tint val="75000"/>
+                  </a:schemeClr>
+                </a:solidFill>
+              </a:defRPr>
+            </a:lvl8pPr>
+            <a:lvl9pPr marL="3657600" indent="0">
+              <a:buNone/>
+              <a:defRPr sz="1400">
+                <a:solidFill>
+                  <a:schemeClr val="tx1">
+                    <a:tint val="75000"/>
+                  </a:schemeClr>
+                </a:solidFill>
+              </a:defRPr>
+            </a:lvl9pPr>
+          </a:lstStyle>
+          <a:p>
+            <a:pPr lvl="0"/>
+            <a:r>
+              <a:rPr lang="en-US"/>
+              <a:t>Click to edit Master text styles</a:t>
+            </a:r>
+          </a:p>
+        </p:txBody>
+      </p:sp>
+      <p:sp>
+        <p:nvSpPr>
+          <p:cNvPr id="4" name="Date Placeholder 3"/>
+          <p:cNvSpPr>
+            <a:spLocks noGrp="1"/>
+          </p:cNvSpPr>
+          <p:nvPr>
+            <p:ph type="dt" sz="half" idx="10"/>
+          </p:nvPr>
+        </p:nvSpPr>
+        <p:spPr/>
+        <p:txBody>
+          <a:bodyPr/>
+          <a:lstStyle/>
+          <a:p>
+            <a:fld id="{18B4B8E6-BCFE-460F-BFB9-1FFC1D4DF28C}" type="datetime1">
+              <a:rPr lang="en-US" smtClean="0"/>
+              <a:t>6/3/2024</a:t>
+            </a:fld>
+            <a:endParaRPr lang="en-US"/>
+          </a:p>
+        </p:txBody>
+      </p:sp>
+      <p:sp>
+        <p:nvSpPr>
+          <p:cNvPr id="5" name="Footer Placeholder 4"/>
+          <p:cNvSpPr>
+            <a:spLocks noGrp="1"/>
+          </p:cNvSpPr>
+          <p:nvPr>
+            <p:ph type="ftr" sz="quarter" idx="11"/>
+          </p:nvPr>
+        </p:nvSpPr>
+        <p:spPr/>
+        <p:txBody>
+          <a:bodyPr/>
+          <a:lstStyle/>
+          <a:p>
+            <a:endParaRPr lang="en-US"/>
+          </a:p>
+        </p:txBody>
+      </p:sp>
+      <p:sp>
+        <p:nvSpPr>
+          <p:cNvPr id="6" name="Slide Number Placeholder 5"/>
+          <p:cNvSpPr>
+            <a:spLocks noGrp="1"/>
+          </p:cNvSpPr>
+          <p:nvPr>
+            <p:ph type="sldNum" sz="quarter" idx="12"/>
+          </p:nvPr>
+        </p:nvSpPr>
+        <p:spPr/>
+        <p:txBody>
+          <a:bodyPr/>
+          <a:lstStyle/>
+          <a:p>
+            <a:fld id="{A6EA515B-EB3D-473C-ADE9-FD8348C61D57}" type="slidenum">
+              <a:rPr lang="en-US" smtClean="0"/>
+              <a:t>‹#›</a:t>
+            </a:fld>
+            <a:endParaRPr lang="en-US"/>
+          </a:p>
+        </p:txBody>
+      </p:sp>
+    </p:spTree>
+    <p:extLst>
+      <p:ext uri="{BB962C8B-B14F-4D97-AF65-F5344CB8AC3E}">
+        <p14:creationId xmlns:p14="http://schemas.microsoft.com/office/powerpoint/2010/main" val="658360932"/>
+      </p:ext>
+    </p:extLst>
+  </p:cSld>
+  <p:clrMapOvr>
+    <a:masterClrMapping/>
+  </p:clrMapOvr>
+</p:sldLayout>
+</file>
+
+<file path=ppt/slideLayouts/slideLayout26.xml><?xml version="1.0" encoding="utf-8"?>
+<p:sldLayout xmlns:a="http://schemas.openxmlformats.org/drawingml/2006/main" xmlns:r="http://schemas.openxmlformats.org/officeDocument/2006/relationships" xmlns:p="http://schemas.openxmlformats.org/presentationml/2006/main" showMasterSp="0" type="vertTx" preserve="1">
+  <p:cSld name="Title and Vertical Text">
+    <p:spTree>
+      <p:nvGrpSpPr>
+        <p:cNvPr id="1" name=""/>
+        <p:cNvGrpSpPr/>
+        <p:nvPr/>
+      </p:nvGrpSpPr>
+      <p:grpSpPr>
+        <a:xfrm>
+          <a:off x="0" y="0"/>
+          <a:ext cx="0" cy="0"/>
+          <a:chOff x="0" y="0"/>
+          <a:chExt cx="0" cy="0"/>
+        </a:xfrm>
+      </p:grpSpPr>
+      <p:sp>
+        <p:nvSpPr>
+          <p:cNvPr id="2" name="Title 1"/>
+          <p:cNvSpPr>
+            <a:spLocks noGrp="1"/>
+          </p:cNvSpPr>
+          <p:nvPr>
+            <p:ph type="title"/>
+          </p:nvPr>
+        </p:nvSpPr>
+        <p:spPr/>
+        <p:txBody>
+          <a:bodyPr/>
+          <a:lstStyle/>
+          <a:p>
+            <a:r>
+              <a:rPr lang="en-US"/>
+              <a:t>Click to edit Master title style</a:t>
+            </a:r>
+            <a:endParaRPr lang="en-US" dirty="0"/>
+          </a:p>
+        </p:txBody>
+      </p:sp>
+      <p:sp>
+        <p:nvSpPr>
+          <p:cNvPr id="3" name="Vertical Text Placeholder 2"/>
+          <p:cNvSpPr>
+            <a:spLocks noGrp="1"/>
+          </p:cNvSpPr>
+          <p:nvPr>
+            <p:ph type="body" orient="vert" idx="1"/>
+          </p:nvPr>
+        </p:nvSpPr>
+        <p:spPr/>
+        <p:txBody>
+          <a:bodyPr vert="eaVert"/>
+          <a:lstStyle/>
+          <a:p>
+            <a:pPr lvl="0"/>
+            <a:r>
+              <a:rPr lang="en-US"/>
+              <a:t>Click to edit Master text styles</a:t>
+            </a:r>
+          </a:p>
+          <a:p>
+            <a:pPr lvl="1"/>
+            <a:r>
+              <a:rPr lang="en-US"/>
+              <a:t>Second level</a:t>
+            </a:r>
+          </a:p>
+          <a:p>
+            <a:pPr lvl="2"/>
+            <a:r>
+              <a:rPr lang="en-US"/>
+              <a:t>Third level</a:t>
+            </a:r>
+          </a:p>
+          <a:p>
+            <a:pPr lvl="3"/>
+            <a:r>
+              <a:rPr lang="en-US"/>
+              <a:t>Fourth level</a:t>
+            </a:r>
+          </a:p>
+          <a:p>
+            <a:pPr lvl="4"/>
+            <a:r>
+              <a:rPr lang="en-US"/>
+              <a:t>Fifth level</a:t>
+            </a:r>
+            <a:endParaRPr lang="en-US" dirty="0"/>
+          </a:p>
+        </p:txBody>
+      </p:sp>
+      <p:sp>
+        <p:nvSpPr>
+          <p:cNvPr id="4" name="Date Placeholder 3"/>
+          <p:cNvSpPr>
+            <a:spLocks noGrp="1"/>
+          </p:cNvSpPr>
+          <p:nvPr>
+            <p:ph type="dt" sz="half" idx="10"/>
+          </p:nvPr>
+        </p:nvSpPr>
+        <p:spPr/>
+        <p:txBody>
+          <a:bodyPr/>
+          <a:lstStyle/>
+          <a:p>
+            <a:fld id="{8F002B97-5E20-4B54-8CEE-39C47E884DC3}" type="datetime1">
+              <a:rPr lang="en-US" smtClean="0"/>
+              <a:t>6/3/2024</a:t>
+            </a:fld>
+            <a:endParaRPr lang="en-US"/>
+          </a:p>
+        </p:txBody>
+      </p:sp>
+      <p:sp>
+        <p:nvSpPr>
+          <p:cNvPr id="5" name="Footer Placeholder 4"/>
+          <p:cNvSpPr>
+            <a:spLocks noGrp="1"/>
+          </p:cNvSpPr>
+          <p:nvPr>
+            <p:ph type="ftr" sz="quarter" idx="11"/>
+          </p:nvPr>
+        </p:nvSpPr>
+        <p:spPr/>
+        <p:txBody>
+          <a:bodyPr/>
+          <a:lstStyle/>
+          <a:p>
+            <a:endParaRPr lang="en-US"/>
+          </a:p>
+        </p:txBody>
+      </p:sp>
+      <p:sp>
+        <p:nvSpPr>
+          <p:cNvPr id="6" name="Slide Number Placeholder 5"/>
+          <p:cNvSpPr>
+            <a:spLocks noGrp="1"/>
+          </p:cNvSpPr>
+          <p:nvPr>
+            <p:ph type="sldNum" sz="quarter" idx="12"/>
+          </p:nvPr>
+        </p:nvSpPr>
+        <p:spPr/>
+        <p:txBody>
+          <a:bodyPr/>
+          <a:lstStyle/>
+          <a:p>
+            <a:fld id="{A6EA515B-EB3D-473C-ADE9-FD8348C61D57}" type="slidenum">
+              <a:rPr lang="en-US" smtClean="0"/>
+              <a:t>‹#›</a:t>
+            </a:fld>
+            <a:endParaRPr lang="en-US"/>
+          </a:p>
+        </p:txBody>
+      </p:sp>
+    </p:spTree>
+    <p:extLst>
+      <p:ext uri="{BB962C8B-B14F-4D97-AF65-F5344CB8AC3E}">
+        <p14:creationId xmlns:p14="http://schemas.microsoft.com/office/powerpoint/2010/main" val="62488227"/>
+      </p:ext>
+    </p:extLst>
+  </p:cSld>
+  <p:clrMapOvr>
+    <a:masterClrMapping/>
+  </p:clrMapOvr>
+</p:sldLayout>
+</file>
+
+<file path=ppt/slideLayouts/slideLayout27.xml><?xml version="1.0" encoding="utf-8"?>
+<p:sldLayout xmlns:a="http://schemas.openxmlformats.org/drawingml/2006/main" xmlns:r="http://schemas.openxmlformats.org/officeDocument/2006/relationships" xmlns:p="http://schemas.openxmlformats.org/presentationml/2006/main" showMasterSp="0" type="vertTitleAndTx" preserve="1">
+  <p:cSld name="Vertical Title and Text">
+    <p:spTree>
+      <p:nvGrpSpPr>
+        <p:cNvPr id="1" name=""/>
+        <p:cNvGrpSpPr/>
+        <p:nvPr/>
+      </p:nvGrpSpPr>
+      <p:grpSpPr>
+        <a:xfrm>
+          <a:off x="0" y="0"/>
+          <a:ext cx="0" cy="0"/>
+          <a:chOff x="0" y="0"/>
+          <a:chExt cx="0" cy="0"/>
+        </a:xfrm>
+      </p:grpSpPr>
+      <p:sp>
+        <p:nvSpPr>
+          <p:cNvPr id="2" name="Vertical Title 1"/>
+          <p:cNvSpPr>
+            <a:spLocks noGrp="1"/>
+          </p:cNvSpPr>
+          <p:nvPr>
+            <p:ph type="title" orient="vert"/>
+          </p:nvPr>
+        </p:nvSpPr>
+        <p:spPr>
+          <a:xfrm>
+            <a:off x="7967673" y="609599"/>
+            <a:ext cx="1304743" cy="5251451"/>
+          </a:xfrm>
+        </p:spPr>
+        <p:txBody>
+          <a:bodyPr vert="eaVert" anchor="ctr"/>
+          <a:lstStyle/>
+          <a:p>
+            <a:r>
+              <a:rPr lang="en-US"/>
+              <a:t>Click to edit Master title style</a:t>
+            </a:r>
+            <a:endParaRPr lang="en-US" dirty="0"/>
+          </a:p>
+        </p:txBody>
+      </p:sp>
+      <p:sp>
+        <p:nvSpPr>
+          <p:cNvPr id="3" name="Vertical Text Placeholder 2"/>
+          <p:cNvSpPr>
+            <a:spLocks noGrp="1"/>
+          </p:cNvSpPr>
+          <p:nvPr>
+            <p:ph type="body" orient="vert" idx="1"/>
+          </p:nvPr>
+        </p:nvSpPr>
+        <p:spPr>
+          <a:xfrm>
+            <a:off x="677335" y="609600"/>
+            <a:ext cx="7060150" cy="5251450"/>
+          </a:xfrm>
+        </p:spPr>
+        <p:txBody>
+          <a:bodyPr vert="eaVert"/>
+          <a:lstStyle/>
+          <a:p>
+            <a:pPr lvl="0"/>
+            <a:r>
+              <a:rPr lang="en-US"/>
+              <a:t>Click to edit Master text styles</a:t>
+            </a:r>
+          </a:p>
+          <a:p>
+            <a:pPr lvl="1"/>
+            <a:r>
+              <a:rPr lang="en-US"/>
+              <a:t>Second level</a:t>
+            </a:r>
+          </a:p>
+          <a:p>
+            <a:pPr lvl="2"/>
+            <a:r>
+              <a:rPr lang="en-US"/>
+              <a:t>Third level</a:t>
+            </a:r>
+          </a:p>
+          <a:p>
+            <a:pPr lvl="3"/>
+            <a:r>
+              <a:rPr lang="en-US"/>
+              <a:t>Fourth level</a:t>
+            </a:r>
+          </a:p>
+          <a:p>
+            <a:pPr lvl="4"/>
+            <a:r>
+              <a:rPr lang="en-US"/>
+              <a:t>Fifth level</a:t>
+            </a:r>
+            <a:endParaRPr lang="en-US" dirty="0"/>
+          </a:p>
+        </p:txBody>
+      </p:sp>
+      <p:sp>
+        <p:nvSpPr>
+          <p:cNvPr id="4" name="Date Placeholder 3"/>
+          <p:cNvSpPr>
+            <a:spLocks noGrp="1"/>
+          </p:cNvSpPr>
+          <p:nvPr>
+            <p:ph type="dt" sz="half" idx="10"/>
+          </p:nvPr>
+        </p:nvSpPr>
+        <p:spPr/>
+        <p:txBody>
+          <a:bodyPr/>
+          <a:lstStyle/>
+          <a:p>
+            <a:fld id="{D5AF0D8D-7E00-4497-8D86-44B04B940A9E}" type="datetime1">
+              <a:rPr lang="en-US" smtClean="0"/>
+              <a:t>6/3/2024</a:t>
+            </a:fld>
+            <a:endParaRPr lang="en-US"/>
+          </a:p>
+        </p:txBody>
+      </p:sp>
+      <p:sp>
+        <p:nvSpPr>
+          <p:cNvPr id="5" name="Footer Placeholder 4"/>
+          <p:cNvSpPr>
+            <a:spLocks noGrp="1"/>
+          </p:cNvSpPr>
+          <p:nvPr>
+            <p:ph type="ftr" sz="quarter" idx="11"/>
+          </p:nvPr>
+        </p:nvSpPr>
+        <p:spPr/>
+        <p:txBody>
+          <a:bodyPr/>
+          <a:lstStyle/>
+          <a:p>
+            <a:endParaRPr lang="en-US"/>
+          </a:p>
+        </p:txBody>
+      </p:sp>
+      <p:sp>
+        <p:nvSpPr>
+          <p:cNvPr id="6" name="Slide Number Placeholder 5"/>
+          <p:cNvSpPr>
+            <a:spLocks noGrp="1"/>
+          </p:cNvSpPr>
+          <p:nvPr>
+            <p:ph type="sldNum" sz="quarter" idx="12"/>
+          </p:nvPr>
+        </p:nvSpPr>
+        <p:spPr/>
+        <p:txBody>
+          <a:bodyPr/>
+          <a:lstStyle/>
+          <a:p>
+            <a:fld id="{A6EA515B-EB3D-473C-ADE9-FD8348C61D57}" type="slidenum">
+              <a:rPr lang="en-US" smtClean="0"/>
+              <a:t>‹#›</a:t>
+            </a:fld>
+            <a:endParaRPr lang="en-US"/>
+          </a:p>
+        </p:txBody>
+      </p:sp>
+    </p:spTree>
+    <p:extLst>
+      <p:ext uri="{BB962C8B-B14F-4D97-AF65-F5344CB8AC3E}">
+        <p14:creationId xmlns:p14="http://schemas.microsoft.com/office/powerpoint/2010/main" val="3585707999"/>
       </p:ext>
     </p:extLst>
   </p:cSld>
@@ -1015,7 +5525,7 @@
           <a:p>
             <a:fld id="{162AC784-C7BB-45CE-AB0D-139C9E5F95B5}" type="datetimeFigureOut">
               <a:rPr lang="en-US" smtClean="0"/>
-              <a:t>3/6/2024</a:t>
+              <a:t>6/3/2024</a:t>
             </a:fld>
             <a:endParaRPr lang="en-US"/>
           </a:p>
@@ -1247,7 +5757,7 @@
           <a:p>
             <a:fld id="{162AC784-C7BB-45CE-AB0D-139C9E5F95B5}" type="datetimeFigureOut">
               <a:rPr lang="en-US" smtClean="0"/>
-              <a:t>3/6/2024</a:t>
+              <a:t>6/3/2024</a:t>
             </a:fld>
             <a:endParaRPr lang="en-US"/>
           </a:p>
@@ -1614,7 +6124,7 @@
           <a:p>
             <a:fld id="{162AC784-C7BB-45CE-AB0D-139C9E5F95B5}" type="datetimeFigureOut">
               <a:rPr lang="en-US" smtClean="0"/>
-              <a:t>3/6/2024</a:t>
+              <a:t>6/3/2024</a:t>
             </a:fld>
             <a:endParaRPr lang="en-US"/>
           </a:p>
@@ -1732,7 +6242,7 @@
           <a:p>
             <a:fld id="{162AC784-C7BB-45CE-AB0D-139C9E5F95B5}" type="datetimeFigureOut">
               <a:rPr lang="en-US" smtClean="0"/>
-              <a:t>3/6/2024</a:t>
+              <a:t>6/3/2024</a:t>
             </a:fld>
             <a:endParaRPr lang="en-US"/>
           </a:p>
@@ -1827,7 +6337,7 @@
           <a:p>
             <a:fld id="{162AC784-C7BB-45CE-AB0D-139C9E5F95B5}" type="datetimeFigureOut">
               <a:rPr lang="en-US" smtClean="0"/>
-              <a:t>3/6/2024</a:t>
+              <a:t>6/3/2024</a:t>
             </a:fld>
             <a:endParaRPr lang="en-US"/>
           </a:p>
@@ -2104,7 +6614,7 @@
           <a:p>
             <a:fld id="{162AC784-C7BB-45CE-AB0D-139C9E5F95B5}" type="datetimeFigureOut">
               <a:rPr lang="en-US" smtClean="0"/>
-              <a:t>3/6/2024</a:t>
+              <a:t>6/3/2024</a:t>
             </a:fld>
             <a:endParaRPr lang="en-US"/>
           </a:p>
@@ -2361,7 +6871,7 @@
           <a:p>
             <a:fld id="{162AC784-C7BB-45CE-AB0D-139C9E5F95B5}" type="datetimeFigureOut">
               <a:rPr lang="en-US" smtClean="0"/>
-              <a:t>3/6/2024</a:t>
+              <a:t>6/3/2024</a:t>
             </a:fld>
             <a:endParaRPr lang="en-US"/>
           </a:p>
@@ -2574,7 +7084,7 @@
           <a:p>
             <a:fld id="{162AC784-C7BB-45CE-AB0D-139C9E5F95B5}" type="datetimeFigureOut">
               <a:rPr lang="en-US" smtClean="0"/>
-              <a:t>3/6/2024</a:t>
+              <a:t>6/3/2024</a:t>
             </a:fld>
             <a:endParaRPr lang="en-US"/>
           </a:p>
@@ -2962,6 +7472,1201 @@
 </p:sldMaster>
 </file>
 
+<file path=ppt/slideMasters/slideMaster2.xml><?xml version="1.0" encoding="utf-8"?>
+<p:sldMaster xmlns:a="http://schemas.openxmlformats.org/drawingml/2006/main" xmlns:r="http://schemas.openxmlformats.org/officeDocument/2006/relationships" xmlns:p="http://schemas.openxmlformats.org/presentationml/2006/main">
+  <p:cSld>
+    <p:bg>
+      <p:bgPr>
+        <a:solidFill>
+          <a:schemeClr val="bg1"/>
+        </a:solidFill>
+        <a:effectLst/>
+      </p:bgPr>
+    </p:bg>
+    <p:spTree>
+      <p:nvGrpSpPr>
+        <p:cNvPr id="1" name=""/>
+        <p:cNvGrpSpPr/>
+        <p:nvPr/>
+      </p:nvGrpSpPr>
+      <p:grpSpPr>
+        <a:xfrm>
+          <a:off x="0" y="0"/>
+          <a:ext cx="0" cy="0"/>
+          <a:chOff x="0" y="0"/>
+          <a:chExt cx="0" cy="0"/>
+        </a:xfrm>
+      </p:grpSpPr>
+      <p:grpSp>
+        <p:nvGrpSpPr>
+          <p:cNvPr id="8" name="Group 7"/>
+          <p:cNvGrpSpPr/>
+          <p:nvPr/>
+        </p:nvGrpSpPr>
+        <p:grpSpPr>
+          <a:xfrm>
+            <a:off x="0" y="-8467"/>
+            <a:ext cx="12192000" cy="6866467"/>
+            <a:chOff x="0" y="-8467"/>
+            <a:chExt cx="12192000" cy="6866467"/>
+          </a:xfrm>
+        </p:grpSpPr>
+        <p:cxnSp>
+          <p:nvCxnSpPr>
+            <p:cNvPr id="20" name="Straight Connector 19"/>
+            <p:cNvCxnSpPr/>
+            <p:nvPr/>
+          </p:nvCxnSpPr>
+          <p:spPr>
+            <a:xfrm>
+              <a:off x="9371012" y="0"/>
+              <a:ext cx="1219200" cy="6858000"/>
+            </a:xfrm>
+            <a:prstGeom prst="line">
+              <a:avLst/>
+            </a:prstGeom>
+            <a:ln w="9525">
+              <a:solidFill>
+                <a:schemeClr val="bg1">
+                  <a:lumMod val="85000"/>
+                  <a:lumOff val="15000"/>
+                </a:schemeClr>
+              </a:solidFill>
+            </a:ln>
+          </p:spPr>
+          <p:style>
+            <a:lnRef idx="2">
+              <a:schemeClr val="accent1"/>
+            </a:lnRef>
+            <a:fillRef idx="0">
+              <a:schemeClr val="accent1"/>
+            </a:fillRef>
+            <a:effectRef idx="1">
+              <a:schemeClr val="accent1"/>
+            </a:effectRef>
+            <a:fontRef idx="minor">
+              <a:schemeClr val="tx1"/>
+            </a:fontRef>
+          </p:style>
+        </p:cxnSp>
+        <p:cxnSp>
+          <p:nvCxnSpPr>
+            <p:cNvPr id="21" name="Straight Connector 20"/>
+            <p:cNvCxnSpPr/>
+            <p:nvPr/>
+          </p:nvCxnSpPr>
+          <p:spPr>
+            <a:xfrm flipH="1">
+              <a:off x="7425267" y="3681413"/>
+              <a:ext cx="4763558" cy="3176587"/>
+            </a:xfrm>
+            <a:prstGeom prst="line">
+              <a:avLst/>
+            </a:prstGeom>
+            <a:ln w="9525">
+              <a:solidFill>
+                <a:schemeClr val="bg1">
+                  <a:lumMod val="85000"/>
+                  <a:lumOff val="15000"/>
+                </a:schemeClr>
+              </a:solidFill>
+            </a:ln>
+          </p:spPr>
+          <p:style>
+            <a:lnRef idx="2">
+              <a:schemeClr val="accent1"/>
+            </a:lnRef>
+            <a:fillRef idx="0">
+              <a:schemeClr val="accent1"/>
+            </a:fillRef>
+            <a:effectRef idx="1">
+              <a:schemeClr val="accent1"/>
+            </a:effectRef>
+            <a:fontRef idx="minor">
+              <a:schemeClr val="tx1"/>
+            </a:fontRef>
+          </p:style>
+        </p:cxnSp>
+        <p:sp>
+          <p:nvSpPr>
+            <p:cNvPr id="22" name="Rectangle 23"/>
+            <p:cNvSpPr/>
+            <p:nvPr/>
+          </p:nvSpPr>
+          <p:spPr>
+            <a:xfrm>
+              <a:off x="9181476" y="-8467"/>
+              <a:ext cx="3007349" cy="6866467"/>
+            </a:xfrm>
+            <a:custGeom>
+              <a:avLst/>
+              <a:gdLst/>
+              <a:ahLst/>
+              <a:cxnLst/>
+              <a:rect l="l" t="t" r="r" b="b"/>
+              <a:pathLst>
+                <a:path w="3007349" h="6866467">
+                  <a:moveTo>
+                    <a:pt x="2045532" y="0"/>
+                  </a:moveTo>
+                  <a:lnTo>
+                    <a:pt x="3007349" y="0"/>
+                  </a:lnTo>
+                  <a:lnTo>
+                    <a:pt x="3007349" y="6866467"/>
+                  </a:lnTo>
+                  <a:lnTo>
+                    <a:pt x="0" y="6866467"/>
+                  </a:lnTo>
+                  <a:lnTo>
+                    <a:pt x="2045532" y="0"/>
+                  </a:lnTo>
+                  <a:close/>
+                </a:path>
+              </a:pathLst>
+            </a:custGeom>
+            <a:solidFill>
+              <a:schemeClr val="accent1">
+                <a:alpha val="30000"/>
+              </a:schemeClr>
+            </a:solidFill>
+            <a:ln>
+              <a:noFill/>
+            </a:ln>
+            <a:effectLst/>
+          </p:spPr>
+          <p:style>
+            <a:lnRef idx="1">
+              <a:schemeClr val="accent1"/>
+            </a:lnRef>
+            <a:fillRef idx="3">
+              <a:schemeClr val="accent1"/>
+            </a:fillRef>
+            <a:effectRef idx="2">
+              <a:schemeClr val="accent1"/>
+            </a:effectRef>
+            <a:fontRef idx="minor">
+              <a:schemeClr val="lt1"/>
+            </a:fontRef>
+          </p:style>
+        </p:sp>
+        <p:sp>
+          <p:nvSpPr>
+            <p:cNvPr id="23" name="Rectangle 25"/>
+            <p:cNvSpPr/>
+            <p:nvPr/>
+          </p:nvSpPr>
+          <p:spPr>
+            <a:xfrm>
+              <a:off x="9603442" y="-8467"/>
+              <a:ext cx="2588558" cy="6866467"/>
+            </a:xfrm>
+            <a:custGeom>
+              <a:avLst/>
+              <a:gdLst/>
+              <a:ahLst/>
+              <a:cxnLst/>
+              <a:rect l="l" t="t" r="r" b="b"/>
+              <a:pathLst>
+                <a:path w="2573311" h="6866467">
+                  <a:moveTo>
+                    <a:pt x="0" y="0"/>
+                  </a:moveTo>
+                  <a:lnTo>
+                    <a:pt x="2573311" y="0"/>
+                  </a:lnTo>
+                  <a:lnTo>
+                    <a:pt x="2573311" y="6866467"/>
+                  </a:lnTo>
+                  <a:lnTo>
+                    <a:pt x="1202336" y="6866467"/>
+                  </a:lnTo>
+                  <a:lnTo>
+                    <a:pt x="0" y="0"/>
+                  </a:lnTo>
+                  <a:close/>
+                </a:path>
+              </a:pathLst>
+            </a:custGeom>
+            <a:solidFill>
+              <a:schemeClr val="accent1">
+                <a:alpha val="20000"/>
+              </a:schemeClr>
+            </a:solidFill>
+            <a:ln>
+              <a:noFill/>
+            </a:ln>
+            <a:effectLst/>
+          </p:spPr>
+          <p:style>
+            <a:lnRef idx="1">
+              <a:schemeClr val="accent1"/>
+            </a:lnRef>
+            <a:fillRef idx="3">
+              <a:schemeClr val="accent1"/>
+            </a:fillRef>
+            <a:effectRef idx="2">
+              <a:schemeClr val="accent1"/>
+            </a:effectRef>
+            <a:fontRef idx="minor">
+              <a:schemeClr val="lt1"/>
+            </a:fontRef>
+          </p:style>
+        </p:sp>
+        <p:sp>
+          <p:nvSpPr>
+            <p:cNvPr id="24" name="Isosceles Triangle 23"/>
+            <p:cNvSpPr/>
+            <p:nvPr/>
+          </p:nvSpPr>
+          <p:spPr>
+            <a:xfrm>
+              <a:off x="8932333" y="3048000"/>
+              <a:ext cx="3259667" cy="3810000"/>
+            </a:xfrm>
+            <a:prstGeom prst="triangle">
+              <a:avLst>
+                <a:gd name="adj" fmla="val 100000"/>
+              </a:avLst>
+            </a:prstGeom>
+            <a:solidFill>
+              <a:schemeClr val="accent2">
+                <a:alpha val="72000"/>
+              </a:schemeClr>
+            </a:solidFill>
+            <a:ln>
+              <a:noFill/>
+            </a:ln>
+            <a:effectLst/>
+          </p:spPr>
+          <p:style>
+            <a:lnRef idx="1">
+              <a:schemeClr val="accent1"/>
+            </a:lnRef>
+            <a:fillRef idx="3">
+              <a:schemeClr val="accent1"/>
+            </a:fillRef>
+            <a:effectRef idx="2">
+              <a:schemeClr val="accent1"/>
+            </a:effectRef>
+            <a:fontRef idx="minor">
+              <a:schemeClr val="lt1"/>
+            </a:fontRef>
+          </p:style>
+        </p:sp>
+        <p:sp>
+          <p:nvSpPr>
+            <p:cNvPr id="25" name="Rectangle 27"/>
+            <p:cNvSpPr/>
+            <p:nvPr/>
+          </p:nvSpPr>
+          <p:spPr>
+            <a:xfrm>
+              <a:off x="9334500" y="-8467"/>
+              <a:ext cx="2854326" cy="6866467"/>
+            </a:xfrm>
+            <a:custGeom>
+              <a:avLst/>
+              <a:gdLst/>
+              <a:ahLst/>
+              <a:cxnLst/>
+              <a:rect l="l" t="t" r="r" b="b"/>
+              <a:pathLst>
+                <a:path w="2858013" h="6866467">
+                  <a:moveTo>
+                    <a:pt x="0" y="0"/>
+                  </a:moveTo>
+                  <a:lnTo>
+                    <a:pt x="2858013" y="0"/>
+                  </a:lnTo>
+                  <a:lnTo>
+                    <a:pt x="2858013" y="6866467"/>
+                  </a:lnTo>
+                  <a:lnTo>
+                    <a:pt x="2473942" y="6866467"/>
+                  </a:lnTo>
+                  <a:lnTo>
+                    <a:pt x="0" y="0"/>
+                  </a:lnTo>
+                  <a:close/>
+                </a:path>
+              </a:pathLst>
+            </a:custGeom>
+            <a:solidFill>
+              <a:schemeClr val="accent2">
+                <a:lumMod val="75000"/>
+                <a:alpha val="70000"/>
+              </a:schemeClr>
+            </a:solidFill>
+            <a:ln>
+              <a:noFill/>
+            </a:ln>
+            <a:effectLst/>
+          </p:spPr>
+          <p:style>
+            <a:lnRef idx="1">
+              <a:schemeClr val="accent1"/>
+            </a:lnRef>
+            <a:fillRef idx="3">
+              <a:schemeClr val="accent1"/>
+            </a:fillRef>
+            <a:effectRef idx="2">
+              <a:schemeClr val="accent1"/>
+            </a:effectRef>
+            <a:fontRef idx="minor">
+              <a:schemeClr val="lt1"/>
+            </a:fontRef>
+          </p:style>
+        </p:sp>
+        <p:sp>
+          <p:nvSpPr>
+            <p:cNvPr id="26" name="Rectangle 28"/>
+            <p:cNvSpPr/>
+            <p:nvPr/>
+          </p:nvSpPr>
+          <p:spPr>
+            <a:xfrm>
+              <a:off x="10898730" y="-8467"/>
+              <a:ext cx="1290094" cy="6866467"/>
+            </a:xfrm>
+            <a:custGeom>
+              <a:avLst/>
+              <a:gdLst/>
+              <a:ahLst/>
+              <a:cxnLst/>
+              <a:rect l="l" t="t" r="r" b="b"/>
+              <a:pathLst>
+                <a:path w="1290094" h="6858000">
+                  <a:moveTo>
+                    <a:pt x="1019735" y="0"/>
+                  </a:moveTo>
+                  <a:lnTo>
+                    <a:pt x="1290094" y="0"/>
+                  </a:lnTo>
+                  <a:lnTo>
+                    <a:pt x="1290094" y="6858000"/>
+                  </a:lnTo>
+                  <a:lnTo>
+                    <a:pt x="0" y="6858000"/>
+                  </a:lnTo>
+                  <a:lnTo>
+                    <a:pt x="1019735" y="0"/>
+                  </a:lnTo>
+                  <a:close/>
+                </a:path>
+              </a:pathLst>
+            </a:custGeom>
+            <a:solidFill>
+              <a:schemeClr val="accent1">
+                <a:lumMod val="60000"/>
+                <a:lumOff val="40000"/>
+                <a:alpha val="70000"/>
+              </a:schemeClr>
+            </a:solidFill>
+            <a:ln>
+              <a:noFill/>
+            </a:ln>
+            <a:effectLst/>
+          </p:spPr>
+          <p:style>
+            <a:lnRef idx="1">
+              <a:schemeClr val="accent1"/>
+            </a:lnRef>
+            <a:fillRef idx="3">
+              <a:schemeClr val="accent1"/>
+            </a:fillRef>
+            <a:effectRef idx="2">
+              <a:schemeClr val="accent1"/>
+            </a:effectRef>
+            <a:fontRef idx="minor">
+              <a:schemeClr val="lt1"/>
+            </a:fontRef>
+          </p:style>
+        </p:sp>
+        <p:sp>
+          <p:nvSpPr>
+            <p:cNvPr id="27" name="Rectangle 29"/>
+            <p:cNvSpPr/>
+            <p:nvPr/>
+          </p:nvSpPr>
+          <p:spPr>
+            <a:xfrm>
+              <a:off x="10938999" y="-8467"/>
+              <a:ext cx="1249825" cy="6866467"/>
+            </a:xfrm>
+            <a:custGeom>
+              <a:avLst/>
+              <a:gdLst/>
+              <a:ahLst/>
+              <a:cxnLst/>
+              <a:rect l="l" t="t" r="r" b="b"/>
+              <a:pathLst>
+                <a:path w="1249825" h="6858000">
+                  <a:moveTo>
+                    <a:pt x="0" y="0"/>
+                  </a:moveTo>
+                  <a:lnTo>
+                    <a:pt x="1249825" y="0"/>
+                  </a:lnTo>
+                  <a:lnTo>
+                    <a:pt x="1249825" y="6858000"/>
+                  </a:lnTo>
+                  <a:lnTo>
+                    <a:pt x="1109382" y="6858000"/>
+                  </a:lnTo>
+                  <a:lnTo>
+                    <a:pt x="0" y="0"/>
+                  </a:lnTo>
+                  <a:close/>
+                </a:path>
+              </a:pathLst>
+            </a:custGeom>
+            <a:solidFill>
+              <a:schemeClr val="accent1">
+                <a:alpha val="65000"/>
+              </a:schemeClr>
+            </a:solidFill>
+            <a:ln>
+              <a:noFill/>
+            </a:ln>
+            <a:effectLst/>
+          </p:spPr>
+          <p:style>
+            <a:lnRef idx="1">
+              <a:schemeClr val="accent1"/>
+            </a:lnRef>
+            <a:fillRef idx="3">
+              <a:schemeClr val="accent1"/>
+            </a:fillRef>
+            <a:effectRef idx="2">
+              <a:schemeClr val="accent1"/>
+            </a:effectRef>
+            <a:fontRef idx="minor">
+              <a:schemeClr val="lt1"/>
+            </a:fontRef>
+          </p:style>
+        </p:sp>
+        <p:sp>
+          <p:nvSpPr>
+            <p:cNvPr id="28" name="Isosceles Triangle 27"/>
+            <p:cNvSpPr/>
+            <p:nvPr/>
+          </p:nvSpPr>
+          <p:spPr>
+            <a:xfrm>
+              <a:off x="10371666" y="3589867"/>
+              <a:ext cx="1817159" cy="3268133"/>
+            </a:xfrm>
+            <a:prstGeom prst="triangle">
+              <a:avLst>
+                <a:gd name="adj" fmla="val 100000"/>
+              </a:avLst>
+            </a:prstGeom>
+            <a:solidFill>
+              <a:schemeClr val="accent1">
+                <a:alpha val="80000"/>
+              </a:schemeClr>
+            </a:solidFill>
+            <a:ln>
+              <a:noFill/>
+            </a:ln>
+            <a:effectLst/>
+          </p:spPr>
+          <p:style>
+            <a:lnRef idx="1">
+              <a:schemeClr val="accent1"/>
+            </a:lnRef>
+            <a:fillRef idx="3">
+              <a:schemeClr val="accent1"/>
+            </a:fillRef>
+            <a:effectRef idx="2">
+              <a:schemeClr val="accent1"/>
+            </a:effectRef>
+            <a:fontRef idx="minor">
+              <a:schemeClr val="lt1"/>
+            </a:fontRef>
+          </p:style>
+        </p:sp>
+        <p:sp>
+          <p:nvSpPr>
+            <p:cNvPr id="29" name="Isosceles Triangle 28"/>
+            <p:cNvSpPr/>
+            <p:nvPr/>
+          </p:nvSpPr>
+          <p:spPr>
+            <a:xfrm>
+              <a:off x="0" y="4013200"/>
+              <a:ext cx="448733" cy="2844800"/>
+            </a:xfrm>
+            <a:prstGeom prst="triangle">
+              <a:avLst>
+                <a:gd name="adj" fmla="val 0"/>
+              </a:avLst>
+            </a:prstGeom>
+            <a:solidFill>
+              <a:schemeClr val="accent1">
+                <a:alpha val="85000"/>
+              </a:schemeClr>
+            </a:solidFill>
+            <a:ln>
+              <a:noFill/>
+            </a:ln>
+            <a:effectLst/>
+          </p:spPr>
+          <p:style>
+            <a:lnRef idx="1">
+              <a:schemeClr val="accent1"/>
+            </a:lnRef>
+            <a:fillRef idx="3">
+              <a:schemeClr val="accent1"/>
+            </a:fillRef>
+            <a:effectRef idx="2">
+              <a:schemeClr val="accent1"/>
+            </a:effectRef>
+            <a:fontRef idx="minor">
+              <a:schemeClr val="lt1"/>
+            </a:fontRef>
+          </p:style>
+        </p:sp>
+      </p:grpSp>
+      <p:sp>
+        <p:nvSpPr>
+          <p:cNvPr id="2" name="Title Placeholder 1"/>
+          <p:cNvSpPr>
+            <a:spLocks noGrp="1"/>
+          </p:cNvSpPr>
+          <p:nvPr>
+            <p:ph type="title"/>
+          </p:nvPr>
+        </p:nvSpPr>
+        <p:spPr>
+          <a:xfrm>
+            <a:off x="677334" y="609600"/>
+            <a:ext cx="8596668" cy="1320800"/>
+          </a:xfrm>
+          <a:prstGeom prst="rect">
+            <a:avLst/>
+          </a:prstGeom>
+        </p:spPr>
+        <p:txBody>
+          <a:bodyPr vert="horz" lIns="91440" tIns="45720" rIns="91440" bIns="45720" rtlCol="0" anchor="t">
+            <a:normAutofit/>
+          </a:bodyPr>
+          <a:lstStyle/>
+          <a:p>
+            <a:r>
+              <a:rPr lang="en-US"/>
+              <a:t>Click to edit Master title style</a:t>
+            </a:r>
+            <a:endParaRPr lang="en-US" dirty="0"/>
+          </a:p>
+        </p:txBody>
+      </p:sp>
+      <p:sp>
+        <p:nvSpPr>
+          <p:cNvPr id="3" name="Text Placeholder 2"/>
+          <p:cNvSpPr>
+            <a:spLocks noGrp="1"/>
+          </p:cNvSpPr>
+          <p:nvPr>
+            <p:ph type="body" idx="1"/>
+          </p:nvPr>
+        </p:nvSpPr>
+        <p:spPr>
+          <a:xfrm>
+            <a:off x="677334" y="2160589"/>
+            <a:ext cx="8596668" cy="3880773"/>
+          </a:xfrm>
+          <a:prstGeom prst="rect">
+            <a:avLst/>
+          </a:prstGeom>
+        </p:spPr>
+        <p:txBody>
+          <a:bodyPr vert="horz" lIns="91440" tIns="45720" rIns="91440" bIns="45720" rtlCol="0">
+            <a:normAutofit/>
+          </a:bodyPr>
+          <a:lstStyle/>
+          <a:p>
+            <a:pPr lvl="0"/>
+            <a:r>
+              <a:rPr lang="en-US"/>
+              <a:t>Click to edit Master text styles</a:t>
+            </a:r>
+          </a:p>
+          <a:p>
+            <a:pPr lvl="1"/>
+            <a:r>
+              <a:rPr lang="en-US"/>
+              <a:t>Second level</a:t>
+            </a:r>
+          </a:p>
+          <a:p>
+            <a:pPr lvl="2"/>
+            <a:r>
+              <a:rPr lang="en-US"/>
+              <a:t>Third level</a:t>
+            </a:r>
+          </a:p>
+          <a:p>
+            <a:pPr lvl="3"/>
+            <a:r>
+              <a:rPr lang="en-US"/>
+              <a:t>Fourth level</a:t>
+            </a:r>
+          </a:p>
+          <a:p>
+            <a:pPr lvl="4"/>
+            <a:r>
+              <a:rPr lang="en-US"/>
+              <a:t>Fifth level</a:t>
+            </a:r>
+            <a:endParaRPr lang="en-US" dirty="0"/>
+          </a:p>
+        </p:txBody>
+      </p:sp>
+      <p:sp>
+        <p:nvSpPr>
+          <p:cNvPr id="4" name="Date Placeholder 3"/>
+          <p:cNvSpPr>
+            <a:spLocks noGrp="1"/>
+          </p:cNvSpPr>
+          <p:nvPr>
+            <p:ph type="dt" sz="half" idx="2"/>
+          </p:nvPr>
+        </p:nvSpPr>
+        <p:spPr>
+          <a:xfrm>
+            <a:off x="7205133" y="6041362"/>
+            <a:ext cx="911939" cy="365125"/>
+          </a:xfrm>
+          <a:prstGeom prst="rect">
+            <a:avLst/>
+          </a:prstGeom>
+        </p:spPr>
+        <p:txBody>
+          <a:bodyPr vert="horz" lIns="91440" tIns="45720" rIns="91440" bIns="45720" rtlCol="0" anchor="ctr"/>
+          <a:lstStyle>
+            <a:lvl1pPr algn="r">
+              <a:defRPr sz="900">
+                <a:solidFill>
+                  <a:schemeClr val="tx1">
+                    <a:tint val="75000"/>
+                  </a:schemeClr>
+                </a:solidFill>
+              </a:defRPr>
+            </a:lvl1pPr>
+          </a:lstStyle>
+          <a:p>
+            <a:fld id="{D24D63FF-95CC-4D79-9837-41F82E47A435}" type="datetime1">
+              <a:rPr lang="en-US" smtClean="0"/>
+              <a:t>6/3/2024</a:t>
+            </a:fld>
+            <a:endParaRPr lang="en-US"/>
+          </a:p>
+        </p:txBody>
+      </p:sp>
+      <p:sp>
+        <p:nvSpPr>
+          <p:cNvPr id="5" name="Footer Placeholder 4"/>
+          <p:cNvSpPr>
+            <a:spLocks noGrp="1"/>
+          </p:cNvSpPr>
+          <p:nvPr>
+            <p:ph type="ftr" sz="quarter" idx="3"/>
+          </p:nvPr>
+        </p:nvSpPr>
+        <p:spPr>
+          <a:xfrm>
+            <a:off x="677334" y="6041362"/>
+            <a:ext cx="6297612" cy="365125"/>
+          </a:xfrm>
+          <a:prstGeom prst="rect">
+            <a:avLst/>
+          </a:prstGeom>
+        </p:spPr>
+        <p:txBody>
+          <a:bodyPr vert="horz" lIns="91440" tIns="45720" rIns="91440" bIns="45720" rtlCol="0" anchor="ctr"/>
+          <a:lstStyle>
+            <a:lvl1pPr algn="l">
+              <a:defRPr sz="900">
+                <a:solidFill>
+                  <a:schemeClr val="tx1">
+                    <a:tint val="75000"/>
+                  </a:schemeClr>
+                </a:solidFill>
+              </a:defRPr>
+            </a:lvl1pPr>
+          </a:lstStyle>
+          <a:p>
+            <a:endParaRPr lang="en-US"/>
+          </a:p>
+        </p:txBody>
+      </p:sp>
+      <p:sp>
+        <p:nvSpPr>
+          <p:cNvPr id="6" name="Slide Number Placeholder 5"/>
+          <p:cNvSpPr>
+            <a:spLocks noGrp="1"/>
+          </p:cNvSpPr>
+          <p:nvPr>
+            <p:ph type="sldNum" sz="quarter" idx="4"/>
+          </p:nvPr>
+        </p:nvSpPr>
+        <p:spPr>
+          <a:xfrm>
+            <a:off x="8590663" y="6041362"/>
+            <a:ext cx="683339" cy="365125"/>
+          </a:xfrm>
+          <a:prstGeom prst="rect">
+            <a:avLst/>
+          </a:prstGeom>
+        </p:spPr>
+        <p:txBody>
+          <a:bodyPr vert="horz" lIns="91440" tIns="45720" rIns="91440" bIns="45720" rtlCol="0" anchor="ctr"/>
+          <a:lstStyle>
+            <a:lvl1pPr algn="r">
+              <a:defRPr sz="900">
+                <a:solidFill>
+                  <a:schemeClr val="accent1"/>
+                </a:solidFill>
+              </a:defRPr>
+            </a:lvl1pPr>
+          </a:lstStyle>
+          <a:p>
+            <a:fld id="{A6EA515B-EB3D-473C-ADE9-FD8348C61D57}" type="slidenum">
+              <a:rPr lang="en-US" smtClean="0"/>
+              <a:t>‹#›</a:t>
+            </a:fld>
+            <a:endParaRPr lang="en-US"/>
+          </a:p>
+        </p:txBody>
+      </p:sp>
+    </p:spTree>
+    <p:extLst>
+      <p:ext uri="{BB962C8B-B14F-4D97-AF65-F5344CB8AC3E}">
+        <p14:creationId xmlns:p14="http://schemas.microsoft.com/office/powerpoint/2010/main" val="523291894"/>
+      </p:ext>
+    </p:extLst>
+  </p:cSld>
+  <p:clrMap bg1="dk1" tx1="lt1" bg2="dk2" tx2="lt2" accent1="accent1" accent2="accent2" accent3="accent3" accent4="accent4" accent5="accent5" accent6="accent6" hlink="hlink" folHlink="folHlink"/>
+  <p:sldLayoutIdLst>
+    <p:sldLayoutId id="2147483673" r:id="rId1"/>
+    <p:sldLayoutId id="2147483674" r:id="rId2"/>
+    <p:sldLayoutId id="2147483675" r:id="rId3"/>
+    <p:sldLayoutId id="2147483676" r:id="rId4"/>
+    <p:sldLayoutId id="2147483677" r:id="rId5"/>
+    <p:sldLayoutId id="2147483678" r:id="rId6"/>
+    <p:sldLayoutId id="2147483679" r:id="rId7"/>
+    <p:sldLayoutId id="2147483680" r:id="rId8"/>
+    <p:sldLayoutId id="2147483681" r:id="rId9"/>
+    <p:sldLayoutId id="2147483682" r:id="rId10"/>
+    <p:sldLayoutId id="2147483683" r:id="rId11"/>
+    <p:sldLayoutId id="2147483684" r:id="rId12"/>
+    <p:sldLayoutId id="2147483685" r:id="rId13"/>
+    <p:sldLayoutId id="2147483686" r:id="rId14"/>
+    <p:sldLayoutId id="2147483687" r:id="rId15"/>
+    <p:sldLayoutId id="2147483688" r:id="rId16"/>
+  </p:sldLayoutIdLst>
+  <p:hf hdr="0" ftr="0" dt="0"/>
+  <p:txStyles>
+    <p:titleStyle>
+      <a:lvl1pPr algn="l" defTabSz="457200" rtl="0" eaLnBrk="1" latinLnBrk="0" hangingPunct="1">
+        <a:spcBef>
+          <a:spcPct val="0"/>
+        </a:spcBef>
+        <a:buNone/>
+        <a:defRPr sz="3600" kern="1200">
+          <a:solidFill>
+            <a:schemeClr val="accent1"/>
+          </a:solidFill>
+          <a:latin typeface="+mj-lt"/>
+          <a:ea typeface="+mj-ea"/>
+          <a:cs typeface="+mj-cs"/>
+        </a:defRPr>
+      </a:lvl1pPr>
+      <a:lvl2pPr eaLnBrk="1" hangingPunct="1">
+        <a:defRPr>
+          <a:solidFill>
+            <a:schemeClr val="tx2"/>
+          </a:solidFill>
+        </a:defRPr>
+      </a:lvl2pPr>
+      <a:lvl3pPr eaLnBrk="1" hangingPunct="1">
+        <a:defRPr>
+          <a:solidFill>
+            <a:schemeClr val="tx2"/>
+          </a:solidFill>
+        </a:defRPr>
+      </a:lvl3pPr>
+      <a:lvl4pPr eaLnBrk="1" hangingPunct="1">
+        <a:defRPr>
+          <a:solidFill>
+            <a:schemeClr val="tx2"/>
+          </a:solidFill>
+        </a:defRPr>
+      </a:lvl4pPr>
+      <a:lvl5pPr eaLnBrk="1" hangingPunct="1">
+        <a:defRPr>
+          <a:solidFill>
+            <a:schemeClr val="tx2"/>
+          </a:solidFill>
+        </a:defRPr>
+      </a:lvl5pPr>
+      <a:lvl6pPr eaLnBrk="1" hangingPunct="1">
+        <a:defRPr>
+          <a:solidFill>
+            <a:schemeClr val="tx2"/>
+          </a:solidFill>
+        </a:defRPr>
+      </a:lvl6pPr>
+      <a:lvl7pPr eaLnBrk="1" hangingPunct="1">
+        <a:defRPr>
+          <a:solidFill>
+            <a:schemeClr val="tx2"/>
+          </a:solidFill>
+        </a:defRPr>
+      </a:lvl7pPr>
+      <a:lvl8pPr eaLnBrk="1" hangingPunct="1">
+        <a:defRPr>
+          <a:solidFill>
+            <a:schemeClr val="tx2"/>
+          </a:solidFill>
+        </a:defRPr>
+      </a:lvl8pPr>
+      <a:lvl9pPr eaLnBrk="1" hangingPunct="1">
+        <a:defRPr>
+          <a:solidFill>
+            <a:schemeClr val="tx2"/>
+          </a:solidFill>
+        </a:defRPr>
+      </a:lvl9pPr>
+    </p:titleStyle>
+    <p:bodyStyle>
+      <a:lvl1pPr marL="342900" indent="-342900" algn="l" defTabSz="457200" rtl="0" eaLnBrk="1" latinLnBrk="0" hangingPunct="1">
+        <a:spcBef>
+          <a:spcPts val="1000"/>
+        </a:spcBef>
+        <a:spcAft>
+          <a:spcPts val="0"/>
+        </a:spcAft>
+        <a:buClr>
+          <a:schemeClr val="accent1"/>
+        </a:buClr>
+        <a:buSzPct val="80000"/>
+        <a:buFont typeface="Wingdings 3" charset="2"/>
+        <a:buChar char=""/>
+        <a:defRPr sz="1800" kern="1200">
+          <a:solidFill>
+            <a:schemeClr val="tx1">
+              <a:lumMod val="75000"/>
+              <a:lumOff val="25000"/>
+            </a:schemeClr>
+          </a:solidFill>
+          <a:latin typeface="+mn-lt"/>
+          <a:ea typeface="+mn-ea"/>
+          <a:cs typeface="+mn-cs"/>
+        </a:defRPr>
+      </a:lvl1pPr>
+      <a:lvl2pPr marL="742950" indent="-285750" algn="l" defTabSz="457200" rtl="0" eaLnBrk="1" latinLnBrk="0" hangingPunct="1">
+        <a:spcBef>
+          <a:spcPts val="1000"/>
+        </a:spcBef>
+        <a:spcAft>
+          <a:spcPts val="0"/>
+        </a:spcAft>
+        <a:buClr>
+          <a:schemeClr val="accent1"/>
+        </a:buClr>
+        <a:buSzPct val="80000"/>
+        <a:buFont typeface="Wingdings 3" charset="2"/>
+        <a:buChar char=""/>
+        <a:defRPr sz="1600" kern="1200">
+          <a:solidFill>
+            <a:schemeClr val="tx1">
+              <a:lumMod val="75000"/>
+              <a:lumOff val="25000"/>
+            </a:schemeClr>
+          </a:solidFill>
+          <a:latin typeface="+mn-lt"/>
+          <a:ea typeface="+mn-ea"/>
+          <a:cs typeface="+mn-cs"/>
+        </a:defRPr>
+      </a:lvl2pPr>
+      <a:lvl3pPr marL="1143000" indent="-228600" algn="l" defTabSz="457200" rtl="0" eaLnBrk="1" latinLnBrk="0" hangingPunct="1">
+        <a:spcBef>
+          <a:spcPts val="1000"/>
+        </a:spcBef>
+        <a:spcAft>
+          <a:spcPts val="0"/>
+        </a:spcAft>
+        <a:buClr>
+          <a:schemeClr val="accent1"/>
+        </a:buClr>
+        <a:buSzPct val="80000"/>
+        <a:buFont typeface="Wingdings 3" charset="2"/>
+        <a:buChar char=""/>
+        <a:defRPr sz="1400" kern="1200">
+          <a:solidFill>
+            <a:schemeClr val="tx1">
+              <a:lumMod val="75000"/>
+              <a:lumOff val="25000"/>
+            </a:schemeClr>
+          </a:solidFill>
+          <a:latin typeface="+mn-lt"/>
+          <a:ea typeface="+mn-ea"/>
+          <a:cs typeface="+mn-cs"/>
+        </a:defRPr>
+      </a:lvl3pPr>
+      <a:lvl4pPr marL="1600200" indent="-228600" algn="l" defTabSz="457200" rtl="0" eaLnBrk="1" latinLnBrk="0" hangingPunct="1">
+        <a:spcBef>
+          <a:spcPts val="1000"/>
+        </a:spcBef>
+        <a:spcAft>
+          <a:spcPts val="0"/>
+        </a:spcAft>
+        <a:buClr>
+          <a:schemeClr val="accent1"/>
+        </a:buClr>
+        <a:buSzPct val="80000"/>
+        <a:buFont typeface="Wingdings 3" charset="2"/>
+        <a:buChar char=""/>
+        <a:defRPr sz="1200" kern="1200">
+          <a:solidFill>
+            <a:schemeClr val="tx1">
+              <a:lumMod val="75000"/>
+              <a:lumOff val="25000"/>
+            </a:schemeClr>
+          </a:solidFill>
+          <a:latin typeface="+mn-lt"/>
+          <a:ea typeface="+mn-ea"/>
+          <a:cs typeface="+mn-cs"/>
+        </a:defRPr>
+      </a:lvl4pPr>
+      <a:lvl5pPr marL="2057400" indent="-228600" algn="l" defTabSz="457200" rtl="0" eaLnBrk="1" latinLnBrk="0" hangingPunct="1">
+        <a:spcBef>
+          <a:spcPts val="1000"/>
+        </a:spcBef>
+        <a:spcAft>
+          <a:spcPts val="0"/>
+        </a:spcAft>
+        <a:buClr>
+          <a:schemeClr val="accent1"/>
+        </a:buClr>
+        <a:buSzPct val="80000"/>
+        <a:buFont typeface="Wingdings 3" charset="2"/>
+        <a:buChar char=""/>
+        <a:defRPr sz="1200" kern="1200">
+          <a:solidFill>
+            <a:schemeClr val="tx1">
+              <a:lumMod val="75000"/>
+              <a:lumOff val="25000"/>
+            </a:schemeClr>
+          </a:solidFill>
+          <a:latin typeface="+mn-lt"/>
+          <a:ea typeface="+mn-ea"/>
+          <a:cs typeface="+mn-cs"/>
+        </a:defRPr>
+      </a:lvl5pPr>
+      <a:lvl6pPr marL="2514600" indent="-228600" algn="l" defTabSz="457200" rtl="0" eaLnBrk="1" latinLnBrk="0" hangingPunct="1">
+        <a:spcBef>
+          <a:spcPts val="1000"/>
+        </a:spcBef>
+        <a:spcAft>
+          <a:spcPts val="0"/>
+        </a:spcAft>
+        <a:buClr>
+          <a:schemeClr val="accent1"/>
+        </a:buClr>
+        <a:buSzPct val="80000"/>
+        <a:buFont typeface="Wingdings 3" charset="2"/>
+        <a:buChar char=""/>
+        <a:defRPr sz="1200" kern="1200">
+          <a:solidFill>
+            <a:schemeClr val="tx1">
+              <a:lumMod val="75000"/>
+              <a:lumOff val="25000"/>
+            </a:schemeClr>
+          </a:solidFill>
+          <a:latin typeface="+mn-lt"/>
+          <a:ea typeface="+mn-ea"/>
+          <a:cs typeface="+mn-cs"/>
+        </a:defRPr>
+      </a:lvl6pPr>
+      <a:lvl7pPr marL="2971800" indent="-228600" algn="l" defTabSz="457200" rtl="0" eaLnBrk="1" latinLnBrk="0" hangingPunct="1">
+        <a:spcBef>
+          <a:spcPts val="1000"/>
+        </a:spcBef>
+        <a:spcAft>
+          <a:spcPts val="0"/>
+        </a:spcAft>
+        <a:buClr>
+          <a:schemeClr val="accent1"/>
+        </a:buClr>
+        <a:buSzPct val="80000"/>
+        <a:buFont typeface="Wingdings 3" charset="2"/>
+        <a:buChar char=""/>
+        <a:defRPr sz="1200" kern="1200">
+          <a:solidFill>
+            <a:schemeClr val="tx1">
+              <a:lumMod val="75000"/>
+              <a:lumOff val="25000"/>
+            </a:schemeClr>
+          </a:solidFill>
+          <a:latin typeface="+mn-lt"/>
+          <a:ea typeface="+mn-ea"/>
+          <a:cs typeface="+mn-cs"/>
+        </a:defRPr>
+      </a:lvl7pPr>
+      <a:lvl8pPr marL="3429000" indent="-228600" algn="l" defTabSz="457200" rtl="0" eaLnBrk="1" latinLnBrk="0" hangingPunct="1">
+        <a:spcBef>
+          <a:spcPts val="1000"/>
+        </a:spcBef>
+        <a:spcAft>
+          <a:spcPts val="0"/>
+        </a:spcAft>
+        <a:buClr>
+          <a:schemeClr val="accent1"/>
+        </a:buClr>
+        <a:buSzPct val="80000"/>
+        <a:buFont typeface="Wingdings 3" charset="2"/>
+        <a:buChar char=""/>
+        <a:defRPr sz="1200" kern="1200">
+          <a:solidFill>
+            <a:schemeClr val="tx1">
+              <a:lumMod val="75000"/>
+              <a:lumOff val="25000"/>
+            </a:schemeClr>
+          </a:solidFill>
+          <a:latin typeface="+mn-lt"/>
+          <a:ea typeface="+mn-ea"/>
+          <a:cs typeface="+mn-cs"/>
+        </a:defRPr>
+      </a:lvl8pPr>
+      <a:lvl9pPr marL="3886200" indent="-228600" algn="l" defTabSz="457200" rtl="0" eaLnBrk="1" latinLnBrk="0" hangingPunct="1">
+        <a:spcBef>
+          <a:spcPts val="1000"/>
+        </a:spcBef>
+        <a:spcAft>
+          <a:spcPts val="0"/>
+        </a:spcAft>
+        <a:buClr>
+          <a:schemeClr val="accent1"/>
+        </a:buClr>
+        <a:buSzPct val="80000"/>
+        <a:buFont typeface="Wingdings 3" charset="2"/>
+        <a:buChar char=""/>
+        <a:defRPr sz="1200" kern="1200">
+          <a:solidFill>
+            <a:schemeClr val="tx1">
+              <a:lumMod val="75000"/>
+              <a:lumOff val="25000"/>
+            </a:schemeClr>
+          </a:solidFill>
+          <a:latin typeface="+mn-lt"/>
+          <a:ea typeface="+mn-ea"/>
+          <a:cs typeface="+mn-cs"/>
+        </a:defRPr>
+      </a:lvl9pPr>
+    </p:bodyStyle>
+    <p:otherStyle>
+      <a:defPPr>
+        <a:defRPr lang="en-US"/>
+      </a:defPPr>
+      <a:lvl1pPr marL="0" algn="l" defTabSz="457200" rtl="0" eaLnBrk="1" latinLnBrk="0" hangingPunct="1">
+        <a:defRPr sz="1800" kern="1200">
+          <a:solidFill>
+            <a:schemeClr val="tx1"/>
+          </a:solidFill>
+          <a:latin typeface="+mn-lt"/>
+          <a:ea typeface="+mn-ea"/>
+          <a:cs typeface="+mn-cs"/>
+        </a:defRPr>
+      </a:lvl1pPr>
+      <a:lvl2pPr marL="457200" algn="l" defTabSz="457200" rtl="0" eaLnBrk="1" latinLnBrk="0" hangingPunct="1">
+        <a:defRPr sz="1800" kern="1200">
+          <a:solidFill>
+            <a:schemeClr val="tx1"/>
+          </a:solidFill>
+          <a:latin typeface="+mn-lt"/>
+          <a:ea typeface="+mn-ea"/>
+          <a:cs typeface="+mn-cs"/>
+        </a:defRPr>
+      </a:lvl2pPr>
+      <a:lvl3pPr marL="914400" algn="l" defTabSz="457200" rtl="0" eaLnBrk="1" latinLnBrk="0" hangingPunct="1">
+        <a:defRPr sz="1800" kern="1200">
+          <a:solidFill>
+            <a:schemeClr val="tx1"/>
+          </a:solidFill>
+          <a:latin typeface="+mn-lt"/>
+          <a:ea typeface="+mn-ea"/>
+          <a:cs typeface="+mn-cs"/>
+        </a:defRPr>
+      </a:lvl3pPr>
+      <a:lvl4pPr marL="1371600" algn="l" defTabSz="457200" rtl="0" eaLnBrk="1" latinLnBrk="0" hangingPunct="1">
+        <a:defRPr sz="1800" kern="1200">
+          <a:solidFill>
+            <a:schemeClr val="tx1"/>
+          </a:solidFill>
+          <a:latin typeface="+mn-lt"/>
+          <a:ea typeface="+mn-ea"/>
+          <a:cs typeface="+mn-cs"/>
+        </a:defRPr>
+      </a:lvl4pPr>
+      <a:lvl5pPr marL="1828800" algn="l" defTabSz="457200" rtl="0" eaLnBrk="1" latinLnBrk="0" hangingPunct="1">
+        <a:defRPr sz="1800" kern="1200">
+          <a:solidFill>
+            <a:schemeClr val="tx1"/>
+          </a:solidFill>
+          <a:latin typeface="+mn-lt"/>
+          <a:ea typeface="+mn-ea"/>
+          <a:cs typeface="+mn-cs"/>
+        </a:defRPr>
+      </a:lvl5pPr>
+      <a:lvl6pPr marL="2286000" algn="l" defTabSz="457200" rtl="0" eaLnBrk="1" latinLnBrk="0" hangingPunct="1">
+        <a:defRPr sz="1800" kern="1200">
+          <a:solidFill>
+            <a:schemeClr val="tx1"/>
+          </a:solidFill>
+          <a:latin typeface="+mn-lt"/>
+          <a:ea typeface="+mn-ea"/>
+          <a:cs typeface="+mn-cs"/>
+        </a:defRPr>
+      </a:lvl6pPr>
+      <a:lvl7pPr marL="2743200" algn="l" defTabSz="457200" rtl="0" eaLnBrk="1" latinLnBrk="0" hangingPunct="1">
+        <a:defRPr sz="1800" kern="1200">
+          <a:solidFill>
+            <a:schemeClr val="tx1"/>
+          </a:solidFill>
+          <a:latin typeface="+mn-lt"/>
+          <a:ea typeface="+mn-ea"/>
+          <a:cs typeface="+mn-cs"/>
+        </a:defRPr>
+      </a:lvl7pPr>
+      <a:lvl8pPr marL="3200400" algn="l" defTabSz="457200" rtl="0" eaLnBrk="1" latinLnBrk="0" hangingPunct="1">
+        <a:defRPr sz="1800" kern="1200">
+          <a:solidFill>
+            <a:schemeClr val="tx1"/>
+          </a:solidFill>
+          <a:latin typeface="+mn-lt"/>
+          <a:ea typeface="+mn-ea"/>
+          <a:cs typeface="+mn-cs"/>
+        </a:defRPr>
+      </a:lvl8pPr>
+      <a:lvl9pPr marL="3657600" algn="l" defTabSz="457200" rtl="0" eaLnBrk="1" latinLnBrk="0" hangingPunct="1">
+        <a:defRPr sz="1800" kern="1200">
+          <a:solidFill>
+            <a:schemeClr val="tx1"/>
+          </a:solidFill>
+          <a:latin typeface="+mn-lt"/>
+          <a:ea typeface="+mn-ea"/>
+          <a:cs typeface="+mn-cs"/>
+        </a:defRPr>
+      </a:lvl9pPr>
+    </p:otherStyle>
+  </p:txStyles>
+</p:sldMaster>
+</file>
+
 <file path=ppt/slides/slide1.xml><?xml version="1.0" encoding="utf-8"?>
 <p:sld xmlns:a="http://schemas.openxmlformats.org/drawingml/2006/main" xmlns:r="http://schemas.openxmlformats.org/officeDocument/2006/relationships" xmlns:p="http://schemas.openxmlformats.org/presentationml/2006/main">
   <p:cSld>
@@ -4103,6 +9808,255 @@
 </file>
 
 <file path=ppt/slides/slide7.xml><?xml version="1.0" encoding="utf-8"?>
+<p:sld xmlns:a="http://schemas.openxmlformats.org/drawingml/2006/main" xmlns:r="http://schemas.openxmlformats.org/officeDocument/2006/relationships" xmlns:p="http://schemas.openxmlformats.org/presentationml/2006/main">
+  <p:cSld>
+    <p:spTree>
+      <p:nvGrpSpPr>
+        <p:cNvPr id="1" name=""/>
+        <p:cNvGrpSpPr/>
+        <p:nvPr/>
+      </p:nvGrpSpPr>
+      <p:grpSpPr>
+        <a:xfrm>
+          <a:off x="0" y="0"/>
+          <a:ext cx="0" cy="0"/>
+          <a:chOff x="0" y="0"/>
+          <a:chExt cx="0" cy="0"/>
+        </a:xfrm>
+      </p:grpSpPr>
+      <p:sp>
+        <p:nvSpPr>
+          <p:cNvPr id="2" name="Title 1">
+            <a:extLst>
+              <a:ext uri="{FF2B5EF4-FFF2-40B4-BE49-F238E27FC236}">
+                <a16:creationId xmlns:a16="http://schemas.microsoft.com/office/drawing/2014/main" id="{A803BCE7-414D-3EAA-9C61-81A68BF81CB3}"/>
+              </a:ext>
+            </a:extLst>
+          </p:cNvPr>
+          <p:cNvSpPr>
+            <a:spLocks noGrp="1"/>
+          </p:cNvSpPr>
+          <p:nvPr>
+            <p:ph type="title"/>
+          </p:nvPr>
+        </p:nvSpPr>
+        <p:spPr/>
+        <p:txBody>
+          <a:bodyPr/>
+          <a:lstStyle/>
+          <a:p>
+            <a:r>
+              <a:rPr lang="en-US" dirty="0">
+                <a:solidFill>
+                  <a:srgbClr val="FF0000"/>
+                </a:solidFill>
+              </a:rPr>
+              <a:t>Help Expand NeuroDOT’s Utility!</a:t>
+            </a:r>
+          </a:p>
+        </p:txBody>
+      </p:sp>
+      <p:sp>
+        <p:nvSpPr>
+          <p:cNvPr id="3" name="Content Placeholder 2">
+            <a:extLst>
+              <a:ext uri="{FF2B5EF4-FFF2-40B4-BE49-F238E27FC236}">
+                <a16:creationId xmlns:a16="http://schemas.microsoft.com/office/drawing/2014/main" id="{B4AE1AFD-E0BF-B7CE-30F1-4AED6553B085}"/>
+              </a:ext>
+            </a:extLst>
+          </p:cNvPr>
+          <p:cNvSpPr>
+            <a:spLocks noGrp="1"/>
+          </p:cNvSpPr>
+          <p:nvPr>
+            <p:ph idx="1"/>
+          </p:nvPr>
+        </p:nvSpPr>
+        <p:spPr>
+          <a:xfrm>
+            <a:off x="677334" y="2170316"/>
+            <a:ext cx="10062002" cy="3880773"/>
+          </a:xfrm>
+        </p:spPr>
+        <p:txBody>
+          <a:bodyPr>
+            <a:normAutofit lnSpcReduction="10000"/>
+          </a:bodyPr>
+          <a:lstStyle/>
+          <a:p>
+            <a:r>
+              <a:rPr lang="en-US" dirty="0"/>
+              <a:t>Please fill out the NeuroDOT registration form to help us better develop the NeuroDOT toolbox and expand its utility to address your fNIRS/DOT data analysis needs:</a:t>
+            </a:r>
+          </a:p>
+          <a:p>
+            <a:pPr lvl="1"/>
+            <a:r>
+              <a:rPr lang="en-US" dirty="0">
+                <a:hlinkClick r:id="rId2"/>
+              </a:rPr>
+              <a:t>https://forms.gle/8QNGnx7ZbKuUHg3bA</a:t>
+            </a:r>
+            <a:r>
+              <a:rPr lang="en-US" dirty="0"/>
+              <a:t> </a:t>
+            </a:r>
+          </a:p>
+          <a:p>
+            <a:pPr marL="457200" lvl="1" indent="0">
+              <a:buNone/>
+            </a:pPr>
+            <a:endParaRPr lang="en-US" dirty="0"/>
+          </a:p>
+          <a:p>
+            <a:pPr marL="457200" lvl="1" indent="0">
+              <a:buNone/>
+            </a:pPr>
+            <a:endParaRPr lang="en-US" dirty="0"/>
+          </a:p>
+          <a:p>
+            <a:pPr marL="457200" lvl="1" indent="0">
+              <a:buNone/>
+            </a:pPr>
+            <a:endParaRPr lang="en-US" dirty="0"/>
+          </a:p>
+          <a:p>
+            <a:r>
+              <a:rPr lang="en-US" dirty="0"/>
+              <a:t>Additionally, please provide specific feedback, or ask questions to the development team:</a:t>
+            </a:r>
+          </a:p>
+          <a:p>
+            <a:pPr lvl="1"/>
+            <a:r>
+              <a:rPr lang="en-US" dirty="0">
+                <a:hlinkClick r:id="rId3"/>
+              </a:rPr>
+              <a:t>https://forms.gle/jv6RkX5s784LgQC89</a:t>
+            </a:r>
+            <a:r>
+              <a:rPr lang="en-US" dirty="0"/>
+              <a:t> </a:t>
+            </a:r>
+          </a:p>
+          <a:p>
+            <a:endParaRPr lang="en-US" dirty="0"/>
+          </a:p>
+          <a:p>
+            <a:r>
+              <a:rPr lang="en-US" b="1" i="1" dirty="0">
+                <a:solidFill>
+                  <a:schemeClr val="accent1"/>
+                </a:solidFill>
+              </a:rPr>
+              <a:t>Note: you will not be contacted by the NeuroDOT development team unless you opt-in to receiving communications.</a:t>
+            </a:r>
+          </a:p>
+        </p:txBody>
+      </p:sp>
+      <p:sp>
+        <p:nvSpPr>
+          <p:cNvPr id="4" name="Slide Number Placeholder 3">
+            <a:extLst>
+              <a:ext uri="{FF2B5EF4-FFF2-40B4-BE49-F238E27FC236}">
+                <a16:creationId xmlns:a16="http://schemas.microsoft.com/office/drawing/2014/main" id="{57A55562-6001-7F2E-323C-203129D6ED5A}"/>
+              </a:ext>
+            </a:extLst>
+          </p:cNvPr>
+          <p:cNvSpPr>
+            <a:spLocks noGrp="1"/>
+          </p:cNvSpPr>
+          <p:nvPr>
+            <p:ph type="sldNum" sz="quarter" idx="12"/>
+          </p:nvPr>
+        </p:nvSpPr>
+        <p:spPr/>
+        <p:txBody>
+          <a:bodyPr/>
+          <a:lstStyle/>
+          <a:p>
+            <a:pPr marL="0" marR="0" lvl="0" indent="0" algn="r" defTabSz="914400" rtl="0" eaLnBrk="1" fontAlgn="auto" latinLnBrk="0" hangingPunct="1">
+              <a:lnSpc>
+                <a:spcPct val="100000"/>
+              </a:lnSpc>
+              <a:spcBef>
+                <a:spcPts val="0"/>
+              </a:spcBef>
+              <a:spcAft>
+                <a:spcPts val="0"/>
+              </a:spcAft>
+              <a:buClrTx/>
+              <a:buSzTx/>
+              <a:buFontTx/>
+              <a:buNone/>
+              <a:tabLst/>
+              <a:defRPr/>
+            </a:pPr>
+            <a:fld id="{A6EA515B-EB3D-473C-ADE9-FD8348C61D57}" type="slidenum">
+              <a:rPr kumimoji="0" lang="en-US" sz="900" b="0" i="0" u="none" strike="noStrike" kern="1200" cap="none" spc="0" normalizeH="0" baseline="0" noProof="0" smtClean="0">
+                <a:ln>
+                  <a:noFill/>
+                </a:ln>
+                <a:solidFill>
+                  <a:srgbClr val="90C226"/>
+                </a:solidFill>
+                <a:effectLst/>
+                <a:uLnTx/>
+                <a:uFillTx/>
+                <a:latin typeface="Trebuchet MS" panose="020B0603020202020204"/>
+                <a:ea typeface="+mn-ea"/>
+                <a:cs typeface="+mn-cs"/>
+              </a:rPr>
+              <a:pPr marL="0" marR="0" lvl="0" indent="0" algn="r" defTabSz="914400" rtl="0" eaLnBrk="1" fontAlgn="auto" latinLnBrk="0" hangingPunct="1">
+                <a:lnSpc>
+                  <a:spcPct val="100000"/>
+                </a:lnSpc>
+                <a:spcBef>
+                  <a:spcPts val="0"/>
+                </a:spcBef>
+                <a:spcAft>
+                  <a:spcPts val="0"/>
+                </a:spcAft>
+                <a:buClrTx/>
+                <a:buSzTx/>
+                <a:buFontTx/>
+                <a:buNone/>
+                <a:tabLst/>
+                <a:defRPr/>
+              </a:pPr>
+              <a:t>7</a:t>
+            </a:fld>
+            <a:endParaRPr kumimoji="0" lang="en-US" sz="900" b="0" i="0" u="none" strike="noStrike" kern="1200" cap="none" spc="0" normalizeH="0" baseline="0" noProof="0">
+              <a:ln>
+                <a:noFill/>
+              </a:ln>
+              <a:solidFill>
+                <a:srgbClr val="90C226"/>
+              </a:solidFill>
+              <a:effectLst/>
+              <a:uLnTx/>
+              <a:uFillTx/>
+              <a:latin typeface="Trebuchet MS" panose="020B0603020202020204"/>
+              <a:ea typeface="+mn-ea"/>
+              <a:cs typeface="+mn-cs"/>
+            </a:endParaRPr>
+          </a:p>
+        </p:txBody>
+      </p:sp>
+    </p:spTree>
+    <p:extLst>
+      <p:ext uri="{BB962C8B-B14F-4D97-AF65-F5344CB8AC3E}">
+        <p14:creationId xmlns:p14="http://schemas.microsoft.com/office/powerpoint/2010/main" val="1735739344"/>
+      </p:ext>
+    </p:extLst>
+  </p:cSld>
+  <p:clrMapOvr>
+    <a:masterClrMapping/>
+  </p:clrMapOvr>
+</p:sld>
+</file>
+
+<file path=ppt/slides/slide8.xml><?xml version="1.0" encoding="utf-8"?>
 <p:sld xmlns:a="http://schemas.openxmlformats.org/drawingml/2006/main" xmlns:r="http://schemas.openxmlformats.org/officeDocument/2006/relationships" xmlns:p="http://schemas.openxmlformats.org/presentationml/2006/main">
   <p:cSld>
     <p:spTree>
@@ -4618,4 +10572,261 @@
     </a:ext>
   </a:extLst>
 </a:theme>
+</file>
+
+<file path=ppt/theme/theme2.xml><?xml version="1.0" encoding="utf-8"?>
+<a:theme xmlns:a="http://schemas.openxmlformats.org/drawingml/2006/main" name="Facet">
+  <a:themeElements>
+    <a:clrScheme name="Facet">
+      <a:dk1>
+        <a:sysClr val="windowText" lastClr="000000"/>
+      </a:dk1>
+      <a:lt1>
+        <a:sysClr val="window" lastClr="FFFFFF"/>
+      </a:lt1>
+      <a:dk2>
+        <a:srgbClr val="2C3C43"/>
+      </a:dk2>
+      <a:lt2>
+        <a:srgbClr val="EBEBEB"/>
+      </a:lt2>
+      <a:accent1>
+        <a:srgbClr val="90C226"/>
+      </a:accent1>
+      <a:accent2>
+        <a:srgbClr val="54A021"/>
+      </a:accent2>
+      <a:accent3>
+        <a:srgbClr val="E6B91E"/>
+      </a:accent3>
+      <a:accent4>
+        <a:srgbClr val="E76618"/>
+      </a:accent4>
+      <a:accent5>
+        <a:srgbClr val="C42F1A"/>
+      </a:accent5>
+      <a:accent6>
+        <a:srgbClr val="918655"/>
+      </a:accent6>
+      <a:hlink>
+        <a:srgbClr val="99CA3C"/>
+      </a:hlink>
+      <a:folHlink>
+        <a:srgbClr val="B9D181"/>
+      </a:folHlink>
+    </a:clrScheme>
+    <a:fontScheme name="Facet">
+      <a:majorFont>
+        <a:latin typeface="Trebuchet MS" panose="020B0603020202020204"/>
+        <a:ea typeface=""/>
+        <a:cs typeface=""/>
+        <a:font script="Jpan" typeface="メイリオ"/>
+        <a:font script="Hang" typeface="맑은 고딕"/>
+        <a:font script="Hans" typeface="方正姚体"/>
+        <a:font script="Hant" typeface="微軟正黑體"/>
+        <a:font script="Arab" typeface="Tahoma"/>
+        <a:font script="Hebr" typeface="Arial"/>
+        <a:font script="Thai" typeface="Cordia New"/>
+        <a:font script="Ethi" typeface="Nyala"/>
+        <a:font script="Beng" typeface="Vrinda"/>
+        <a:font script="Gujr" typeface="Shruti"/>
+        <a:font script="Khmr" typeface="DaunPenh"/>
+        <a:font script="Knda" typeface="Tunga"/>
+        <a:font script="Guru" typeface="Raavi"/>
+        <a:font script="Cans" typeface="Euphemia"/>
+        <a:font script="Cher" typeface="Plantagenet Cherokee"/>
+        <a:font script="Yiii" typeface="Microsoft Yi Baiti"/>
+        <a:font script="Tibt" typeface="Microsoft Himalaya"/>
+        <a:font script="Thaa" typeface="MV Boli"/>
+        <a:font script="Deva" typeface="Mangal"/>
+        <a:font script="Telu" typeface="Gautami"/>
+        <a:font script="Taml" typeface="Latha"/>
+        <a:font script="Syrc" typeface="Estrangelo Edessa"/>
+        <a:font script="Orya" typeface="Kalinga"/>
+        <a:font script="Mlym" typeface="Kartika"/>
+        <a:font script="Laoo" typeface="DokChampa"/>
+        <a:font script="Sinh" typeface="Iskoola Pota"/>
+        <a:font script="Mong" typeface="Mongolian Baiti"/>
+        <a:font script="Viet" typeface="Tahoma"/>
+        <a:font script="Uigh" typeface="Microsoft Uighur"/>
+        <a:font script="Geor" typeface="Sylfaen"/>
+      </a:majorFont>
+      <a:minorFont>
+        <a:latin typeface="Trebuchet MS" panose="020B0603020202020204"/>
+        <a:ea typeface=""/>
+        <a:cs typeface=""/>
+        <a:font script="Jpan" typeface="メイリオ"/>
+        <a:font script="Hang" typeface="HY그래픽M"/>
+        <a:font script="Hans" typeface="华文新魏"/>
+        <a:font script="Hant" typeface="微軟正黑體"/>
+        <a:font script="Arab" typeface="Tahoma"/>
+        <a:font script="Hebr" typeface="Gisha"/>
+        <a:font script="Thai" typeface="IrisUPC"/>
+        <a:font script="Ethi" typeface="Nyala"/>
+        <a:font script="Beng" typeface="Vrinda"/>
+        <a:font script="Gujr" typeface="Shruti"/>
+        <a:font script="Khmr" typeface="DaunPenh"/>
+        <a:font script="Knda" typeface="Tunga"/>
+        <a:font script="Guru" typeface="Raavi"/>
+        <a:font script="Cans" typeface="Euphemia"/>
+        <a:font script="Cher" typeface="Plantagenet Cherokee"/>
+        <a:font script="Yiii" typeface="Microsoft Yi Baiti"/>
+        <a:font script="Tibt" typeface="Microsoft Himalaya"/>
+        <a:font script="Thaa" typeface="MV Boli"/>
+        <a:font script="Deva" typeface="Mangal"/>
+        <a:font script="Telu" typeface="Gautami"/>
+        <a:font script="Taml" typeface="Latha"/>
+        <a:font script="Syrc" typeface="Estrangelo Edessa"/>
+        <a:font script="Orya" typeface="Kalinga"/>
+        <a:font script="Mlym" typeface="Kartika"/>
+        <a:font script="Laoo" typeface="DokChampa"/>
+        <a:font script="Sinh" typeface="Iskoola Pota"/>
+        <a:font script="Mong" typeface="Mongolian Baiti"/>
+        <a:font script="Viet" typeface="Arial"/>
+        <a:font script="Uigh" typeface="Microsoft Uighur"/>
+        <a:font script="Geor" typeface="Sylfaen"/>
+      </a:minorFont>
+    </a:fontScheme>
+    <a:fmtScheme name="Facet">
+      <a:fillStyleLst>
+        <a:solidFill>
+          <a:schemeClr val="phClr"/>
+        </a:solidFill>
+        <a:gradFill rotWithShape="1">
+          <a:gsLst>
+            <a:gs pos="0">
+              <a:schemeClr val="phClr">
+                <a:tint val="65000"/>
+                <a:lumMod val="110000"/>
+              </a:schemeClr>
+            </a:gs>
+            <a:gs pos="88000">
+              <a:schemeClr val="phClr">
+                <a:tint val="90000"/>
+              </a:schemeClr>
+            </a:gs>
+          </a:gsLst>
+          <a:lin ang="5400000" scaled="0"/>
+        </a:gradFill>
+        <a:gradFill rotWithShape="1">
+          <a:gsLst>
+            <a:gs pos="0">
+              <a:schemeClr val="phClr">
+                <a:tint val="96000"/>
+                <a:lumMod val="100000"/>
+              </a:schemeClr>
+            </a:gs>
+            <a:gs pos="78000">
+              <a:schemeClr val="phClr">
+                <a:shade val="94000"/>
+                <a:lumMod val="94000"/>
+              </a:schemeClr>
+            </a:gs>
+          </a:gsLst>
+          <a:lin ang="5400000" scaled="0"/>
+        </a:gradFill>
+      </a:fillStyleLst>
+      <a:lnStyleLst>
+        <a:ln w="12700" cap="rnd" cmpd="sng" algn="ctr">
+          <a:solidFill>
+            <a:schemeClr val="phClr"/>
+          </a:solidFill>
+          <a:prstDash val="solid"/>
+        </a:ln>
+        <a:ln w="19050" cap="rnd" cmpd="sng" algn="ctr">
+          <a:solidFill>
+            <a:schemeClr val="phClr"/>
+          </a:solidFill>
+          <a:prstDash val="solid"/>
+        </a:ln>
+        <a:ln w="25400" cap="rnd" cmpd="sng" algn="ctr">
+          <a:solidFill>
+            <a:schemeClr val="phClr"/>
+          </a:solidFill>
+          <a:prstDash val="solid"/>
+        </a:ln>
+      </a:lnStyleLst>
+      <a:effectStyleLst>
+        <a:effectStyle>
+          <a:effectLst/>
+        </a:effectStyle>
+        <a:effectStyle>
+          <a:effectLst>
+            <a:outerShdw blurRad="38100" dist="25400" dir="5400000" rotWithShape="0">
+              <a:srgbClr val="000000">
+                <a:alpha val="35000"/>
+              </a:srgbClr>
+            </a:outerShdw>
+          </a:effectLst>
+        </a:effectStyle>
+        <a:effectStyle>
+          <a:effectLst>
+            <a:outerShdw blurRad="50800" dist="38100" dir="5400000" rotWithShape="0">
+              <a:srgbClr val="000000">
+                <a:alpha val="35000"/>
+              </a:srgbClr>
+            </a:outerShdw>
+          </a:effectLst>
+          <a:scene3d>
+            <a:camera prst="orthographicFront">
+              <a:rot lat="0" lon="0" rev="0"/>
+            </a:camera>
+            <a:lightRig rig="threePt" dir="tl"/>
+          </a:scene3d>
+          <a:sp3d prstMaterial="plastic">
+            <a:bevelT w="0" h="0"/>
+          </a:sp3d>
+        </a:effectStyle>
+      </a:effectStyleLst>
+      <a:bgFillStyleLst>
+        <a:solidFill>
+          <a:schemeClr val="phClr"/>
+        </a:solidFill>
+        <a:gradFill rotWithShape="1">
+          <a:gsLst>
+            <a:gs pos="0">
+              <a:schemeClr val="phClr">
+                <a:tint val="90000"/>
+                <a:lumMod val="104000"/>
+              </a:schemeClr>
+            </a:gs>
+            <a:gs pos="94000">
+              <a:schemeClr val="phClr">
+                <a:shade val="96000"/>
+                <a:lumMod val="82000"/>
+              </a:schemeClr>
+            </a:gs>
+          </a:gsLst>
+          <a:lin ang="5400000" scaled="0"/>
+        </a:gradFill>
+        <a:gradFill rotWithShape="1">
+          <a:gsLst>
+            <a:gs pos="0">
+              <a:schemeClr val="phClr">
+                <a:tint val="90000"/>
+                <a:lumMod val="110000"/>
+              </a:schemeClr>
+            </a:gs>
+            <a:gs pos="100000">
+              <a:schemeClr val="phClr">
+                <a:shade val="94000"/>
+                <a:lumMod val="96000"/>
+              </a:schemeClr>
+            </a:gs>
+          </a:gsLst>
+          <a:path path="circle">
+            <a:fillToRect l="50000" t="50000" r="100000" b="100000"/>
+          </a:path>
+        </a:gradFill>
+      </a:bgFillStyleLst>
+    </a:fmtScheme>
+  </a:themeElements>
+  <a:objectDefaults/>
+  <a:extraClrSchemeLst/>
+  <a:extLst>
+    <a:ext uri="{05A4C25C-085E-4340-85A3-A5531E510DB2}">
+      <thm15:themeFamily xmlns:thm15="http://schemas.microsoft.com/office/thememl/2012/main" name="Facet" id="{C0C680CD-088A-49FC-A102-D699147F32B2}" vid="{8C59B386-999D-4CB6-B907-9F3997C027CC}"/>
+    </a:ext>
+  </a:extLst>
+</a:theme>
 </file>